--- a/答辩/答辩ppt.pptx
+++ b/答辩/答辩ppt.pptx
@@ -6,7 +6,7 @@
     <p:sldMasterId id="2147483672" r:id="rId2"/>
   </p:sldMasterIdLst>
   <p:notesMasterIdLst>
-    <p:notesMasterId r:id="rId48"/>
+    <p:notesMasterId r:id="rId47"/>
   </p:notesMasterIdLst>
   <p:sldIdLst>
     <p:sldId id="256" r:id="rId3"/>
@@ -23,37 +23,36 @@
     <p:sldId id="291" r:id="rId14"/>
     <p:sldId id="292" r:id="rId15"/>
     <p:sldId id="324" r:id="rId16"/>
-    <p:sldId id="321" r:id="rId17"/>
-    <p:sldId id="293" r:id="rId18"/>
-    <p:sldId id="294" r:id="rId19"/>
-    <p:sldId id="295" r:id="rId20"/>
-    <p:sldId id="296" r:id="rId21"/>
-    <p:sldId id="297" r:id="rId22"/>
-    <p:sldId id="298" r:id="rId23"/>
-    <p:sldId id="299" r:id="rId24"/>
-    <p:sldId id="300" r:id="rId25"/>
-    <p:sldId id="301" r:id="rId26"/>
-    <p:sldId id="302" r:id="rId27"/>
-    <p:sldId id="303" r:id="rId28"/>
-    <p:sldId id="325" r:id="rId29"/>
-    <p:sldId id="304" r:id="rId30"/>
-    <p:sldId id="305" r:id="rId31"/>
-    <p:sldId id="306" r:id="rId32"/>
-    <p:sldId id="322" r:id="rId33"/>
-    <p:sldId id="307" r:id="rId34"/>
-    <p:sldId id="308" r:id="rId35"/>
-    <p:sldId id="309" r:id="rId36"/>
-    <p:sldId id="310" r:id="rId37"/>
-    <p:sldId id="326" r:id="rId38"/>
-    <p:sldId id="311" r:id="rId39"/>
-    <p:sldId id="312" r:id="rId40"/>
-    <p:sldId id="313" r:id="rId41"/>
-    <p:sldId id="314" r:id="rId42"/>
-    <p:sldId id="315" r:id="rId43"/>
-    <p:sldId id="316" r:id="rId44"/>
-    <p:sldId id="317" r:id="rId45"/>
-    <p:sldId id="327" r:id="rId46"/>
-    <p:sldId id="328" r:id="rId47"/>
+    <p:sldId id="293" r:id="rId17"/>
+    <p:sldId id="294" r:id="rId18"/>
+    <p:sldId id="295" r:id="rId19"/>
+    <p:sldId id="296" r:id="rId20"/>
+    <p:sldId id="297" r:id="rId21"/>
+    <p:sldId id="298" r:id="rId22"/>
+    <p:sldId id="299" r:id="rId23"/>
+    <p:sldId id="300" r:id="rId24"/>
+    <p:sldId id="301" r:id="rId25"/>
+    <p:sldId id="302" r:id="rId26"/>
+    <p:sldId id="303" r:id="rId27"/>
+    <p:sldId id="325" r:id="rId28"/>
+    <p:sldId id="304" r:id="rId29"/>
+    <p:sldId id="305" r:id="rId30"/>
+    <p:sldId id="306" r:id="rId31"/>
+    <p:sldId id="322" r:id="rId32"/>
+    <p:sldId id="307" r:id="rId33"/>
+    <p:sldId id="308" r:id="rId34"/>
+    <p:sldId id="309" r:id="rId35"/>
+    <p:sldId id="310" r:id="rId36"/>
+    <p:sldId id="326" r:id="rId37"/>
+    <p:sldId id="311" r:id="rId38"/>
+    <p:sldId id="312" r:id="rId39"/>
+    <p:sldId id="313" r:id="rId40"/>
+    <p:sldId id="314" r:id="rId41"/>
+    <p:sldId id="315" r:id="rId42"/>
+    <p:sldId id="316" r:id="rId43"/>
+    <p:sldId id="317" r:id="rId44"/>
+    <p:sldId id="327" r:id="rId45"/>
+    <p:sldId id="328" r:id="rId46"/>
   </p:sldIdLst>
   <p:sldSz cx="9144000" cy="6858000" type="screen4x3"/>
   <p:notesSz cx="6858000" cy="9144000"/>
@@ -1440,7 +1439,7 @@
                 <a:cs typeface="Verdana"/>
                 <a:sym typeface="Verdana"/>
               </a:rPr>
-              <a:t>18</a:t>
+              <a:t>17</a:t>
             </a:fld>
             <a:endParaRPr lang="en-US" sz="1200" b="0" i="0" u="none" strike="noStrike" cap="none">
               <a:solidFill>
@@ -23375,7 +23374,7 @@
             </a:pPr>
             <a:fld id="{EA0F32D3-AA1C-AC4A-9A7B-E581499B94E1}" type="datetime2">
               <a:rPr lang="en-US" altLang="zh-CN"/>
-              <a:t>Wednesday, May 31, 2017</a:t>
+              <a:t>Thursday, June 1, 2017</a:t>
             </a:fld>
             <a:endParaRPr lang="en-US" sz="2800" b="0" i="0" u="none" strike="noStrike" cap="none" dirty="0">
               <a:solidFill>
@@ -25186,11 +25185,7 @@
           <a:p>
             <a:r>
               <a:rPr kumimoji="1" lang="zh-CN" altLang="en-US" dirty="0" smtClean="0"/>
-              <a:t>系统参数</a:t>
-            </a:r>
-            <a:r>
-              <a:rPr kumimoji="1" lang="zh-CN" altLang="en-US" dirty="0" smtClean="0"/>
-              <a:t>法</a:t>
+              <a:t>系统参数法</a:t>
             </a:r>
           </a:p>
           <a:p>
@@ -25207,7 +25202,6 @@
               <a:rPr kumimoji="1" lang="en-US" altLang="zh-CN" dirty="0" smtClean="0"/>
               <a:t>top</a:t>
             </a:r>
-            <a:endParaRPr kumimoji="1" lang="en-US" altLang="zh-CN" dirty="0" smtClean="0"/>
           </a:p>
           <a:p>
             <a:r>
@@ -25219,11 +25213,7 @@
           <a:p>
             <a:r>
               <a:rPr kumimoji="1" lang="zh-CN" altLang="en-US" dirty="0" smtClean="0"/>
-              <a:t>页面截获</a:t>
-            </a:r>
-            <a:r>
-              <a:rPr kumimoji="1" lang="zh-CN" altLang="en-US" dirty="0" smtClean="0"/>
-              <a:t>法</a:t>
+              <a:t>页面截获法</a:t>
             </a:r>
           </a:p>
           <a:p>
@@ -26146,7 +26136,45 @@
                   <a:srgbClr val="FF0000"/>
                 </a:solidFill>
               </a:rPr>
-              <a:t>设计与实现</a:t>
+              <a:t>设计与</a:t>
+            </a:r>
+            <a:r>
+              <a:rPr kumimoji="1" lang="zh-CN" altLang="en-US" dirty="0" smtClean="0">
+                <a:solidFill>
+                  <a:srgbClr val="FF0000"/>
+                </a:solidFill>
+              </a:rPr>
+              <a:t>实现</a:t>
+            </a:r>
+            <a:endParaRPr kumimoji="1" lang="en-US" altLang="zh-CN" dirty="0" smtClean="0">
+              <a:solidFill>
+                <a:srgbClr val="FF0000"/>
+              </a:solidFill>
+            </a:endParaRPr>
+          </a:p>
+          <a:p>
+            <a:pPr lvl="1"/>
+            <a:r>
+              <a:rPr kumimoji="1" lang="zh-CN" altLang="en-US" dirty="0"/>
+              <a:t>虚拟化下页面截获</a:t>
+            </a:r>
+          </a:p>
+          <a:p>
+            <a:pPr lvl="1"/>
+            <a:r>
+              <a:rPr kumimoji="1" lang="en-US" altLang="zh-CN" dirty="0"/>
+              <a:t>AET</a:t>
+            </a:r>
+            <a:r>
+              <a:rPr kumimoji="1" lang="zh-CN" altLang="en-US" dirty="0"/>
+              <a:t>算法及其实现</a:t>
+            </a:r>
+          </a:p>
+          <a:p>
+            <a:pPr lvl="1"/>
+            <a:r>
+              <a:rPr kumimoji="1" lang="zh-CN" altLang="en-US" dirty="0" smtClean="0"/>
+              <a:t>系统优化</a:t>
             </a:r>
             <a:endParaRPr kumimoji="1" lang="en-US" altLang="zh-CN" dirty="0" smtClean="0">
               <a:solidFill>
@@ -26164,11 +26192,7 @@
           <a:p>
             <a:r>
               <a:rPr kumimoji="1" lang="zh-CN" altLang="en-US" dirty="0" smtClean="0"/>
-              <a:t>总结与</a:t>
-            </a:r>
-            <a:r>
-              <a:rPr kumimoji="1" lang="zh-CN" altLang="en-US" dirty="0" smtClean="0"/>
-              <a:t>展望</a:t>
+              <a:t>总结与展望</a:t>
             </a:r>
             <a:endParaRPr kumimoji="1" lang="zh-CN" altLang="en-US" dirty="0"/>
           </a:p>
@@ -26283,159 +26307,6 @@
               <a:rPr kumimoji="1" lang="zh-CN" altLang="en-US" dirty="0"/>
               <a:t>设计与实现</a:t>
             </a:r>
-            <a:endParaRPr kumimoji="1" lang="zh-CN" altLang="en-US" dirty="0"/>
-          </a:p>
-        </p:txBody>
-      </p:sp>
-      <p:sp>
-        <p:nvSpPr>
-          <p:cNvPr id="3" name="文本占位符 2"/>
-          <p:cNvSpPr>
-            <a:spLocks noGrp="1"/>
-          </p:cNvSpPr>
-          <p:nvPr>
-            <p:ph type="body" idx="1"/>
-          </p:nvPr>
-        </p:nvSpPr>
-        <p:spPr/>
-        <p:txBody>
-          <a:bodyPr/>
-          <a:lstStyle/>
-          <a:p>
-            <a:r>
-              <a:rPr kumimoji="1" lang="zh-CN" altLang="en-US" dirty="0" smtClean="0"/>
-              <a:t>虚拟化下页面截获</a:t>
-            </a:r>
-          </a:p>
-          <a:p>
-            <a:r>
-              <a:rPr kumimoji="1" lang="en-US" altLang="zh-CN" dirty="0" smtClean="0"/>
-              <a:t>AET</a:t>
-            </a:r>
-            <a:r>
-              <a:rPr kumimoji="1" lang="zh-CN" altLang="en-US" dirty="0" smtClean="0"/>
-              <a:t>算法及其实现</a:t>
-            </a:r>
-          </a:p>
-          <a:p>
-            <a:r>
-              <a:rPr kumimoji="1" lang="zh-CN" altLang="en-US" dirty="0" smtClean="0"/>
-              <a:t>系统优化</a:t>
-            </a:r>
-            <a:endParaRPr kumimoji="1" lang="zh-CN" altLang="en-US" dirty="0"/>
-          </a:p>
-        </p:txBody>
-      </p:sp>
-      <p:sp>
-        <p:nvSpPr>
-          <p:cNvPr id="4" name="幻灯片编号占位符 3"/>
-          <p:cNvSpPr>
-            <a:spLocks noGrp="1"/>
-          </p:cNvSpPr>
-          <p:nvPr>
-            <p:ph type="sldNum" idx="12"/>
-          </p:nvPr>
-        </p:nvSpPr>
-        <p:spPr/>
-        <p:txBody>
-          <a:bodyPr/>
-          <a:lstStyle/>
-          <a:p>
-            <a:pPr marL="0" marR="0" lvl="0" indent="0" algn="r" rtl="0">
-              <a:spcBef>
-                <a:spcPts val="0"/>
-              </a:spcBef>
-              <a:spcAft>
-                <a:spcPts val="0"/>
-              </a:spcAft>
-              <a:buClr>
-                <a:schemeClr val="dk1"/>
-              </a:buClr>
-              <a:buSzPct val="25000"/>
-              <a:buFont typeface="Arial"/>
-              <a:buNone/>
-            </a:pPr>
-            <a:fld id="{00000000-1234-1234-1234-123412341234}" type="slidenum">
-              <a:rPr lang="en-US" sz="1200" b="0" smtClean="0">
-                <a:solidFill>
-                  <a:schemeClr val="dk1"/>
-                </a:solidFill>
-                <a:latin typeface="Times New Roman"/>
-                <a:ea typeface="Times New Roman"/>
-                <a:cs typeface="Times New Roman"/>
-                <a:sym typeface="Times New Roman"/>
-              </a:rPr>
-              <a:t>15</a:t>
-            </a:fld>
-            <a:endParaRPr lang="en-US" sz="1200" b="0">
-              <a:solidFill>
-                <a:schemeClr val="dk1"/>
-              </a:solidFill>
-              <a:latin typeface="Times New Roman"/>
-              <a:ea typeface="Times New Roman"/>
-              <a:cs typeface="Times New Roman"/>
-              <a:sym typeface="Times New Roman"/>
-            </a:endParaRPr>
-          </a:p>
-        </p:txBody>
-      </p:sp>
-    </p:spTree>
-    <p:extLst>
-      <p:ext uri="{BB962C8B-B14F-4D97-AF65-F5344CB8AC3E}">
-        <p14:creationId xmlns:p14="http://schemas.microsoft.com/office/powerpoint/2010/main" val="461856751"/>
-      </p:ext>
-    </p:extLst>
-  </p:cSld>
-  <p:clrMapOvr>
-    <a:masterClrMapping/>
-  </p:clrMapOvr>
-  <p:timing>
-    <p:tnLst>
-      <p:par>
-        <p:cTn id="1" dur="indefinite" restart="never" nodeType="tmRoot"/>
-      </p:par>
-    </p:tnLst>
-  </p:timing>
-</p:sld>
-</file>
-
-<file path=ppt/slides/slide16.xml><?xml version="1.0" encoding="utf-8"?>
-<p:sld xmlns:a="http://schemas.openxmlformats.org/drawingml/2006/main" xmlns:r="http://schemas.openxmlformats.org/officeDocument/2006/relationships" xmlns:p="http://schemas.openxmlformats.org/presentationml/2006/main">
-  <p:cSld>
-    <p:spTree>
-      <p:nvGrpSpPr>
-        <p:cNvPr id="1" name=""/>
-        <p:cNvGrpSpPr/>
-        <p:nvPr/>
-      </p:nvGrpSpPr>
-      <p:grpSpPr>
-        <a:xfrm>
-          <a:off x="0" y="0"/>
-          <a:ext cx="0" cy="0"/>
-          <a:chOff x="0" y="0"/>
-          <a:chExt cx="0" cy="0"/>
-        </a:xfrm>
-      </p:grpSpPr>
-      <p:sp>
-        <p:nvSpPr>
-          <p:cNvPr id="2" name="标题 1"/>
-          <p:cNvSpPr>
-            <a:spLocks noGrp="1"/>
-          </p:cNvSpPr>
-          <p:nvPr>
-            <p:ph type="title"/>
-          </p:nvPr>
-        </p:nvSpPr>
-        <p:spPr/>
-        <p:txBody>
-          <a:bodyPr/>
-          <a:lstStyle/>
-          <a:p>
-            <a:r>
-              <a:rPr kumimoji="1" lang="zh-CN" altLang="en-US" dirty="0"/>
-              <a:t>设计与实现</a:t>
-            </a:r>
-            <a:endParaRPr kumimoji="1" lang="zh-CN" altLang="en-US" dirty="0"/>
           </a:p>
         </p:txBody>
       </p:sp>
@@ -26481,15 +26352,7 @@
             </a:r>
             <a:r>
               <a:rPr kumimoji="1" lang="zh-CN" altLang="en-US" dirty="0" smtClean="0"/>
-              <a:t>：</a:t>
-            </a:r>
-            <a:r>
-              <a:rPr kumimoji="1" lang="zh-CN" altLang="en-US" dirty="0" smtClean="0"/>
-              <a:t>将</a:t>
-            </a:r>
-            <a:r>
-              <a:rPr kumimoji="1" lang="zh-CN" altLang="en-US" dirty="0" smtClean="0"/>
-              <a:t>原来</a:t>
+              <a:t>：将原来</a:t>
             </a:r>
             <a:r>
               <a:rPr kumimoji="1" lang="zh-CN" altLang="en-US" dirty="0"/>
@@ -26497,11 +26360,7 @@
             </a:r>
             <a:r>
               <a:rPr kumimoji="1" lang="zh-CN" altLang="en-US" dirty="0" smtClean="0"/>
-              <a:t>页表</a:t>
-            </a:r>
-            <a:r>
-              <a:rPr kumimoji="1" lang="zh-CN" altLang="en-US" dirty="0" smtClean="0"/>
-              <a:t>的页表项置为不存在</a:t>
+              <a:t>页表的页表项置为不存在</a:t>
             </a:r>
             <a:endParaRPr kumimoji="1" lang="zh-CN" altLang="en-US" dirty="0"/>
           </a:p>
@@ -26579,7 +26438,7 @@
                 <a:cs typeface="Times New Roman"/>
                 <a:sym typeface="Times New Roman"/>
               </a:rPr>
-              <a:t>16</a:t>
+              <a:t>15</a:t>
             </a:fld>
             <a:endParaRPr lang="en-US" sz="1200" b="0">
               <a:solidFill>
@@ -26593,6 +26452,36 @@
           </a:p>
         </p:txBody>
       </p:sp>
+      <p:pic>
+        <p:nvPicPr>
+          <p:cNvPr id="5" name="图片 4"/>
+          <p:cNvPicPr>
+            <a:picLocks noChangeAspect="1"/>
+          </p:cNvPicPr>
+          <p:nvPr/>
+        </p:nvPicPr>
+        <p:blipFill>
+          <a:blip r:embed="rId2">
+            <a:extLst>
+              <a:ext uri="{28A0092B-C50C-407E-A947-70E740481C1C}">
+                <a14:useLocalDpi xmlns:a14="http://schemas.microsoft.com/office/drawing/2010/main" val="0"/>
+              </a:ext>
+            </a:extLst>
+          </a:blip>
+          <a:stretch>
+            <a:fillRect/>
+          </a:stretch>
+        </p:blipFill>
+        <p:spPr>
+          <a:xfrm>
+            <a:off x="5715000" y="548149"/>
+            <a:ext cx="3023986" cy="1907991"/>
+          </a:xfrm>
+          <a:prstGeom prst="rect">
+            <a:avLst/>
+          </a:prstGeom>
+        </p:spPr>
+      </p:pic>
     </p:spTree>
     <p:extLst>
       <p:ext uri="{BB962C8B-B14F-4D97-AF65-F5344CB8AC3E}">
@@ -26606,14 +26495,847 @@
   <p:timing>
     <p:tnLst>
       <p:par>
-        <p:cTn id="1" dur="indefinite" restart="never" nodeType="tmRoot"/>
+        <p:cTn id="1" dur="indefinite" restart="never" nodeType="tmRoot">
+          <p:childTnLst>
+            <p:seq concurrent="1" nextAc="seek">
+              <p:cTn id="2" dur="indefinite" nodeType="mainSeq">
+                <p:childTnLst>
+                  <p:par>
+                    <p:cTn id="3" fill="hold">
+                      <p:stCondLst>
+                        <p:cond delay="indefinite"/>
+                      </p:stCondLst>
+                      <p:childTnLst>
+                        <p:par>
+                          <p:cTn id="4" fill="hold">
+                            <p:stCondLst>
+                              <p:cond delay="0"/>
+                            </p:stCondLst>
+                            <p:childTnLst>
+                              <p:par>
+                                <p:cTn id="5" presetID="2" presetClass="entr" presetSubtype="4" fill="hold" nodeType="clickEffect">
+                                  <p:stCondLst>
+                                    <p:cond delay="0"/>
+                                  </p:stCondLst>
+                                  <p:childTnLst>
+                                    <p:set>
+                                      <p:cBhvr>
+                                        <p:cTn id="6" dur="1" fill="hold">
+                                          <p:stCondLst>
+                                            <p:cond delay="0"/>
+                                          </p:stCondLst>
+                                        </p:cTn>
+                                        <p:tgtEl>
+                                          <p:spTgt spid="5"/>
+                                        </p:tgtEl>
+                                        <p:attrNameLst>
+                                          <p:attrName>style.visibility</p:attrName>
+                                        </p:attrNameLst>
+                                      </p:cBhvr>
+                                      <p:to>
+                                        <p:strVal val="visible"/>
+                                      </p:to>
+                                    </p:set>
+                                    <p:anim calcmode="lin" valueType="num">
+                                      <p:cBhvr additive="base">
+                                        <p:cTn id="7" dur="500" fill="hold"/>
+                                        <p:tgtEl>
+                                          <p:spTgt spid="5"/>
+                                        </p:tgtEl>
+                                        <p:attrNameLst>
+                                          <p:attrName>ppt_x</p:attrName>
+                                        </p:attrNameLst>
+                                      </p:cBhvr>
+                                      <p:tavLst>
+                                        <p:tav tm="0">
+                                          <p:val>
+                                            <p:strVal val="#ppt_x"/>
+                                          </p:val>
+                                        </p:tav>
+                                        <p:tav tm="100000">
+                                          <p:val>
+                                            <p:strVal val="#ppt_x"/>
+                                          </p:val>
+                                        </p:tav>
+                                      </p:tavLst>
+                                    </p:anim>
+                                    <p:anim calcmode="lin" valueType="num">
+                                      <p:cBhvr additive="base">
+                                        <p:cTn id="8" dur="500" fill="hold"/>
+                                        <p:tgtEl>
+                                          <p:spTgt spid="5"/>
+                                        </p:tgtEl>
+                                        <p:attrNameLst>
+                                          <p:attrName>ppt_y</p:attrName>
+                                        </p:attrNameLst>
+                                      </p:cBhvr>
+                                      <p:tavLst>
+                                        <p:tav tm="0">
+                                          <p:val>
+                                            <p:strVal val="1+#ppt_h/2"/>
+                                          </p:val>
+                                        </p:tav>
+                                        <p:tav tm="100000">
+                                          <p:val>
+                                            <p:strVal val="#ppt_y"/>
+                                          </p:val>
+                                        </p:tav>
+                                      </p:tavLst>
+                                    </p:anim>
+                                  </p:childTnLst>
+                                </p:cTn>
+                              </p:par>
+                              <p:par>
+                                <p:cTn id="9" presetID="2" presetClass="entr" presetSubtype="4" fill="hold" grpId="0" nodeType="withEffect">
+                                  <p:stCondLst>
+                                    <p:cond delay="0"/>
+                                  </p:stCondLst>
+                                  <p:childTnLst>
+                                    <p:set>
+                                      <p:cBhvr>
+                                        <p:cTn id="10" dur="1" fill="hold">
+                                          <p:stCondLst>
+                                            <p:cond delay="0"/>
+                                          </p:stCondLst>
+                                        </p:cTn>
+                                        <p:tgtEl>
+                                          <p:spTgt spid="3">
+                                            <p:txEl>
+                                              <p:pRg st="0" end="0"/>
+                                            </p:txEl>
+                                          </p:spTgt>
+                                        </p:tgtEl>
+                                        <p:attrNameLst>
+                                          <p:attrName>style.visibility</p:attrName>
+                                        </p:attrNameLst>
+                                      </p:cBhvr>
+                                      <p:to>
+                                        <p:strVal val="visible"/>
+                                      </p:to>
+                                    </p:set>
+                                    <p:anim calcmode="lin" valueType="num">
+                                      <p:cBhvr additive="base">
+                                        <p:cTn id="11" dur="500" fill="hold"/>
+                                        <p:tgtEl>
+                                          <p:spTgt spid="3">
+                                            <p:txEl>
+                                              <p:pRg st="0" end="0"/>
+                                            </p:txEl>
+                                          </p:spTgt>
+                                        </p:tgtEl>
+                                        <p:attrNameLst>
+                                          <p:attrName>ppt_x</p:attrName>
+                                        </p:attrNameLst>
+                                      </p:cBhvr>
+                                      <p:tavLst>
+                                        <p:tav tm="0">
+                                          <p:val>
+                                            <p:strVal val="#ppt_x"/>
+                                          </p:val>
+                                        </p:tav>
+                                        <p:tav tm="100000">
+                                          <p:val>
+                                            <p:strVal val="#ppt_x"/>
+                                          </p:val>
+                                        </p:tav>
+                                      </p:tavLst>
+                                    </p:anim>
+                                    <p:anim calcmode="lin" valueType="num">
+                                      <p:cBhvr additive="base">
+                                        <p:cTn id="12" dur="500" fill="hold"/>
+                                        <p:tgtEl>
+                                          <p:spTgt spid="3">
+                                            <p:txEl>
+                                              <p:pRg st="0" end="0"/>
+                                            </p:txEl>
+                                          </p:spTgt>
+                                        </p:tgtEl>
+                                        <p:attrNameLst>
+                                          <p:attrName>ppt_y</p:attrName>
+                                        </p:attrNameLst>
+                                      </p:cBhvr>
+                                      <p:tavLst>
+                                        <p:tav tm="0">
+                                          <p:val>
+                                            <p:strVal val="1+#ppt_h/2"/>
+                                          </p:val>
+                                        </p:tav>
+                                        <p:tav tm="100000">
+                                          <p:val>
+                                            <p:strVal val="#ppt_y"/>
+                                          </p:val>
+                                        </p:tav>
+                                      </p:tavLst>
+                                    </p:anim>
+                                  </p:childTnLst>
+                                </p:cTn>
+                              </p:par>
+                            </p:childTnLst>
+                          </p:cTn>
+                        </p:par>
+                      </p:childTnLst>
+                    </p:cTn>
+                  </p:par>
+                  <p:par>
+                    <p:cTn id="13" fill="hold">
+                      <p:stCondLst>
+                        <p:cond delay="indefinite"/>
+                      </p:stCondLst>
+                      <p:childTnLst>
+                        <p:par>
+                          <p:cTn id="14" fill="hold">
+                            <p:stCondLst>
+                              <p:cond delay="0"/>
+                            </p:stCondLst>
+                            <p:childTnLst>
+                              <p:par>
+                                <p:cTn id="15" presetID="2" presetClass="entr" presetSubtype="4" fill="hold" grpId="0" nodeType="clickEffect">
+                                  <p:stCondLst>
+                                    <p:cond delay="0"/>
+                                  </p:stCondLst>
+                                  <p:childTnLst>
+                                    <p:set>
+                                      <p:cBhvr>
+                                        <p:cTn id="16" dur="1" fill="hold">
+                                          <p:stCondLst>
+                                            <p:cond delay="0"/>
+                                          </p:stCondLst>
+                                        </p:cTn>
+                                        <p:tgtEl>
+                                          <p:spTgt spid="3">
+                                            <p:txEl>
+                                              <p:pRg st="1" end="1"/>
+                                            </p:txEl>
+                                          </p:spTgt>
+                                        </p:tgtEl>
+                                        <p:attrNameLst>
+                                          <p:attrName>style.visibility</p:attrName>
+                                        </p:attrNameLst>
+                                      </p:cBhvr>
+                                      <p:to>
+                                        <p:strVal val="visible"/>
+                                      </p:to>
+                                    </p:set>
+                                    <p:anim calcmode="lin" valueType="num">
+                                      <p:cBhvr additive="base">
+                                        <p:cTn id="17" dur="500" fill="hold"/>
+                                        <p:tgtEl>
+                                          <p:spTgt spid="3">
+                                            <p:txEl>
+                                              <p:pRg st="1" end="1"/>
+                                            </p:txEl>
+                                          </p:spTgt>
+                                        </p:tgtEl>
+                                        <p:attrNameLst>
+                                          <p:attrName>ppt_x</p:attrName>
+                                        </p:attrNameLst>
+                                      </p:cBhvr>
+                                      <p:tavLst>
+                                        <p:tav tm="0">
+                                          <p:val>
+                                            <p:strVal val="#ppt_x"/>
+                                          </p:val>
+                                        </p:tav>
+                                        <p:tav tm="100000">
+                                          <p:val>
+                                            <p:strVal val="#ppt_x"/>
+                                          </p:val>
+                                        </p:tav>
+                                      </p:tavLst>
+                                    </p:anim>
+                                    <p:anim calcmode="lin" valueType="num">
+                                      <p:cBhvr additive="base">
+                                        <p:cTn id="18" dur="500" fill="hold"/>
+                                        <p:tgtEl>
+                                          <p:spTgt spid="3">
+                                            <p:txEl>
+                                              <p:pRg st="1" end="1"/>
+                                            </p:txEl>
+                                          </p:spTgt>
+                                        </p:tgtEl>
+                                        <p:attrNameLst>
+                                          <p:attrName>ppt_y</p:attrName>
+                                        </p:attrNameLst>
+                                      </p:cBhvr>
+                                      <p:tavLst>
+                                        <p:tav tm="0">
+                                          <p:val>
+                                            <p:strVal val="1+#ppt_h/2"/>
+                                          </p:val>
+                                        </p:tav>
+                                        <p:tav tm="100000">
+                                          <p:val>
+                                            <p:strVal val="#ppt_y"/>
+                                          </p:val>
+                                        </p:tav>
+                                      </p:tavLst>
+                                    </p:anim>
+                                  </p:childTnLst>
+                                </p:cTn>
+                              </p:par>
+                              <p:par>
+                                <p:cTn id="19" presetID="2" presetClass="entr" presetSubtype="4" fill="hold" grpId="0" nodeType="withEffect">
+                                  <p:stCondLst>
+                                    <p:cond delay="0"/>
+                                  </p:stCondLst>
+                                  <p:childTnLst>
+                                    <p:set>
+                                      <p:cBhvr>
+                                        <p:cTn id="20" dur="1" fill="hold">
+                                          <p:stCondLst>
+                                            <p:cond delay="0"/>
+                                          </p:stCondLst>
+                                        </p:cTn>
+                                        <p:tgtEl>
+                                          <p:spTgt spid="3">
+                                            <p:txEl>
+                                              <p:pRg st="2" end="2"/>
+                                            </p:txEl>
+                                          </p:spTgt>
+                                        </p:tgtEl>
+                                        <p:attrNameLst>
+                                          <p:attrName>style.visibility</p:attrName>
+                                        </p:attrNameLst>
+                                      </p:cBhvr>
+                                      <p:to>
+                                        <p:strVal val="visible"/>
+                                      </p:to>
+                                    </p:set>
+                                    <p:anim calcmode="lin" valueType="num">
+                                      <p:cBhvr additive="base">
+                                        <p:cTn id="21" dur="500" fill="hold"/>
+                                        <p:tgtEl>
+                                          <p:spTgt spid="3">
+                                            <p:txEl>
+                                              <p:pRg st="2" end="2"/>
+                                            </p:txEl>
+                                          </p:spTgt>
+                                        </p:tgtEl>
+                                        <p:attrNameLst>
+                                          <p:attrName>ppt_x</p:attrName>
+                                        </p:attrNameLst>
+                                      </p:cBhvr>
+                                      <p:tavLst>
+                                        <p:tav tm="0">
+                                          <p:val>
+                                            <p:strVal val="#ppt_x"/>
+                                          </p:val>
+                                        </p:tav>
+                                        <p:tav tm="100000">
+                                          <p:val>
+                                            <p:strVal val="#ppt_x"/>
+                                          </p:val>
+                                        </p:tav>
+                                      </p:tavLst>
+                                    </p:anim>
+                                    <p:anim calcmode="lin" valueType="num">
+                                      <p:cBhvr additive="base">
+                                        <p:cTn id="22" dur="500" fill="hold"/>
+                                        <p:tgtEl>
+                                          <p:spTgt spid="3">
+                                            <p:txEl>
+                                              <p:pRg st="2" end="2"/>
+                                            </p:txEl>
+                                          </p:spTgt>
+                                        </p:tgtEl>
+                                        <p:attrNameLst>
+                                          <p:attrName>ppt_y</p:attrName>
+                                        </p:attrNameLst>
+                                      </p:cBhvr>
+                                      <p:tavLst>
+                                        <p:tav tm="0">
+                                          <p:val>
+                                            <p:strVal val="1+#ppt_h/2"/>
+                                          </p:val>
+                                        </p:tav>
+                                        <p:tav tm="100000">
+                                          <p:val>
+                                            <p:strVal val="#ppt_y"/>
+                                          </p:val>
+                                        </p:tav>
+                                      </p:tavLst>
+                                    </p:anim>
+                                  </p:childTnLst>
+                                </p:cTn>
+                              </p:par>
+                              <p:par>
+                                <p:cTn id="23" presetID="2" presetClass="entr" presetSubtype="4" fill="hold" grpId="0" nodeType="withEffect">
+                                  <p:stCondLst>
+                                    <p:cond delay="0"/>
+                                  </p:stCondLst>
+                                  <p:childTnLst>
+                                    <p:set>
+                                      <p:cBhvr>
+                                        <p:cTn id="24" dur="1" fill="hold">
+                                          <p:stCondLst>
+                                            <p:cond delay="0"/>
+                                          </p:stCondLst>
+                                        </p:cTn>
+                                        <p:tgtEl>
+                                          <p:spTgt spid="3">
+                                            <p:txEl>
+                                              <p:pRg st="3" end="3"/>
+                                            </p:txEl>
+                                          </p:spTgt>
+                                        </p:tgtEl>
+                                        <p:attrNameLst>
+                                          <p:attrName>style.visibility</p:attrName>
+                                        </p:attrNameLst>
+                                      </p:cBhvr>
+                                      <p:to>
+                                        <p:strVal val="visible"/>
+                                      </p:to>
+                                    </p:set>
+                                    <p:anim calcmode="lin" valueType="num">
+                                      <p:cBhvr additive="base">
+                                        <p:cTn id="25" dur="500" fill="hold"/>
+                                        <p:tgtEl>
+                                          <p:spTgt spid="3">
+                                            <p:txEl>
+                                              <p:pRg st="3" end="3"/>
+                                            </p:txEl>
+                                          </p:spTgt>
+                                        </p:tgtEl>
+                                        <p:attrNameLst>
+                                          <p:attrName>ppt_x</p:attrName>
+                                        </p:attrNameLst>
+                                      </p:cBhvr>
+                                      <p:tavLst>
+                                        <p:tav tm="0">
+                                          <p:val>
+                                            <p:strVal val="#ppt_x"/>
+                                          </p:val>
+                                        </p:tav>
+                                        <p:tav tm="100000">
+                                          <p:val>
+                                            <p:strVal val="#ppt_x"/>
+                                          </p:val>
+                                        </p:tav>
+                                      </p:tavLst>
+                                    </p:anim>
+                                    <p:anim calcmode="lin" valueType="num">
+                                      <p:cBhvr additive="base">
+                                        <p:cTn id="26" dur="500" fill="hold"/>
+                                        <p:tgtEl>
+                                          <p:spTgt spid="3">
+                                            <p:txEl>
+                                              <p:pRg st="3" end="3"/>
+                                            </p:txEl>
+                                          </p:spTgt>
+                                        </p:tgtEl>
+                                        <p:attrNameLst>
+                                          <p:attrName>ppt_y</p:attrName>
+                                        </p:attrNameLst>
+                                      </p:cBhvr>
+                                      <p:tavLst>
+                                        <p:tav tm="0">
+                                          <p:val>
+                                            <p:strVal val="1+#ppt_h/2"/>
+                                          </p:val>
+                                        </p:tav>
+                                        <p:tav tm="100000">
+                                          <p:val>
+                                            <p:strVal val="#ppt_y"/>
+                                          </p:val>
+                                        </p:tav>
+                                      </p:tavLst>
+                                    </p:anim>
+                                  </p:childTnLst>
+                                </p:cTn>
+                              </p:par>
+                              <p:par>
+                                <p:cTn id="27" presetID="2" presetClass="entr" presetSubtype="4" fill="hold" grpId="0" nodeType="withEffect">
+                                  <p:stCondLst>
+                                    <p:cond delay="0"/>
+                                  </p:stCondLst>
+                                  <p:childTnLst>
+                                    <p:set>
+                                      <p:cBhvr>
+                                        <p:cTn id="28" dur="1" fill="hold">
+                                          <p:stCondLst>
+                                            <p:cond delay="0"/>
+                                          </p:stCondLst>
+                                        </p:cTn>
+                                        <p:tgtEl>
+                                          <p:spTgt spid="3">
+                                            <p:txEl>
+                                              <p:pRg st="4" end="4"/>
+                                            </p:txEl>
+                                          </p:spTgt>
+                                        </p:tgtEl>
+                                        <p:attrNameLst>
+                                          <p:attrName>style.visibility</p:attrName>
+                                        </p:attrNameLst>
+                                      </p:cBhvr>
+                                      <p:to>
+                                        <p:strVal val="visible"/>
+                                      </p:to>
+                                    </p:set>
+                                    <p:anim calcmode="lin" valueType="num">
+                                      <p:cBhvr additive="base">
+                                        <p:cTn id="29" dur="500" fill="hold"/>
+                                        <p:tgtEl>
+                                          <p:spTgt spid="3">
+                                            <p:txEl>
+                                              <p:pRg st="4" end="4"/>
+                                            </p:txEl>
+                                          </p:spTgt>
+                                        </p:tgtEl>
+                                        <p:attrNameLst>
+                                          <p:attrName>ppt_x</p:attrName>
+                                        </p:attrNameLst>
+                                      </p:cBhvr>
+                                      <p:tavLst>
+                                        <p:tav tm="0">
+                                          <p:val>
+                                            <p:strVal val="#ppt_x"/>
+                                          </p:val>
+                                        </p:tav>
+                                        <p:tav tm="100000">
+                                          <p:val>
+                                            <p:strVal val="#ppt_x"/>
+                                          </p:val>
+                                        </p:tav>
+                                      </p:tavLst>
+                                    </p:anim>
+                                    <p:anim calcmode="lin" valueType="num">
+                                      <p:cBhvr additive="base">
+                                        <p:cTn id="30" dur="500" fill="hold"/>
+                                        <p:tgtEl>
+                                          <p:spTgt spid="3">
+                                            <p:txEl>
+                                              <p:pRg st="4" end="4"/>
+                                            </p:txEl>
+                                          </p:spTgt>
+                                        </p:tgtEl>
+                                        <p:attrNameLst>
+                                          <p:attrName>ppt_y</p:attrName>
+                                        </p:attrNameLst>
+                                      </p:cBhvr>
+                                      <p:tavLst>
+                                        <p:tav tm="0">
+                                          <p:val>
+                                            <p:strVal val="1+#ppt_h/2"/>
+                                          </p:val>
+                                        </p:tav>
+                                        <p:tav tm="100000">
+                                          <p:val>
+                                            <p:strVal val="#ppt_y"/>
+                                          </p:val>
+                                        </p:tav>
+                                      </p:tavLst>
+                                    </p:anim>
+                                  </p:childTnLst>
+                                </p:cTn>
+                              </p:par>
+                              <p:par>
+                                <p:cTn id="31" presetID="2" presetClass="entr" presetSubtype="4" fill="hold" grpId="0" nodeType="withEffect">
+                                  <p:stCondLst>
+                                    <p:cond delay="0"/>
+                                  </p:stCondLst>
+                                  <p:childTnLst>
+                                    <p:set>
+                                      <p:cBhvr>
+                                        <p:cTn id="32" dur="1" fill="hold">
+                                          <p:stCondLst>
+                                            <p:cond delay="0"/>
+                                          </p:stCondLst>
+                                        </p:cTn>
+                                        <p:tgtEl>
+                                          <p:spTgt spid="3">
+                                            <p:txEl>
+                                              <p:pRg st="5" end="5"/>
+                                            </p:txEl>
+                                          </p:spTgt>
+                                        </p:tgtEl>
+                                        <p:attrNameLst>
+                                          <p:attrName>style.visibility</p:attrName>
+                                        </p:attrNameLst>
+                                      </p:cBhvr>
+                                      <p:to>
+                                        <p:strVal val="visible"/>
+                                      </p:to>
+                                    </p:set>
+                                    <p:anim calcmode="lin" valueType="num">
+                                      <p:cBhvr additive="base">
+                                        <p:cTn id="33" dur="500" fill="hold"/>
+                                        <p:tgtEl>
+                                          <p:spTgt spid="3">
+                                            <p:txEl>
+                                              <p:pRg st="5" end="5"/>
+                                            </p:txEl>
+                                          </p:spTgt>
+                                        </p:tgtEl>
+                                        <p:attrNameLst>
+                                          <p:attrName>ppt_x</p:attrName>
+                                        </p:attrNameLst>
+                                      </p:cBhvr>
+                                      <p:tavLst>
+                                        <p:tav tm="0">
+                                          <p:val>
+                                            <p:strVal val="#ppt_x"/>
+                                          </p:val>
+                                        </p:tav>
+                                        <p:tav tm="100000">
+                                          <p:val>
+                                            <p:strVal val="#ppt_x"/>
+                                          </p:val>
+                                        </p:tav>
+                                      </p:tavLst>
+                                    </p:anim>
+                                    <p:anim calcmode="lin" valueType="num">
+                                      <p:cBhvr additive="base">
+                                        <p:cTn id="34" dur="500" fill="hold"/>
+                                        <p:tgtEl>
+                                          <p:spTgt spid="3">
+                                            <p:txEl>
+                                              <p:pRg st="5" end="5"/>
+                                            </p:txEl>
+                                          </p:spTgt>
+                                        </p:tgtEl>
+                                        <p:attrNameLst>
+                                          <p:attrName>ppt_y</p:attrName>
+                                        </p:attrNameLst>
+                                      </p:cBhvr>
+                                      <p:tavLst>
+                                        <p:tav tm="0">
+                                          <p:val>
+                                            <p:strVal val="1+#ppt_h/2"/>
+                                          </p:val>
+                                        </p:tav>
+                                        <p:tav tm="100000">
+                                          <p:val>
+                                            <p:strVal val="#ppt_y"/>
+                                          </p:val>
+                                        </p:tav>
+                                      </p:tavLst>
+                                    </p:anim>
+                                  </p:childTnLst>
+                                </p:cTn>
+                              </p:par>
+                            </p:childTnLst>
+                          </p:cTn>
+                        </p:par>
+                      </p:childTnLst>
+                    </p:cTn>
+                  </p:par>
+                  <p:par>
+                    <p:cTn id="35" fill="hold">
+                      <p:stCondLst>
+                        <p:cond delay="indefinite"/>
+                      </p:stCondLst>
+                      <p:childTnLst>
+                        <p:par>
+                          <p:cTn id="36" fill="hold">
+                            <p:stCondLst>
+                              <p:cond delay="0"/>
+                            </p:stCondLst>
+                            <p:childTnLst>
+                              <p:par>
+                                <p:cTn id="37" presetID="2" presetClass="entr" presetSubtype="4" fill="hold" grpId="0" nodeType="clickEffect">
+                                  <p:stCondLst>
+                                    <p:cond delay="0"/>
+                                  </p:stCondLst>
+                                  <p:childTnLst>
+                                    <p:set>
+                                      <p:cBhvr>
+                                        <p:cTn id="38" dur="1" fill="hold">
+                                          <p:stCondLst>
+                                            <p:cond delay="0"/>
+                                          </p:stCondLst>
+                                        </p:cTn>
+                                        <p:tgtEl>
+                                          <p:spTgt spid="3">
+                                            <p:txEl>
+                                              <p:pRg st="6" end="6"/>
+                                            </p:txEl>
+                                          </p:spTgt>
+                                        </p:tgtEl>
+                                        <p:attrNameLst>
+                                          <p:attrName>style.visibility</p:attrName>
+                                        </p:attrNameLst>
+                                      </p:cBhvr>
+                                      <p:to>
+                                        <p:strVal val="visible"/>
+                                      </p:to>
+                                    </p:set>
+                                    <p:anim calcmode="lin" valueType="num">
+                                      <p:cBhvr additive="base">
+                                        <p:cTn id="39" dur="500" fill="hold"/>
+                                        <p:tgtEl>
+                                          <p:spTgt spid="3">
+                                            <p:txEl>
+                                              <p:pRg st="6" end="6"/>
+                                            </p:txEl>
+                                          </p:spTgt>
+                                        </p:tgtEl>
+                                        <p:attrNameLst>
+                                          <p:attrName>ppt_x</p:attrName>
+                                        </p:attrNameLst>
+                                      </p:cBhvr>
+                                      <p:tavLst>
+                                        <p:tav tm="0">
+                                          <p:val>
+                                            <p:strVal val="#ppt_x"/>
+                                          </p:val>
+                                        </p:tav>
+                                        <p:tav tm="100000">
+                                          <p:val>
+                                            <p:strVal val="#ppt_x"/>
+                                          </p:val>
+                                        </p:tav>
+                                      </p:tavLst>
+                                    </p:anim>
+                                    <p:anim calcmode="lin" valueType="num">
+                                      <p:cBhvr additive="base">
+                                        <p:cTn id="40" dur="500" fill="hold"/>
+                                        <p:tgtEl>
+                                          <p:spTgt spid="3">
+                                            <p:txEl>
+                                              <p:pRg st="6" end="6"/>
+                                            </p:txEl>
+                                          </p:spTgt>
+                                        </p:tgtEl>
+                                        <p:attrNameLst>
+                                          <p:attrName>ppt_y</p:attrName>
+                                        </p:attrNameLst>
+                                      </p:cBhvr>
+                                      <p:tavLst>
+                                        <p:tav tm="0">
+                                          <p:val>
+                                            <p:strVal val="1+#ppt_h/2"/>
+                                          </p:val>
+                                        </p:tav>
+                                        <p:tav tm="100000">
+                                          <p:val>
+                                            <p:strVal val="#ppt_y"/>
+                                          </p:val>
+                                        </p:tav>
+                                      </p:tavLst>
+                                    </p:anim>
+                                  </p:childTnLst>
+                                </p:cTn>
+                              </p:par>
+                              <p:par>
+                                <p:cTn id="41" presetID="2" presetClass="entr" presetSubtype="4" fill="hold" grpId="0" nodeType="withEffect">
+                                  <p:stCondLst>
+                                    <p:cond delay="0"/>
+                                  </p:stCondLst>
+                                  <p:childTnLst>
+                                    <p:set>
+                                      <p:cBhvr>
+                                        <p:cTn id="42" dur="1" fill="hold">
+                                          <p:stCondLst>
+                                            <p:cond delay="0"/>
+                                          </p:stCondLst>
+                                        </p:cTn>
+                                        <p:tgtEl>
+                                          <p:spTgt spid="3">
+                                            <p:txEl>
+                                              <p:pRg st="7" end="7"/>
+                                            </p:txEl>
+                                          </p:spTgt>
+                                        </p:tgtEl>
+                                        <p:attrNameLst>
+                                          <p:attrName>style.visibility</p:attrName>
+                                        </p:attrNameLst>
+                                      </p:cBhvr>
+                                      <p:to>
+                                        <p:strVal val="visible"/>
+                                      </p:to>
+                                    </p:set>
+                                    <p:anim calcmode="lin" valueType="num">
+                                      <p:cBhvr additive="base">
+                                        <p:cTn id="43" dur="500" fill="hold"/>
+                                        <p:tgtEl>
+                                          <p:spTgt spid="3">
+                                            <p:txEl>
+                                              <p:pRg st="7" end="7"/>
+                                            </p:txEl>
+                                          </p:spTgt>
+                                        </p:tgtEl>
+                                        <p:attrNameLst>
+                                          <p:attrName>ppt_x</p:attrName>
+                                        </p:attrNameLst>
+                                      </p:cBhvr>
+                                      <p:tavLst>
+                                        <p:tav tm="0">
+                                          <p:val>
+                                            <p:strVal val="#ppt_x"/>
+                                          </p:val>
+                                        </p:tav>
+                                        <p:tav tm="100000">
+                                          <p:val>
+                                            <p:strVal val="#ppt_x"/>
+                                          </p:val>
+                                        </p:tav>
+                                      </p:tavLst>
+                                    </p:anim>
+                                    <p:anim calcmode="lin" valueType="num">
+                                      <p:cBhvr additive="base">
+                                        <p:cTn id="44" dur="500" fill="hold"/>
+                                        <p:tgtEl>
+                                          <p:spTgt spid="3">
+                                            <p:txEl>
+                                              <p:pRg st="7" end="7"/>
+                                            </p:txEl>
+                                          </p:spTgt>
+                                        </p:tgtEl>
+                                        <p:attrNameLst>
+                                          <p:attrName>ppt_y</p:attrName>
+                                        </p:attrNameLst>
+                                      </p:cBhvr>
+                                      <p:tavLst>
+                                        <p:tav tm="0">
+                                          <p:val>
+                                            <p:strVal val="1+#ppt_h/2"/>
+                                          </p:val>
+                                        </p:tav>
+                                        <p:tav tm="100000">
+                                          <p:val>
+                                            <p:strVal val="#ppt_y"/>
+                                          </p:val>
+                                        </p:tav>
+                                      </p:tavLst>
+                                    </p:anim>
+                                  </p:childTnLst>
+                                </p:cTn>
+                              </p:par>
+                            </p:childTnLst>
+                          </p:cTn>
+                        </p:par>
+                      </p:childTnLst>
+                    </p:cTn>
+                  </p:par>
+                </p:childTnLst>
+              </p:cTn>
+              <p:prevCondLst>
+                <p:cond evt="onPrev" delay="0">
+                  <p:tgtEl>
+                    <p:sldTgt/>
+                  </p:tgtEl>
+                </p:cond>
+              </p:prevCondLst>
+              <p:nextCondLst>
+                <p:cond evt="onNext" delay="0">
+                  <p:tgtEl>
+                    <p:sldTgt/>
+                  </p:tgtEl>
+                </p:cond>
+              </p:nextCondLst>
+            </p:seq>
+          </p:childTnLst>
+        </p:cTn>
       </p:par>
     </p:tnLst>
+    <p:bldLst>
+      <p:bldP spid="3" grpId="0" uiExpand="1" build="p"/>
+    </p:bldLst>
   </p:timing>
 </p:sld>
 </file>
 
-<file path=ppt/slides/slide17.xml><?xml version="1.0" encoding="utf-8"?>
+<file path=ppt/slides/slide16.xml><?xml version="1.0" encoding="utf-8"?>
 <p:sld xmlns:a="http://schemas.openxmlformats.org/drawingml/2006/main" xmlns:r="http://schemas.openxmlformats.org/officeDocument/2006/relationships" xmlns:p="http://schemas.openxmlformats.org/presentationml/2006/main">
   <p:cSld>
     <p:spTree>
@@ -26649,7 +27371,6 @@
               <a:rPr kumimoji="1" lang="zh-CN" altLang="en-US" dirty="0"/>
               <a:t>设计与实现</a:t>
             </a:r>
-            <a:endParaRPr kumimoji="1" lang="zh-CN" altLang="en-US" dirty="0"/>
           </a:p>
         </p:txBody>
       </p:sp>
@@ -26712,11 +27433,7 @@
             </a:r>
             <a:r>
               <a:rPr kumimoji="1" lang="zh-CN" altLang="en-US" dirty="0" smtClean="0"/>
-              <a:t>置位（</a:t>
-            </a:r>
-            <a:r>
-              <a:rPr kumimoji="1" lang="zh-CN" altLang="en-US" dirty="0" smtClean="0"/>
-              <a:t>保留位</a:t>
+              <a:t>置位（保留位</a:t>
             </a:r>
             <a:r>
               <a:rPr kumimoji="1" lang="en-US" altLang="zh-CN" dirty="0" smtClean="0"/>
@@ -26726,7 +27443,6 @@
               <a:rPr kumimoji="1" lang="zh-CN" altLang="en-US" dirty="0" smtClean="0"/>
               <a:t>）</a:t>
             </a:r>
-            <a:endParaRPr kumimoji="1" lang="zh-CN" altLang="en-US" dirty="0" smtClean="0"/>
           </a:p>
           <a:p>
             <a:pPr lvl="1"/>
@@ -26781,7 +27497,7 @@
                 <a:cs typeface="Times New Roman"/>
                 <a:sym typeface="Times New Roman"/>
               </a:rPr>
-              <a:t>17</a:t>
+              <a:t>16</a:t>
             </a:fld>
             <a:endParaRPr lang="en-US" sz="1200" b="0">
               <a:solidFill>
@@ -26808,14 +27524,483 @@
   <p:timing>
     <p:tnLst>
       <p:par>
-        <p:cTn id="1" dur="indefinite" restart="never" nodeType="tmRoot"/>
+        <p:cTn id="1" dur="indefinite" restart="never" nodeType="tmRoot">
+          <p:childTnLst>
+            <p:seq concurrent="1" nextAc="seek">
+              <p:cTn id="2" dur="indefinite" nodeType="mainSeq">
+                <p:childTnLst>
+                  <p:par>
+                    <p:cTn id="3" fill="hold">
+                      <p:stCondLst>
+                        <p:cond delay="indefinite"/>
+                      </p:stCondLst>
+                      <p:childTnLst>
+                        <p:par>
+                          <p:cTn id="4" fill="hold">
+                            <p:stCondLst>
+                              <p:cond delay="0"/>
+                            </p:stCondLst>
+                            <p:childTnLst>
+                              <p:par>
+                                <p:cTn id="5" presetID="2" presetClass="entr" presetSubtype="4" fill="hold" grpId="0" nodeType="clickEffect">
+                                  <p:stCondLst>
+                                    <p:cond delay="0"/>
+                                  </p:stCondLst>
+                                  <p:childTnLst>
+                                    <p:set>
+                                      <p:cBhvr>
+                                        <p:cTn id="6" dur="1" fill="hold">
+                                          <p:stCondLst>
+                                            <p:cond delay="0"/>
+                                          </p:stCondLst>
+                                        </p:cTn>
+                                        <p:tgtEl>
+                                          <p:spTgt spid="3">
+                                            <p:txEl>
+                                              <p:pRg st="0" end="0"/>
+                                            </p:txEl>
+                                          </p:spTgt>
+                                        </p:tgtEl>
+                                        <p:attrNameLst>
+                                          <p:attrName>style.visibility</p:attrName>
+                                        </p:attrNameLst>
+                                      </p:cBhvr>
+                                      <p:to>
+                                        <p:strVal val="visible"/>
+                                      </p:to>
+                                    </p:set>
+                                    <p:anim calcmode="lin" valueType="num">
+                                      <p:cBhvr additive="base">
+                                        <p:cTn id="7" dur="500" fill="hold"/>
+                                        <p:tgtEl>
+                                          <p:spTgt spid="3">
+                                            <p:txEl>
+                                              <p:pRg st="0" end="0"/>
+                                            </p:txEl>
+                                          </p:spTgt>
+                                        </p:tgtEl>
+                                        <p:attrNameLst>
+                                          <p:attrName>ppt_x</p:attrName>
+                                        </p:attrNameLst>
+                                      </p:cBhvr>
+                                      <p:tavLst>
+                                        <p:tav tm="0">
+                                          <p:val>
+                                            <p:strVal val="#ppt_x"/>
+                                          </p:val>
+                                        </p:tav>
+                                        <p:tav tm="100000">
+                                          <p:val>
+                                            <p:strVal val="#ppt_x"/>
+                                          </p:val>
+                                        </p:tav>
+                                      </p:tavLst>
+                                    </p:anim>
+                                    <p:anim calcmode="lin" valueType="num">
+                                      <p:cBhvr additive="base">
+                                        <p:cTn id="8" dur="500" fill="hold"/>
+                                        <p:tgtEl>
+                                          <p:spTgt spid="3">
+                                            <p:txEl>
+                                              <p:pRg st="0" end="0"/>
+                                            </p:txEl>
+                                          </p:spTgt>
+                                        </p:tgtEl>
+                                        <p:attrNameLst>
+                                          <p:attrName>ppt_y</p:attrName>
+                                        </p:attrNameLst>
+                                      </p:cBhvr>
+                                      <p:tavLst>
+                                        <p:tav tm="0">
+                                          <p:val>
+                                            <p:strVal val="1+#ppt_h/2"/>
+                                          </p:val>
+                                        </p:tav>
+                                        <p:tav tm="100000">
+                                          <p:val>
+                                            <p:strVal val="#ppt_y"/>
+                                          </p:val>
+                                        </p:tav>
+                                      </p:tavLst>
+                                    </p:anim>
+                                  </p:childTnLst>
+                                </p:cTn>
+                              </p:par>
+                              <p:par>
+                                <p:cTn id="9" presetID="2" presetClass="entr" presetSubtype="4" fill="hold" grpId="0" nodeType="withEffect">
+                                  <p:stCondLst>
+                                    <p:cond delay="0"/>
+                                  </p:stCondLst>
+                                  <p:childTnLst>
+                                    <p:set>
+                                      <p:cBhvr>
+                                        <p:cTn id="10" dur="1" fill="hold">
+                                          <p:stCondLst>
+                                            <p:cond delay="0"/>
+                                          </p:stCondLst>
+                                        </p:cTn>
+                                        <p:tgtEl>
+                                          <p:spTgt spid="3">
+                                            <p:txEl>
+                                              <p:pRg st="1" end="1"/>
+                                            </p:txEl>
+                                          </p:spTgt>
+                                        </p:tgtEl>
+                                        <p:attrNameLst>
+                                          <p:attrName>style.visibility</p:attrName>
+                                        </p:attrNameLst>
+                                      </p:cBhvr>
+                                      <p:to>
+                                        <p:strVal val="visible"/>
+                                      </p:to>
+                                    </p:set>
+                                    <p:anim calcmode="lin" valueType="num">
+                                      <p:cBhvr additive="base">
+                                        <p:cTn id="11" dur="500" fill="hold"/>
+                                        <p:tgtEl>
+                                          <p:spTgt spid="3">
+                                            <p:txEl>
+                                              <p:pRg st="1" end="1"/>
+                                            </p:txEl>
+                                          </p:spTgt>
+                                        </p:tgtEl>
+                                        <p:attrNameLst>
+                                          <p:attrName>ppt_x</p:attrName>
+                                        </p:attrNameLst>
+                                      </p:cBhvr>
+                                      <p:tavLst>
+                                        <p:tav tm="0">
+                                          <p:val>
+                                            <p:strVal val="#ppt_x"/>
+                                          </p:val>
+                                        </p:tav>
+                                        <p:tav tm="100000">
+                                          <p:val>
+                                            <p:strVal val="#ppt_x"/>
+                                          </p:val>
+                                        </p:tav>
+                                      </p:tavLst>
+                                    </p:anim>
+                                    <p:anim calcmode="lin" valueType="num">
+                                      <p:cBhvr additive="base">
+                                        <p:cTn id="12" dur="500" fill="hold"/>
+                                        <p:tgtEl>
+                                          <p:spTgt spid="3">
+                                            <p:txEl>
+                                              <p:pRg st="1" end="1"/>
+                                            </p:txEl>
+                                          </p:spTgt>
+                                        </p:tgtEl>
+                                        <p:attrNameLst>
+                                          <p:attrName>ppt_y</p:attrName>
+                                        </p:attrNameLst>
+                                      </p:cBhvr>
+                                      <p:tavLst>
+                                        <p:tav tm="0">
+                                          <p:val>
+                                            <p:strVal val="1+#ppt_h/2"/>
+                                          </p:val>
+                                        </p:tav>
+                                        <p:tav tm="100000">
+                                          <p:val>
+                                            <p:strVal val="#ppt_y"/>
+                                          </p:val>
+                                        </p:tav>
+                                      </p:tavLst>
+                                    </p:anim>
+                                  </p:childTnLst>
+                                </p:cTn>
+                              </p:par>
+                              <p:par>
+                                <p:cTn id="13" presetID="2" presetClass="entr" presetSubtype="4" fill="hold" grpId="0" nodeType="withEffect">
+                                  <p:stCondLst>
+                                    <p:cond delay="0"/>
+                                  </p:stCondLst>
+                                  <p:childTnLst>
+                                    <p:set>
+                                      <p:cBhvr>
+                                        <p:cTn id="14" dur="1" fill="hold">
+                                          <p:stCondLst>
+                                            <p:cond delay="0"/>
+                                          </p:stCondLst>
+                                        </p:cTn>
+                                        <p:tgtEl>
+                                          <p:spTgt spid="3">
+                                            <p:txEl>
+                                              <p:pRg st="2" end="2"/>
+                                            </p:txEl>
+                                          </p:spTgt>
+                                        </p:tgtEl>
+                                        <p:attrNameLst>
+                                          <p:attrName>style.visibility</p:attrName>
+                                        </p:attrNameLst>
+                                      </p:cBhvr>
+                                      <p:to>
+                                        <p:strVal val="visible"/>
+                                      </p:to>
+                                    </p:set>
+                                    <p:anim calcmode="lin" valueType="num">
+                                      <p:cBhvr additive="base">
+                                        <p:cTn id="15" dur="500" fill="hold"/>
+                                        <p:tgtEl>
+                                          <p:spTgt spid="3">
+                                            <p:txEl>
+                                              <p:pRg st="2" end="2"/>
+                                            </p:txEl>
+                                          </p:spTgt>
+                                        </p:tgtEl>
+                                        <p:attrNameLst>
+                                          <p:attrName>ppt_x</p:attrName>
+                                        </p:attrNameLst>
+                                      </p:cBhvr>
+                                      <p:tavLst>
+                                        <p:tav tm="0">
+                                          <p:val>
+                                            <p:strVal val="#ppt_x"/>
+                                          </p:val>
+                                        </p:tav>
+                                        <p:tav tm="100000">
+                                          <p:val>
+                                            <p:strVal val="#ppt_x"/>
+                                          </p:val>
+                                        </p:tav>
+                                      </p:tavLst>
+                                    </p:anim>
+                                    <p:anim calcmode="lin" valueType="num">
+                                      <p:cBhvr additive="base">
+                                        <p:cTn id="16" dur="500" fill="hold"/>
+                                        <p:tgtEl>
+                                          <p:spTgt spid="3">
+                                            <p:txEl>
+                                              <p:pRg st="2" end="2"/>
+                                            </p:txEl>
+                                          </p:spTgt>
+                                        </p:tgtEl>
+                                        <p:attrNameLst>
+                                          <p:attrName>ppt_y</p:attrName>
+                                        </p:attrNameLst>
+                                      </p:cBhvr>
+                                      <p:tavLst>
+                                        <p:tav tm="0">
+                                          <p:val>
+                                            <p:strVal val="1+#ppt_h/2"/>
+                                          </p:val>
+                                        </p:tav>
+                                        <p:tav tm="100000">
+                                          <p:val>
+                                            <p:strVal val="#ppt_y"/>
+                                          </p:val>
+                                        </p:tav>
+                                      </p:tavLst>
+                                    </p:anim>
+                                  </p:childTnLst>
+                                </p:cTn>
+                              </p:par>
+                              <p:par>
+                                <p:cTn id="17" presetID="2" presetClass="entr" presetSubtype="4" fill="hold" grpId="0" nodeType="withEffect">
+                                  <p:stCondLst>
+                                    <p:cond delay="0"/>
+                                  </p:stCondLst>
+                                  <p:childTnLst>
+                                    <p:set>
+                                      <p:cBhvr>
+                                        <p:cTn id="18" dur="1" fill="hold">
+                                          <p:stCondLst>
+                                            <p:cond delay="0"/>
+                                          </p:stCondLst>
+                                        </p:cTn>
+                                        <p:tgtEl>
+                                          <p:spTgt spid="3">
+                                            <p:txEl>
+                                              <p:pRg st="3" end="3"/>
+                                            </p:txEl>
+                                          </p:spTgt>
+                                        </p:tgtEl>
+                                        <p:attrNameLst>
+                                          <p:attrName>style.visibility</p:attrName>
+                                        </p:attrNameLst>
+                                      </p:cBhvr>
+                                      <p:to>
+                                        <p:strVal val="visible"/>
+                                      </p:to>
+                                    </p:set>
+                                    <p:anim calcmode="lin" valueType="num">
+                                      <p:cBhvr additive="base">
+                                        <p:cTn id="19" dur="500" fill="hold"/>
+                                        <p:tgtEl>
+                                          <p:spTgt spid="3">
+                                            <p:txEl>
+                                              <p:pRg st="3" end="3"/>
+                                            </p:txEl>
+                                          </p:spTgt>
+                                        </p:tgtEl>
+                                        <p:attrNameLst>
+                                          <p:attrName>ppt_x</p:attrName>
+                                        </p:attrNameLst>
+                                      </p:cBhvr>
+                                      <p:tavLst>
+                                        <p:tav tm="0">
+                                          <p:val>
+                                            <p:strVal val="#ppt_x"/>
+                                          </p:val>
+                                        </p:tav>
+                                        <p:tav tm="100000">
+                                          <p:val>
+                                            <p:strVal val="#ppt_x"/>
+                                          </p:val>
+                                        </p:tav>
+                                      </p:tavLst>
+                                    </p:anim>
+                                    <p:anim calcmode="lin" valueType="num">
+                                      <p:cBhvr additive="base">
+                                        <p:cTn id="20" dur="500" fill="hold"/>
+                                        <p:tgtEl>
+                                          <p:spTgt spid="3">
+                                            <p:txEl>
+                                              <p:pRg st="3" end="3"/>
+                                            </p:txEl>
+                                          </p:spTgt>
+                                        </p:tgtEl>
+                                        <p:attrNameLst>
+                                          <p:attrName>ppt_y</p:attrName>
+                                        </p:attrNameLst>
+                                      </p:cBhvr>
+                                      <p:tavLst>
+                                        <p:tav tm="0">
+                                          <p:val>
+                                            <p:strVal val="1+#ppt_h/2"/>
+                                          </p:val>
+                                        </p:tav>
+                                        <p:tav tm="100000">
+                                          <p:val>
+                                            <p:strVal val="#ppt_y"/>
+                                          </p:val>
+                                        </p:tav>
+                                      </p:tavLst>
+                                    </p:anim>
+                                  </p:childTnLst>
+                                </p:cTn>
+                              </p:par>
+                              <p:par>
+                                <p:cTn id="21" presetID="2" presetClass="entr" presetSubtype="4" fill="hold" grpId="0" nodeType="withEffect">
+                                  <p:stCondLst>
+                                    <p:cond delay="0"/>
+                                  </p:stCondLst>
+                                  <p:childTnLst>
+                                    <p:set>
+                                      <p:cBhvr>
+                                        <p:cTn id="22" dur="1" fill="hold">
+                                          <p:stCondLst>
+                                            <p:cond delay="0"/>
+                                          </p:stCondLst>
+                                        </p:cTn>
+                                        <p:tgtEl>
+                                          <p:spTgt spid="3">
+                                            <p:txEl>
+                                              <p:pRg st="4" end="4"/>
+                                            </p:txEl>
+                                          </p:spTgt>
+                                        </p:tgtEl>
+                                        <p:attrNameLst>
+                                          <p:attrName>style.visibility</p:attrName>
+                                        </p:attrNameLst>
+                                      </p:cBhvr>
+                                      <p:to>
+                                        <p:strVal val="visible"/>
+                                      </p:to>
+                                    </p:set>
+                                    <p:anim calcmode="lin" valueType="num">
+                                      <p:cBhvr additive="base">
+                                        <p:cTn id="23" dur="500" fill="hold"/>
+                                        <p:tgtEl>
+                                          <p:spTgt spid="3">
+                                            <p:txEl>
+                                              <p:pRg st="4" end="4"/>
+                                            </p:txEl>
+                                          </p:spTgt>
+                                        </p:tgtEl>
+                                        <p:attrNameLst>
+                                          <p:attrName>ppt_x</p:attrName>
+                                        </p:attrNameLst>
+                                      </p:cBhvr>
+                                      <p:tavLst>
+                                        <p:tav tm="0">
+                                          <p:val>
+                                            <p:strVal val="#ppt_x"/>
+                                          </p:val>
+                                        </p:tav>
+                                        <p:tav tm="100000">
+                                          <p:val>
+                                            <p:strVal val="#ppt_x"/>
+                                          </p:val>
+                                        </p:tav>
+                                      </p:tavLst>
+                                    </p:anim>
+                                    <p:anim calcmode="lin" valueType="num">
+                                      <p:cBhvr additive="base">
+                                        <p:cTn id="24" dur="500" fill="hold"/>
+                                        <p:tgtEl>
+                                          <p:spTgt spid="3">
+                                            <p:txEl>
+                                              <p:pRg st="4" end="4"/>
+                                            </p:txEl>
+                                          </p:spTgt>
+                                        </p:tgtEl>
+                                        <p:attrNameLst>
+                                          <p:attrName>ppt_y</p:attrName>
+                                        </p:attrNameLst>
+                                      </p:cBhvr>
+                                      <p:tavLst>
+                                        <p:tav tm="0">
+                                          <p:val>
+                                            <p:strVal val="1+#ppt_h/2"/>
+                                          </p:val>
+                                        </p:tav>
+                                        <p:tav tm="100000">
+                                          <p:val>
+                                            <p:strVal val="#ppt_y"/>
+                                          </p:val>
+                                        </p:tav>
+                                      </p:tavLst>
+                                    </p:anim>
+                                  </p:childTnLst>
+                                </p:cTn>
+                              </p:par>
+                            </p:childTnLst>
+                          </p:cTn>
+                        </p:par>
+                      </p:childTnLst>
+                    </p:cTn>
+                  </p:par>
+                </p:childTnLst>
+              </p:cTn>
+              <p:prevCondLst>
+                <p:cond evt="onPrev" delay="0">
+                  <p:tgtEl>
+                    <p:sldTgt/>
+                  </p:tgtEl>
+                </p:cond>
+              </p:prevCondLst>
+              <p:nextCondLst>
+                <p:cond evt="onNext" delay="0">
+                  <p:tgtEl>
+                    <p:sldTgt/>
+                  </p:tgtEl>
+                </p:cond>
+              </p:nextCondLst>
+            </p:seq>
+          </p:childTnLst>
+        </p:cTn>
       </p:par>
     </p:tnLst>
+    <p:bldLst>
+      <p:bldP spid="3" grpId="0" build="p"/>
+    </p:bldLst>
   </p:timing>
 </p:sld>
 </file>
 
-<file path=ppt/slides/slide18.xml><?xml version="1.0" encoding="utf-8"?>
+<file path=ppt/slides/slide17.xml><?xml version="1.0" encoding="utf-8"?>
 <p:sld xmlns:a="http://schemas.openxmlformats.org/drawingml/2006/main" xmlns:r="http://schemas.openxmlformats.org/officeDocument/2006/relationships" xmlns:p="http://schemas.openxmlformats.org/presentationml/2006/main">
   <p:cSld>
     <p:spTree>
@@ -26896,7 +28081,15 @@
                 <a:pPr lvl="2"/>
                 <a:r>
                   <a:rPr lang="zh-CN" altLang="zh-CN" dirty="0"/>
-                  <a:t>缓存块最后一次被访问到至被淘汰的时间 </a:t>
+                  <a:t>缓存块最后一次被</a:t>
+                </a:r>
+                <a:r>
+                  <a:rPr lang="zh-CN" altLang="zh-CN" dirty="0" smtClean="0"/>
+                  <a:t>访问至</a:t>
+                </a:r>
+                <a:r>
+                  <a:rPr lang="zh-CN" altLang="zh-CN" dirty="0"/>
+                  <a:t>被淘汰的时间 </a:t>
                 </a:r>
                 <a:endParaRPr kumimoji="1" lang="zh-CN" altLang="en-US" dirty="0" smtClean="0"/>
               </a:p>
@@ -26963,7 +28156,7 @@
                         <m:supHide m:val="on"/>
                         <m:ctrlPr>
                           <a:rPr kumimoji="1" lang="en-US" altLang="zh-CN" i="1" smtClean="0">
-                            <a:latin typeface="Cambria Math" charset="0"/>
+                            <a:latin typeface="Cambria Math" panose="02040503050406030204" pitchFamily="18" charset="0"/>
                           </a:rPr>
                         </m:ctrlPr>
                       </m:naryPr>
@@ -27024,14 +28217,13 @@
                   <a:rPr kumimoji="1" lang="en-US" altLang="zh-CN" dirty="0" smtClean="0"/>
                   <a:t>)</a:t>
                 </a:r>
-                <a:endParaRPr kumimoji="1" lang="zh-CN" altLang="en-US" dirty="0"/>
               </a:p>
               <a:p>
-                <a:pPr lvl="1"/>
-                <a:endParaRPr kumimoji="1" lang="zh-CN" altLang="en-US" dirty="0" smtClean="0"/>
-              </a:p>
-              <a:p>
-                <a:pPr lvl="1"/>
+                <a:pPr lvl="2"/>
+                <a:r>
+                  <a:rPr kumimoji="1" lang="en-US" altLang="zh-CN" dirty="0" smtClean="0"/>
+                  <a:t>v(t) = P(t)</a:t>
+                </a:r>
                 <a:endParaRPr kumimoji="1" lang="zh-CN" altLang="en-US" dirty="0"/>
               </a:p>
               <a:p>
@@ -27049,7 +28241,7 @@
                       <m:naryPr>
                         <m:ctrlPr>
                           <a:rPr kumimoji="1" lang="zh-CN" altLang="en-US" i="1" smtClean="0">
-                            <a:latin typeface="Cambria Math" charset="0"/>
+                            <a:latin typeface="Cambria Math" panose="02040503050406030204" pitchFamily="18" charset="0"/>
                           </a:rPr>
                         </m:ctrlPr>
                       </m:naryPr>
@@ -27107,7 +28299,7 @@
                           <m:dPr>
                             <m:ctrlPr>
                               <a:rPr kumimoji="1" lang="en-US" altLang="zh-CN" b="0" i="1" smtClean="0">
-                                <a:latin typeface="Cambria Math" charset="0"/>
+                                <a:latin typeface="Cambria Math" panose="02040503050406030204" pitchFamily="18" charset="0"/>
                               </a:rPr>
                             </m:ctrlPr>
                           </m:dPr>
@@ -27148,7 +28340,7 @@
                       <m:naryPr>
                         <m:ctrlPr>
                           <a:rPr kumimoji="1" lang="zh-CN" altLang="en-US" i="1" smtClean="0">
-                            <a:latin typeface="Cambria Math" charset="0"/>
+                            <a:latin typeface="Cambria Math" panose="02040503050406030204" pitchFamily="18" charset="0"/>
                           </a:rPr>
                         </m:ctrlPr>
                       </m:naryPr>
@@ -27200,7 +28392,7 @@
                           <m:dPr>
                             <m:ctrlPr>
                               <a:rPr kumimoji="1" lang="en-US" altLang="zh-CN" b="0" i="1" smtClean="0">
-                                <a:latin typeface="Cambria Math" charset="0"/>
+                                <a:latin typeface="Cambria Math" panose="02040503050406030204" pitchFamily="18" charset="0"/>
                               </a:rPr>
                             </m:ctrlPr>
                           </m:dPr>
@@ -27256,7 +28448,7 @@
               </p:nvPr>
             </p:nvSpPr>
             <p:spPr>
-              <a:blipFill rotWithShape="0">
+              <a:blipFill>
                 <a:blip r:embed="rId3"/>
                 <a:stretch>
                   <a:fillRect t="-889"/>
@@ -27317,7 +28509,7 @@
                 <a:cs typeface="Times New Roman"/>
                 <a:sym typeface="Times New Roman"/>
               </a:rPr>
-              <a:t>18</a:t>
+              <a:t>17</a:t>
             </a:fld>
             <a:endParaRPr lang="en-US" sz="1200" b="0">
               <a:solidFill>
@@ -27331,6 +28523,78 @@
           </a:p>
         </p:txBody>
       </p:sp>
+      <p:pic>
+        <p:nvPicPr>
+          <p:cNvPr id="8" name="图片 7"/>
+          <p:cNvPicPr>
+            <a:picLocks noChangeAspect="1"/>
+          </p:cNvPicPr>
+          <p:nvPr/>
+        </p:nvPicPr>
+        <p:blipFill>
+          <a:blip r:embed="rId4"/>
+          <a:stretch>
+            <a:fillRect/>
+          </a:stretch>
+        </p:blipFill>
+        <p:spPr>
+          <a:xfrm>
+            <a:off x="1799062" y="4165950"/>
+            <a:ext cx="5439938" cy="686400"/>
+          </a:xfrm>
+          <a:prstGeom prst="rect">
+            <a:avLst/>
+          </a:prstGeom>
+        </p:spPr>
+      </p:pic>
+      <p:pic>
+        <p:nvPicPr>
+          <p:cNvPr id="9" name="图片 8"/>
+          <p:cNvPicPr>
+            <a:picLocks noChangeAspect="1"/>
+          </p:cNvPicPr>
+          <p:nvPr/>
+        </p:nvPicPr>
+        <p:blipFill>
+          <a:blip r:embed="rId5"/>
+          <a:stretch>
+            <a:fillRect/>
+          </a:stretch>
+        </p:blipFill>
+        <p:spPr>
+          <a:xfrm>
+            <a:off x="2939821" y="4773691"/>
+            <a:ext cx="648975" cy="1105867"/>
+          </a:xfrm>
+          <a:prstGeom prst="rect">
+            <a:avLst/>
+          </a:prstGeom>
+        </p:spPr>
+      </p:pic>
+      <p:pic>
+        <p:nvPicPr>
+          <p:cNvPr id="10" name="图片 9"/>
+          <p:cNvPicPr>
+            <a:picLocks noChangeAspect="1"/>
+          </p:cNvPicPr>
+          <p:nvPr/>
+        </p:nvPicPr>
+        <p:blipFill>
+          <a:blip r:embed="rId6"/>
+          <a:stretch>
+            <a:fillRect/>
+          </a:stretch>
+        </p:blipFill>
+        <p:spPr>
+          <a:xfrm>
+            <a:off x="4572306" y="4761064"/>
+            <a:ext cx="648975" cy="1105867"/>
+          </a:xfrm>
+          <a:prstGeom prst="rect">
+            <a:avLst/>
+          </a:prstGeom>
+        </p:spPr>
+      </p:pic>
     </p:spTree>
     <p:extLst>
       <p:ext uri="{BB962C8B-B14F-4D97-AF65-F5344CB8AC3E}">
@@ -27344,14 +28608,1433 @@
   <p:timing>
     <p:tnLst>
       <p:par>
-        <p:cTn id="1" dur="indefinite" restart="never" nodeType="tmRoot"/>
+        <p:cTn id="1" dur="indefinite" restart="never" nodeType="tmRoot">
+          <p:childTnLst>
+            <p:seq concurrent="1" nextAc="seek">
+              <p:cTn id="2" dur="indefinite" nodeType="mainSeq">
+                <p:childTnLst>
+                  <p:par>
+                    <p:cTn id="3" fill="hold">
+                      <p:stCondLst>
+                        <p:cond delay="indefinite"/>
+                        <p:cond evt="onBegin" delay="0">
+                          <p:tn val="2"/>
+                        </p:cond>
+                      </p:stCondLst>
+                      <p:childTnLst>
+                        <p:par>
+                          <p:cTn id="4" fill="hold">
+                            <p:stCondLst>
+                              <p:cond delay="0"/>
+                            </p:stCondLst>
+                            <p:childTnLst>
+                              <p:par>
+                                <p:cTn id="5" presetID="2" presetClass="entr" presetSubtype="4" fill="hold" grpId="0" nodeType="withEffect">
+                                  <p:stCondLst>
+                                    <p:cond delay="0"/>
+                                  </p:stCondLst>
+                                  <p:childTnLst>
+                                    <p:set>
+                                      <p:cBhvr>
+                                        <p:cTn id="6" dur="1" fill="hold">
+                                          <p:stCondLst>
+                                            <p:cond delay="0"/>
+                                          </p:stCondLst>
+                                        </p:cTn>
+                                        <p:tgtEl>
+                                          <p:spTgt spid="3">
+                                            <p:txEl>
+                                              <p:pRg st="0" end="0"/>
+                                            </p:txEl>
+                                          </p:spTgt>
+                                        </p:tgtEl>
+                                        <p:attrNameLst>
+                                          <p:attrName>style.visibility</p:attrName>
+                                        </p:attrNameLst>
+                                      </p:cBhvr>
+                                      <p:to>
+                                        <p:strVal val="visible"/>
+                                      </p:to>
+                                    </p:set>
+                                    <p:anim calcmode="lin" valueType="num">
+                                      <p:cBhvr additive="base">
+                                        <p:cTn id="7" dur="500" fill="hold"/>
+                                        <p:tgtEl>
+                                          <p:spTgt spid="3">
+                                            <p:txEl>
+                                              <p:pRg st="0" end="0"/>
+                                            </p:txEl>
+                                          </p:spTgt>
+                                        </p:tgtEl>
+                                        <p:attrNameLst>
+                                          <p:attrName>ppt_x</p:attrName>
+                                        </p:attrNameLst>
+                                      </p:cBhvr>
+                                      <p:tavLst>
+                                        <p:tav tm="0">
+                                          <p:val>
+                                            <p:strVal val="#ppt_x"/>
+                                          </p:val>
+                                        </p:tav>
+                                        <p:tav tm="100000">
+                                          <p:val>
+                                            <p:strVal val="#ppt_x"/>
+                                          </p:val>
+                                        </p:tav>
+                                      </p:tavLst>
+                                    </p:anim>
+                                    <p:anim calcmode="lin" valueType="num">
+                                      <p:cBhvr additive="base">
+                                        <p:cTn id="8" dur="500" fill="hold"/>
+                                        <p:tgtEl>
+                                          <p:spTgt spid="3">
+                                            <p:txEl>
+                                              <p:pRg st="0" end="0"/>
+                                            </p:txEl>
+                                          </p:spTgt>
+                                        </p:tgtEl>
+                                        <p:attrNameLst>
+                                          <p:attrName>ppt_y</p:attrName>
+                                        </p:attrNameLst>
+                                      </p:cBhvr>
+                                      <p:tavLst>
+                                        <p:tav tm="0">
+                                          <p:val>
+                                            <p:strVal val="1+#ppt_h/2"/>
+                                          </p:val>
+                                        </p:tav>
+                                        <p:tav tm="100000">
+                                          <p:val>
+                                            <p:strVal val="#ppt_y"/>
+                                          </p:val>
+                                        </p:tav>
+                                      </p:tavLst>
+                                    </p:anim>
+                                  </p:childTnLst>
+                                </p:cTn>
+                              </p:par>
+                            </p:childTnLst>
+                          </p:cTn>
+                        </p:par>
+                      </p:childTnLst>
+                    </p:cTn>
+                  </p:par>
+                  <p:par>
+                    <p:cTn id="9" fill="hold">
+                      <p:stCondLst>
+                        <p:cond delay="indefinite"/>
+                      </p:stCondLst>
+                      <p:childTnLst>
+                        <p:par>
+                          <p:cTn id="10" fill="hold">
+                            <p:stCondLst>
+                              <p:cond delay="0"/>
+                            </p:stCondLst>
+                            <p:childTnLst>
+                              <p:par>
+                                <p:cTn id="11" presetID="2" presetClass="entr" presetSubtype="4" fill="hold" grpId="0" nodeType="clickEffect">
+                                  <p:stCondLst>
+                                    <p:cond delay="0"/>
+                                  </p:stCondLst>
+                                  <p:childTnLst>
+                                    <p:set>
+                                      <p:cBhvr>
+                                        <p:cTn id="12" dur="1" fill="hold">
+                                          <p:stCondLst>
+                                            <p:cond delay="0"/>
+                                          </p:stCondLst>
+                                        </p:cTn>
+                                        <p:tgtEl>
+                                          <p:spTgt spid="3">
+                                            <p:txEl>
+                                              <p:pRg st="1" end="1"/>
+                                            </p:txEl>
+                                          </p:spTgt>
+                                        </p:tgtEl>
+                                        <p:attrNameLst>
+                                          <p:attrName>style.visibility</p:attrName>
+                                        </p:attrNameLst>
+                                      </p:cBhvr>
+                                      <p:to>
+                                        <p:strVal val="visible"/>
+                                      </p:to>
+                                    </p:set>
+                                    <p:anim calcmode="lin" valueType="num">
+                                      <p:cBhvr additive="base">
+                                        <p:cTn id="13" dur="500" fill="hold"/>
+                                        <p:tgtEl>
+                                          <p:spTgt spid="3">
+                                            <p:txEl>
+                                              <p:pRg st="1" end="1"/>
+                                            </p:txEl>
+                                          </p:spTgt>
+                                        </p:tgtEl>
+                                        <p:attrNameLst>
+                                          <p:attrName>ppt_x</p:attrName>
+                                        </p:attrNameLst>
+                                      </p:cBhvr>
+                                      <p:tavLst>
+                                        <p:tav tm="0">
+                                          <p:val>
+                                            <p:strVal val="#ppt_x"/>
+                                          </p:val>
+                                        </p:tav>
+                                        <p:tav tm="100000">
+                                          <p:val>
+                                            <p:strVal val="#ppt_x"/>
+                                          </p:val>
+                                        </p:tav>
+                                      </p:tavLst>
+                                    </p:anim>
+                                    <p:anim calcmode="lin" valueType="num">
+                                      <p:cBhvr additive="base">
+                                        <p:cTn id="14" dur="500" fill="hold"/>
+                                        <p:tgtEl>
+                                          <p:spTgt spid="3">
+                                            <p:txEl>
+                                              <p:pRg st="1" end="1"/>
+                                            </p:txEl>
+                                          </p:spTgt>
+                                        </p:tgtEl>
+                                        <p:attrNameLst>
+                                          <p:attrName>ppt_y</p:attrName>
+                                        </p:attrNameLst>
+                                      </p:cBhvr>
+                                      <p:tavLst>
+                                        <p:tav tm="0">
+                                          <p:val>
+                                            <p:strVal val="1+#ppt_h/2"/>
+                                          </p:val>
+                                        </p:tav>
+                                        <p:tav tm="100000">
+                                          <p:val>
+                                            <p:strVal val="#ppt_y"/>
+                                          </p:val>
+                                        </p:tav>
+                                      </p:tavLst>
+                                    </p:anim>
+                                  </p:childTnLst>
+                                </p:cTn>
+                              </p:par>
+                              <p:par>
+                                <p:cTn id="15" presetID="2" presetClass="entr" presetSubtype="4" fill="hold" grpId="0" nodeType="withEffect">
+                                  <p:stCondLst>
+                                    <p:cond delay="0"/>
+                                  </p:stCondLst>
+                                  <p:childTnLst>
+                                    <p:set>
+                                      <p:cBhvr>
+                                        <p:cTn id="16" dur="1" fill="hold">
+                                          <p:stCondLst>
+                                            <p:cond delay="0"/>
+                                          </p:stCondLst>
+                                        </p:cTn>
+                                        <p:tgtEl>
+                                          <p:spTgt spid="3">
+                                            <p:txEl>
+                                              <p:pRg st="2" end="2"/>
+                                            </p:txEl>
+                                          </p:spTgt>
+                                        </p:tgtEl>
+                                        <p:attrNameLst>
+                                          <p:attrName>style.visibility</p:attrName>
+                                        </p:attrNameLst>
+                                      </p:cBhvr>
+                                      <p:to>
+                                        <p:strVal val="visible"/>
+                                      </p:to>
+                                    </p:set>
+                                    <p:anim calcmode="lin" valueType="num">
+                                      <p:cBhvr additive="base">
+                                        <p:cTn id="17" dur="500" fill="hold"/>
+                                        <p:tgtEl>
+                                          <p:spTgt spid="3">
+                                            <p:txEl>
+                                              <p:pRg st="2" end="2"/>
+                                            </p:txEl>
+                                          </p:spTgt>
+                                        </p:tgtEl>
+                                        <p:attrNameLst>
+                                          <p:attrName>ppt_x</p:attrName>
+                                        </p:attrNameLst>
+                                      </p:cBhvr>
+                                      <p:tavLst>
+                                        <p:tav tm="0">
+                                          <p:val>
+                                            <p:strVal val="#ppt_x"/>
+                                          </p:val>
+                                        </p:tav>
+                                        <p:tav tm="100000">
+                                          <p:val>
+                                            <p:strVal val="#ppt_x"/>
+                                          </p:val>
+                                        </p:tav>
+                                      </p:tavLst>
+                                    </p:anim>
+                                    <p:anim calcmode="lin" valueType="num">
+                                      <p:cBhvr additive="base">
+                                        <p:cTn id="18" dur="500" fill="hold"/>
+                                        <p:tgtEl>
+                                          <p:spTgt spid="3">
+                                            <p:txEl>
+                                              <p:pRg st="2" end="2"/>
+                                            </p:txEl>
+                                          </p:spTgt>
+                                        </p:tgtEl>
+                                        <p:attrNameLst>
+                                          <p:attrName>ppt_y</p:attrName>
+                                        </p:attrNameLst>
+                                      </p:cBhvr>
+                                      <p:tavLst>
+                                        <p:tav tm="0">
+                                          <p:val>
+                                            <p:strVal val="1+#ppt_h/2"/>
+                                          </p:val>
+                                        </p:tav>
+                                        <p:tav tm="100000">
+                                          <p:val>
+                                            <p:strVal val="#ppt_y"/>
+                                          </p:val>
+                                        </p:tav>
+                                      </p:tavLst>
+                                    </p:anim>
+                                  </p:childTnLst>
+                                </p:cTn>
+                              </p:par>
+                            </p:childTnLst>
+                          </p:cTn>
+                        </p:par>
+                      </p:childTnLst>
+                    </p:cTn>
+                  </p:par>
+                  <p:par>
+                    <p:cTn id="19" fill="hold">
+                      <p:stCondLst>
+                        <p:cond delay="indefinite"/>
+                      </p:stCondLst>
+                      <p:childTnLst>
+                        <p:par>
+                          <p:cTn id="20" fill="hold">
+                            <p:stCondLst>
+                              <p:cond delay="0"/>
+                            </p:stCondLst>
+                            <p:childTnLst>
+                              <p:par>
+                                <p:cTn id="21" presetID="2" presetClass="entr" presetSubtype="4" fill="hold" grpId="0" nodeType="clickEffect">
+                                  <p:stCondLst>
+                                    <p:cond delay="0"/>
+                                  </p:stCondLst>
+                                  <p:childTnLst>
+                                    <p:set>
+                                      <p:cBhvr>
+                                        <p:cTn id="22" dur="1" fill="hold">
+                                          <p:stCondLst>
+                                            <p:cond delay="0"/>
+                                          </p:stCondLst>
+                                        </p:cTn>
+                                        <p:tgtEl>
+                                          <p:spTgt spid="3">
+                                            <p:txEl>
+                                              <p:pRg st="3" end="3"/>
+                                            </p:txEl>
+                                          </p:spTgt>
+                                        </p:tgtEl>
+                                        <p:attrNameLst>
+                                          <p:attrName>style.visibility</p:attrName>
+                                        </p:attrNameLst>
+                                      </p:cBhvr>
+                                      <p:to>
+                                        <p:strVal val="visible"/>
+                                      </p:to>
+                                    </p:set>
+                                    <p:anim calcmode="lin" valueType="num">
+                                      <p:cBhvr additive="base">
+                                        <p:cTn id="23" dur="500" fill="hold"/>
+                                        <p:tgtEl>
+                                          <p:spTgt spid="3">
+                                            <p:txEl>
+                                              <p:pRg st="3" end="3"/>
+                                            </p:txEl>
+                                          </p:spTgt>
+                                        </p:tgtEl>
+                                        <p:attrNameLst>
+                                          <p:attrName>ppt_x</p:attrName>
+                                        </p:attrNameLst>
+                                      </p:cBhvr>
+                                      <p:tavLst>
+                                        <p:tav tm="0">
+                                          <p:val>
+                                            <p:strVal val="#ppt_x"/>
+                                          </p:val>
+                                        </p:tav>
+                                        <p:tav tm="100000">
+                                          <p:val>
+                                            <p:strVal val="#ppt_x"/>
+                                          </p:val>
+                                        </p:tav>
+                                      </p:tavLst>
+                                    </p:anim>
+                                    <p:anim calcmode="lin" valueType="num">
+                                      <p:cBhvr additive="base">
+                                        <p:cTn id="24" dur="500" fill="hold"/>
+                                        <p:tgtEl>
+                                          <p:spTgt spid="3">
+                                            <p:txEl>
+                                              <p:pRg st="3" end="3"/>
+                                            </p:txEl>
+                                          </p:spTgt>
+                                        </p:tgtEl>
+                                        <p:attrNameLst>
+                                          <p:attrName>ppt_y</p:attrName>
+                                        </p:attrNameLst>
+                                      </p:cBhvr>
+                                      <p:tavLst>
+                                        <p:tav tm="0">
+                                          <p:val>
+                                            <p:strVal val="1+#ppt_h/2"/>
+                                          </p:val>
+                                        </p:tav>
+                                        <p:tav tm="100000">
+                                          <p:val>
+                                            <p:strVal val="#ppt_y"/>
+                                          </p:val>
+                                        </p:tav>
+                                      </p:tavLst>
+                                    </p:anim>
+                                  </p:childTnLst>
+                                </p:cTn>
+                              </p:par>
+                              <p:par>
+                                <p:cTn id="25" presetID="2" presetClass="entr" presetSubtype="4" fill="hold" grpId="0" nodeType="withEffect">
+                                  <p:stCondLst>
+                                    <p:cond delay="0"/>
+                                  </p:stCondLst>
+                                  <p:childTnLst>
+                                    <p:set>
+                                      <p:cBhvr>
+                                        <p:cTn id="26" dur="1" fill="hold">
+                                          <p:stCondLst>
+                                            <p:cond delay="0"/>
+                                          </p:stCondLst>
+                                        </p:cTn>
+                                        <p:tgtEl>
+                                          <p:spTgt spid="3">
+                                            <p:txEl>
+                                              <p:pRg st="4" end="4"/>
+                                            </p:txEl>
+                                          </p:spTgt>
+                                        </p:tgtEl>
+                                        <p:attrNameLst>
+                                          <p:attrName>style.visibility</p:attrName>
+                                        </p:attrNameLst>
+                                      </p:cBhvr>
+                                      <p:to>
+                                        <p:strVal val="visible"/>
+                                      </p:to>
+                                    </p:set>
+                                    <p:anim calcmode="lin" valueType="num">
+                                      <p:cBhvr additive="base">
+                                        <p:cTn id="27" dur="500" fill="hold"/>
+                                        <p:tgtEl>
+                                          <p:spTgt spid="3">
+                                            <p:txEl>
+                                              <p:pRg st="4" end="4"/>
+                                            </p:txEl>
+                                          </p:spTgt>
+                                        </p:tgtEl>
+                                        <p:attrNameLst>
+                                          <p:attrName>ppt_x</p:attrName>
+                                        </p:attrNameLst>
+                                      </p:cBhvr>
+                                      <p:tavLst>
+                                        <p:tav tm="0">
+                                          <p:val>
+                                            <p:strVal val="#ppt_x"/>
+                                          </p:val>
+                                        </p:tav>
+                                        <p:tav tm="100000">
+                                          <p:val>
+                                            <p:strVal val="#ppt_x"/>
+                                          </p:val>
+                                        </p:tav>
+                                      </p:tavLst>
+                                    </p:anim>
+                                    <p:anim calcmode="lin" valueType="num">
+                                      <p:cBhvr additive="base">
+                                        <p:cTn id="28" dur="500" fill="hold"/>
+                                        <p:tgtEl>
+                                          <p:spTgt spid="3">
+                                            <p:txEl>
+                                              <p:pRg st="4" end="4"/>
+                                            </p:txEl>
+                                          </p:spTgt>
+                                        </p:tgtEl>
+                                        <p:attrNameLst>
+                                          <p:attrName>ppt_y</p:attrName>
+                                        </p:attrNameLst>
+                                      </p:cBhvr>
+                                      <p:tavLst>
+                                        <p:tav tm="0">
+                                          <p:val>
+                                            <p:strVal val="1+#ppt_h/2"/>
+                                          </p:val>
+                                        </p:tav>
+                                        <p:tav tm="100000">
+                                          <p:val>
+                                            <p:strVal val="#ppt_y"/>
+                                          </p:val>
+                                        </p:tav>
+                                      </p:tavLst>
+                                    </p:anim>
+                                  </p:childTnLst>
+                                </p:cTn>
+                              </p:par>
+                            </p:childTnLst>
+                          </p:cTn>
+                        </p:par>
+                      </p:childTnLst>
+                    </p:cTn>
+                  </p:par>
+                  <p:par>
+                    <p:cTn id="29" fill="hold">
+                      <p:stCondLst>
+                        <p:cond delay="indefinite"/>
+                      </p:stCondLst>
+                      <p:childTnLst>
+                        <p:par>
+                          <p:cTn id="30" fill="hold">
+                            <p:stCondLst>
+                              <p:cond delay="0"/>
+                            </p:stCondLst>
+                            <p:childTnLst>
+                              <p:par>
+                                <p:cTn id="31" presetID="2" presetClass="entr" presetSubtype="4" fill="hold" grpId="0" nodeType="clickEffect">
+                                  <p:stCondLst>
+                                    <p:cond delay="0"/>
+                                  </p:stCondLst>
+                                  <p:childTnLst>
+                                    <p:set>
+                                      <p:cBhvr>
+                                        <p:cTn id="32" dur="1" fill="hold">
+                                          <p:stCondLst>
+                                            <p:cond delay="0"/>
+                                          </p:stCondLst>
+                                        </p:cTn>
+                                        <p:tgtEl>
+                                          <p:spTgt spid="3">
+                                            <p:txEl>
+                                              <p:pRg st="5" end="5"/>
+                                            </p:txEl>
+                                          </p:spTgt>
+                                        </p:tgtEl>
+                                        <p:attrNameLst>
+                                          <p:attrName>style.visibility</p:attrName>
+                                        </p:attrNameLst>
+                                      </p:cBhvr>
+                                      <p:to>
+                                        <p:strVal val="visible"/>
+                                      </p:to>
+                                    </p:set>
+                                    <p:anim calcmode="lin" valueType="num">
+                                      <p:cBhvr additive="base">
+                                        <p:cTn id="33" dur="500" fill="hold"/>
+                                        <p:tgtEl>
+                                          <p:spTgt spid="3">
+                                            <p:txEl>
+                                              <p:pRg st="5" end="5"/>
+                                            </p:txEl>
+                                          </p:spTgt>
+                                        </p:tgtEl>
+                                        <p:attrNameLst>
+                                          <p:attrName>ppt_x</p:attrName>
+                                        </p:attrNameLst>
+                                      </p:cBhvr>
+                                      <p:tavLst>
+                                        <p:tav tm="0">
+                                          <p:val>
+                                            <p:strVal val="#ppt_x"/>
+                                          </p:val>
+                                        </p:tav>
+                                        <p:tav tm="100000">
+                                          <p:val>
+                                            <p:strVal val="#ppt_x"/>
+                                          </p:val>
+                                        </p:tav>
+                                      </p:tavLst>
+                                    </p:anim>
+                                    <p:anim calcmode="lin" valueType="num">
+                                      <p:cBhvr additive="base">
+                                        <p:cTn id="34" dur="500" fill="hold"/>
+                                        <p:tgtEl>
+                                          <p:spTgt spid="3">
+                                            <p:txEl>
+                                              <p:pRg st="5" end="5"/>
+                                            </p:txEl>
+                                          </p:spTgt>
+                                        </p:tgtEl>
+                                        <p:attrNameLst>
+                                          <p:attrName>ppt_y</p:attrName>
+                                        </p:attrNameLst>
+                                      </p:cBhvr>
+                                      <p:tavLst>
+                                        <p:tav tm="0">
+                                          <p:val>
+                                            <p:strVal val="1+#ppt_h/2"/>
+                                          </p:val>
+                                        </p:tav>
+                                        <p:tav tm="100000">
+                                          <p:val>
+                                            <p:strVal val="#ppt_y"/>
+                                          </p:val>
+                                        </p:tav>
+                                      </p:tavLst>
+                                    </p:anim>
+                                  </p:childTnLst>
+                                </p:cTn>
+                              </p:par>
+                            </p:childTnLst>
+                          </p:cTn>
+                        </p:par>
+                      </p:childTnLst>
+                    </p:cTn>
+                  </p:par>
+                  <p:par>
+                    <p:cTn id="35" fill="hold">
+                      <p:stCondLst>
+                        <p:cond delay="indefinite"/>
+                      </p:stCondLst>
+                      <p:childTnLst>
+                        <p:par>
+                          <p:cTn id="36" fill="hold">
+                            <p:stCondLst>
+                              <p:cond delay="0"/>
+                            </p:stCondLst>
+                            <p:childTnLst>
+                              <p:par>
+                                <p:cTn id="37" presetID="2" presetClass="entr" presetSubtype="4" fill="hold" grpId="0" nodeType="clickEffect">
+                                  <p:stCondLst>
+                                    <p:cond delay="0"/>
+                                  </p:stCondLst>
+                                  <p:childTnLst>
+                                    <p:set>
+                                      <p:cBhvr>
+                                        <p:cTn id="38" dur="1" fill="hold">
+                                          <p:stCondLst>
+                                            <p:cond delay="0"/>
+                                          </p:stCondLst>
+                                        </p:cTn>
+                                        <p:tgtEl>
+                                          <p:spTgt spid="3">
+                                            <p:txEl>
+                                              <p:pRg st="6" end="6"/>
+                                            </p:txEl>
+                                          </p:spTgt>
+                                        </p:tgtEl>
+                                        <p:attrNameLst>
+                                          <p:attrName>style.visibility</p:attrName>
+                                        </p:attrNameLst>
+                                      </p:cBhvr>
+                                      <p:to>
+                                        <p:strVal val="visible"/>
+                                      </p:to>
+                                    </p:set>
+                                    <p:anim calcmode="lin" valueType="num">
+                                      <p:cBhvr additive="base">
+                                        <p:cTn id="39" dur="500" fill="hold"/>
+                                        <p:tgtEl>
+                                          <p:spTgt spid="3">
+                                            <p:txEl>
+                                              <p:pRg st="6" end="6"/>
+                                            </p:txEl>
+                                          </p:spTgt>
+                                        </p:tgtEl>
+                                        <p:attrNameLst>
+                                          <p:attrName>ppt_x</p:attrName>
+                                        </p:attrNameLst>
+                                      </p:cBhvr>
+                                      <p:tavLst>
+                                        <p:tav tm="0">
+                                          <p:val>
+                                            <p:strVal val="#ppt_x"/>
+                                          </p:val>
+                                        </p:tav>
+                                        <p:tav tm="100000">
+                                          <p:val>
+                                            <p:strVal val="#ppt_x"/>
+                                          </p:val>
+                                        </p:tav>
+                                      </p:tavLst>
+                                    </p:anim>
+                                    <p:anim calcmode="lin" valueType="num">
+                                      <p:cBhvr additive="base">
+                                        <p:cTn id="40" dur="500" fill="hold"/>
+                                        <p:tgtEl>
+                                          <p:spTgt spid="3">
+                                            <p:txEl>
+                                              <p:pRg st="6" end="6"/>
+                                            </p:txEl>
+                                          </p:spTgt>
+                                        </p:tgtEl>
+                                        <p:attrNameLst>
+                                          <p:attrName>ppt_y</p:attrName>
+                                        </p:attrNameLst>
+                                      </p:cBhvr>
+                                      <p:tavLst>
+                                        <p:tav tm="0">
+                                          <p:val>
+                                            <p:strVal val="1+#ppt_h/2"/>
+                                          </p:val>
+                                        </p:tav>
+                                        <p:tav tm="100000">
+                                          <p:val>
+                                            <p:strVal val="#ppt_y"/>
+                                          </p:val>
+                                        </p:tav>
+                                      </p:tavLst>
+                                    </p:anim>
+                                  </p:childTnLst>
+                                </p:cTn>
+                              </p:par>
+                            </p:childTnLst>
+                          </p:cTn>
+                        </p:par>
+                      </p:childTnLst>
+                    </p:cTn>
+                  </p:par>
+                  <p:par>
+                    <p:cTn id="41" fill="hold">
+                      <p:stCondLst>
+                        <p:cond delay="indefinite"/>
+                      </p:stCondLst>
+                      <p:childTnLst>
+                        <p:par>
+                          <p:cTn id="42" fill="hold">
+                            <p:stCondLst>
+                              <p:cond delay="0"/>
+                            </p:stCondLst>
+                            <p:childTnLst>
+                              <p:par>
+                                <p:cTn id="43" presetID="2" presetClass="entr" presetSubtype="4" fill="hold" nodeType="clickEffect">
+                                  <p:stCondLst>
+                                    <p:cond delay="0"/>
+                                  </p:stCondLst>
+                                  <p:childTnLst>
+                                    <p:set>
+                                      <p:cBhvr>
+                                        <p:cTn id="44" dur="1" fill="hold">
+                                          <p:stCondLst>
+                                            <p:cond delay="0"/>
+                                          </p:stCondLst>
+                                        </p:cTn>
+                                        <p:tgtEl>
+                                          <p:spTgt spid="8"/>
+                                        </p:tgtEl>
+                                        <p:attrNameLst>
+                                          <p:attrName>style.visibility</p:attrName>
+                                        </p:attrNameLst>
+                                      </p:cBhvr>
+                                      <p:to>
+                                        <p:strVal val="visible"/>
+                                      </p:to>
+                                    </p:set>
+                                    <p:anim calcmode="lin" valueType="num">
+                                      <p:cBhvr additive="base">
+                                        <p:cTn id="45" dur="500" fill="hold"/>
+                                        <p:tgtEl>
+                                          <p:spTgt spid="8"/>
+                                        </p:tgtEl>
+                                        <p:attrNameLst>
+                                          <p:attrName>ppt_x</p:attrName>
+                                        </p:attrNameLst>
+                                      </p:cBhvr>
+                                      <p:tavLst>
+                                        <p:tav tm="0">
+                                          <p:val>
+                                            <p:strVal val="#ppt_x"/>
+                                          </p:val>
+                                        </p:tav>
+                                        <p:tav tm="100000">
+                                          <p:val>
+                                            <p:strVal val="#ppt_x"/>
+                                          </p:val>
+                                        </p:tav>
+                                      </p:tavLst>
+                                    </p:anim>
+                                    <p:anim calcmode="lin" valueType="num">
+                                      <p:cBhvr additive="base">
+                                        <p:cTn id="46" dur="500" fill="hold"/>
+                                        <p:tgtEl>
+                                          <p:spTgt spid="8"/>
+                                        </p:tgtEl>
+                                        <p:attrNameLst>
+                                          <p:attrName>ppt_y</p:attrName>
+                                        </p:attrNameLst>
+                                      </p:cBhvr>
+                                      <p:tavLst>
+                                        <p:tav tm="0">
+                                          <p:val>
+                                            <p:strVal val="1+#ppt_h/2"/>
+                                          </p:val>
+                                        </p:tav>
+                                        <p:tav tm="100000">
+                                          <p:val>
+                                            <p:strVal val="#ppt_y"/>
+                                          </p:val>
+                                        </p:tav>
+                                      </p:tavLst>
+                                    </p:anim>
+                                  </p:childTnLst>
+                                </p:cTn>
+                              </p:par>
+                            </p:childTnLst>
+                          </p:cTn>
+                        </p:par>
+                      </p:childTnLst>
+                    </p:cTn>
+                  </p:par>
+                  <p:par>
+                    <p:cTn id="47" fill="hold">
+                      <p:stCondLst>
+                        <p:cond delay="indefinite"/>
+                      </p:stCondLst>
+                      <p:childTnLst>
+                        <p:par>
+                          <p:cTn id="48" fill="hold">
+                            <p:stCondLst>
+                              <p:cond delay="0"/>
+                            </p:stCondLst>
+                            <p:childTnLst>
+                              <p:par>
+                                <p:cTn id="49" presetID="2" presetClass="entr" presetSubtype="4" fill="hold" nodeType="clickEffect">
+                                  <p:stCondLst>
+                                    <p:cond delay="0"/>
+                                  </p:stCondLst>
+                                  <p:childTnLst>
+                                    <p:set>
+                                      <p:cBhvr>
+                                        <p:cTn id="50" dur="1" fill="hold">
+                                          <p:stCondLst>
+                                            <p:cond delay="0"/>
+                                          </p:stCondLst>
+                                        </p:cTn>
+                                        <p:tgtEl>
+                                          <p:spTgt spid="9"/>
+                                        </p:tgtEl>
+                                        <p:attrNameLst>
+                                          <p:attrName>style.visibility</p:attrName>
+                                        </p:attrNameLst>
+                                      </p:cBhvr>
+                                      <p:to>
+                                        <p:strVal val="visible"/>
+                                      </p:to>
+                                    </p:set>
+                                    <p:anim calcmode="lin" valueType="num">
+                                      <p:cBhvr additive="base">
+                                        <p:cTn id="51" dur="500" fill="hold"/>
+                                        <p:tgtEl>
+                                          <p:spTgt spid="9"/>
+                                        </p:tgtEl>
+                                        <p:attrNameLst>
+                                          <p:attrName>ppt_x</p:attrName>
+                                        </p:attrNameLst>
+                                      </p:cBhvr>
+                                      <p:tavLst>
+                                        <p:tav tm="0">
+                                          <p:val>
+                                            <p:strVal val="#ppt_x"/>
+                                          </p:val>
+                                        </p:tav>
+                                        <p:tav tm="100000">
+                                          <p:val>
+                                            <p:strVal val="#ppt_x"/>
+                                          </p:val>
+                                        </p:tav>
+                                      </p:tavLst>
+                                    </p:anim>
+                                    <p:anim calcmode="lin" valueType="num">
+                                      <p:cBhvr additive="base">
+                                        <p:cTn id="52" dur="500" fill="hold"/>
+                                        <p:tgtEl>
+                                          <p:spTgt spid="9"/>
+                                        </p:tgtEl>
+                                        <p:attrNameLst>
+                                          <p:attrName>ppt_y</p:attrName>
+                                        </p:attrNameLst>
+                                      </p:cBhvr>
+                                      <p:tavLst>
+                                        <p:tav tm="0">
+                                          <p:val>
+                                            <p:strVal val="1+#ppt_h/2"/>
+                                          </p:val>
+                                        </p:tav>
+                                        <p:tav tm="100000">
+                                          <p:val>
+                                            <p:strVal val="#ppt_y"/>
+                                          </p:val>
+                                        </p:tav>
+                                      </p:tavLst>
+                                    </p:anim>
+                                  </p:childTnLst>
+                                </p:cTn>
+                              </p:par>
+                            </p:childTnLst>
+                          </p:cTn>
+                        </p:par>
+                      </p:childTnLst>
+                    </p:cTn>
+                  </p:par>
+                  <p:par>
+                    <p:cTn id="53" fill="hold">
+                      <p:stCondLst>
+                        <p:cond delay="indefinite"/>
+                      </p:stCondLst>
+                      <p:childTnLst>
+                        <p:par>
+                          <p:cTn id="54" fill="hold">
+                            <p:stCondLst>
+                              <p:cond delay="0"/>
+                            </p:stCondLst>
+                            <p:childTnLst>
+                              <p:par>
+                                <p:cTn id="55" presetID="10" presetClass="exit" presetSubtype="0" fill="hold" nodeType="clickEffect">
+                                  <p:stCondLst>
+                                    <p:cond delay="0"/>
+                                  </p:stCondLst>
+                                  <p:childTnLst>
+                                    <p:animEffect transition="out" filter="fade">
+                                      <p:cBhvr>
+                                        <p:cTn id="56" dur="500"/>
+                                        <p:tgtEl>
+                                          <p:spTgt spid="9"/>
+                                        </p:tgtEl>
+                                      </p:cBhvr>
+                                    </p:animEffect>
+                                    <p:set>
+                                      <p:cBhvr>
+                                        <p:cTn id="57" dur="1" fill="hold">
+                                          <p:stCondLst>
+                                            <p:cond delay="499"/>
+                                          </p:stCondLst>
+                                        </p:cTn>
+                                        <p:tgtEl>
+                                          <p:spTgt spid="9"/>
+                                        </p:tgtEl>
+                                        <p:attrNameLst>
+                                          <p:attrName>style.visibility</p:attrName>
+                                        </p:attrNameLst>
+                                      </p:cBhvr>
+                                      <p:to>
+                                        <p:strVal val="hidden"/>
+                                      </p:to>
+                                    </p:set>
+                                  </p:childTnLst>
+                                </p:cTn>
+                              </p:par>
+                            </p:childTnLst>
+                          </p:cTn>
+                        </p:par>
+                      </p:childTnLst>
+                    </p:cTn>
+                  </p:par>
+                  <p:par>
+                    <p:cTn id="58" fill="hold">
+                      <p:stCondLst>
+                        <p:cond delay="indefinite"/>
+                      </p:stCondLst>
+                      <p:childTnLst>
+                        <p:par>
+                          <p:cTn id="59" fill="hold">
+                            <p:stCondLst>
+                              <p:cond delay="0"/>
+                            </p:stCondLst>
+                            <p:childTnLst>
+                              <p:par>
+                                <p:cTn id="60" presetID="2" presetClass="entr" presetSubtype="4" fill="hold" nodeType="clickEffect">
+                                  <p:stCondLst>
+                                    <p:cond delay="0"/>
+                                  </p:stCondLst>
+                                  <p:childTnLst>
+                                    <p:set>
+                                      <p:cBhvr>
+                                        <p:cTn id="61" dur="1" fill="hold">
+                                          <p:stCondLst>
+                                            <p:cond delay="0"/>
+                                          </p:stCondLst>
+                                        </p:cTn>
+                                        <p:tgtEl>
+                                          <p:spTgt spid="10"/>
+                                        </p:tgtEl>
+                                        <p:attrNameLst>
+                                          <p:attrName>style.visibility</p:attrName>
+                                        </p:attrNameLst>
+                                      </p:cBhvr>
+                                      <p:to>
+                                        <p:strVal val="visible"/>
+                                      </p:to>
+                                    </p:set>
+                                    <p:anim calcmode="lin" valueType="num">
+                                      <p:cBhvr additive="base">
+                                        <p:cTn id="62" dur="500" fill="hold"/>
+                                        <p:tgtEl>
+                                          <p:spTgt spid="10"/>
+                                        </p:tgtEl>
+                                        <p:attrNameLst>
+                                          <p:attrName>ppt_x</p:attrName>
+                                        </p:attrNameLst>
+                                      </p:cBhvr>
+                                      <p:tavLst>
+                                        <p:tav tm="0">
+                                          <p:val>
+                                            <p:strVal val="#ppt_x"/>
+                                          </p:val>
+                                        </p:tav>
+                                        <p:tav tm="100000">
+                                          <p:val>
+                                            <p:strVal val="#ppt_x"/>
+                                          </p:val>
+                                        </p:tav>
+                                      </p:tavLst>
+                                    </p:anim>
+                                    <p:anim calcmode="lin" valueType="num">
+                                      <p:cBhvr additive="base">
+                                        <p:cTn id="63" dur="500" fill="hold"/>
+                                        <p:tgtEl>
+                                          <p:spTgt spid="10"/>
+                                        </p:tgtEl>
+                                        <p:attrNameLst>
+                                          <p:attrName>ppt_y</p:attrName>
+                                        </p:attrNameLst>
+                                      </p:cBhvr>
+                                      <p:tavLst>
+                                        <p:tav tm="0">
+                                          <p:val>
+                                            <p:strVal val="1+#ppt_h/2"/>
+                                          </p:val>
+                                        </p:tav>
+                                        <p:tav tm="100000">
+                                          <p:val>
+                                            <p:strVal val="#ppt_y"/>
+                                          </p:val>
+                                        </p:tav>
+                                      </p:tavLst>
+                                    </p:anim>
+                                  </p:childTnLst>
+                                </p:cTn>
+                              </p:par>
+                            </p:childTnLst>
+                          </p:cTn>
+                        </p:par>
+                      </p:childTnLst>
+                    </p:cTn>
+                  </p:par>
+                  <p:par>
+                    <p:cTn id="64" fill="hold">
+                      <p:stCondLst>
+                        <p:cond delay="indefinite"/>
+                      </p:stCondLst>
+                      <p:childTnLst>
+                        <p:par>
+                          <p:cTn id="65" fill="hold">
+                            <p:stCondLst>
+                              <p:cond delay="0"/>
+                            </p:stCondLst>
+                            <p:childTnLst>
+                              <p:par>
+                                <p:cTn id="66" presetID="10" presetClass="exit" presetSubtype="0" fill="hold" nodeType="clickEffect">
+                                  <p:stCondLst>
+                                    <p:cond delay="0"/>
+                                  </p:stCondLst>
+                                  <p:childTnLst>
+                                    <p:animEffect transition="out" filter="fade">
+                                      <p:cBhvr>
+                                        <p:cTn id="67" dur="500"/>
+                                        <p:tgtEl>
+                                          <p:spTgt spid="10"/>
+                                        </p:tgtEl>
+                                      </p:cBhvr>
+                                    </p:animEffect>
+                                    <p:set>
+                                      <p:cBhvr>
+                                        <p:cTn id="68" dur="1" fill="hold">
+                                          <p:stCondLst>
+                                            <p:cond delay="499"/>
+                                          </p:stCondLst>
+                                        </p:cTn>
+                                        <p:tgtEl>
+                                          <p:spTgt spid="10"/>
+                                        </p:tgtEl>
+                                        <p:attrNameLst>
+                                          <p:attrName>style.visibility</p:attrName>
+                                        </p:attrNameLst>
+                                      </p:cBhvr>
+                                      <p:to>
+                                        <p:strVal val="hidden"/>
+                                      </p:to>
+                                    </p:set>
+                                  </p:childTnLst>
+                                </p:cTn>
+                              </p:par>
+                              <p:par>
+                                <p:cTn id="69" presetID="10" presetClass="exit" presetSubtype="0" fill="hold" nodeType="withEffect">
+                                  <p:stCondLst>
+                                    <p:cond delay="0"/>
+                                  </p:stCondLst>
+                                  <p:childTnLst>
+                                    <p:animEffect transition="out" filter="fade">
+                                      <p:cBhvr>
+                                        <p:cTn id="70" dur="500"/>
+                                        <p:tgtEl>
+                                          <p:spTgt spid="8"/>
+                                        </p:tgtEl>
+                                      </p:cBhvr>
+                                    </p:animEffect>
+                                    <p:set>
+                                      <p:cBhvr>
+                                        <p:cTn id="71" dur="1" fill="hold">
+                                          <p:stCondLst>
+                                            <p:cond delay="499"/>
+                                          </p:stCondLst>
+                                        </p:cTn>
+                                        <p:tgtEl>
+                                          <p:spTgt spid="8"/>
+                                        </p:tgtEl>
+                                        <p:attrNameLst>
+                                          <p:attrName>style.visibility</p:attrName>
+                                        </p:attrNameLst>
+                                      </p:cBhvr>
+                                      <p:to>
+                                        <p:strVal val="hidden"/>
+                                      </p:to>
+                                    </p:set>
+                                  </p:childTnLst>
+                                </p:cTn>
+                              </p:par>
+                            </p:childTnLst>
+                          </p:cTn>
+                        </p:par>
+                      </p:childTnLst>
+                    </p:cTn>
+                  </p:par>
+                  <p:par>
+                    <p:cTn id="72" fill="hold">
+                      <p:stCondLst>
+                        <p:cond delay="indefinite"/>
+                      </p:stCondLst>
+                      <p:childTnLst>
+                        <p:par>
+                          <p:cTn id="73" fill="hold">
+                            <p:stCondLst>
+                              <p:cond delay="0"/>
+                            </p:stCondLst>
+                            <p:childTnLst>
+                              <p:par>
+                                <p:cTn id="74" presetID="2" presetClass="entr" presetSubtype="4" fill="hold" grpId="0" nodeType="clickEffect">
+                                  <p:stCondLst>
+                                    <p:cond delay="0"/>
+                                  </p:stCondLst>
+                                  <p:childTnLst>
+                                    <p:set>
+                                      <p:cBhvr>
+                                        <p:cTn id="75" dur="1" fill="hold">
+                                          <p:stCondLst>
+                                            <p:cond delay="0"/>
+                                          </p:stCondLst>
+                                        </p:cTn>
+                                        <p:tgtEl>
+                                          <p:spTgt spid="3">
+                                            <p:txEl>
+                                              <p:pRg st="7" end="7"/>
+                                            </p:txEl>
+                                          </p:spTgt>
+                                        </p:tgtEl>
+                                        <p:attrNameLst>
+                                          <p:attrName>style.visibility</p:attrName>
+                                        </p:attrNameLst>
+                                      </p:cBhvr>
+                                      <p:to>
+                                        <p:strVal val="visible"/>
+                                      </p:to>
+                                    </p:set>
+                                    <p:anim calcmode="lin" valueType="num">
+                                      <p:cBhvr additive="base">
+                                        <p:cTn id="76" dur="500" fill="hold"/>
+                                        <p:tgtEl>
+                                          <p:spTgt spid="3">
+                                            <p:txEl>
+                                              <p:pRg st="7" end="7"/>
+                                            </p:txEl>
+                                          </p:spTgt>
+                                        </p:tgtEl>
+                                        <p:attrNameLst>
+                                          <p:attrName>ppt_x</p:attrName>
+                                        </p:attrNameLst>
+                                      </p:cBhvr>
+                                      <p:tavLst>
+                                        <p:tav tm="0">
+                                          <p:val>
+                                            <p:strVal val="#ppt_x"/>
+                                          </p:val>
+                                        </p:tav>
+                                        <p:tav tm="100000">
+                                          <p:val>
+                                            <p:strVal val="#ppt_x"/>
+                                          </p:val>
+                                        </p:tav>
+                                      </p:tavLst>
+                                    </p:anim>
+                                    <p:anim calcmode="lin" valueType="num">
+                                      <p:cBhvr additive="base">
+                                        <p:cTn id="77" dur="500" fill="hold"/>
+                                        <p:tgtEl>
+                                          <p:spTgt spid="3">
+                                            <p:txEl>
+                                              <p:pRg st="7" end="7"/>
+                                            </p:txEl>
+                                          </p:spTgt>
+                                        </p:tgtEl>
+                                        <p:attrNameLst>
+                                          <p:attrName>ppt_y</p:attrName>
+                                        </p:attrNameLst>
+                                      </p:cBhvr>
+                                      <p:tavLst>
+                                        <p:tav tm="0">
+                                          <p:val>
+                                            <p:strVal val="1+#ppt_h/2"/>
+                                          </p:val>
+                                        </p:tav>
+                                        <p:tav tm="100000">
+                                          <p:val>
+                                            <p:strVal val="#ppt_y"/>
+                                          </p:val>
+                                        </p:tav>
+                                      </p:tavLst>
+                                    </p:anim>
+                                  </p:childTnLst>
+                                </p:cTn>
+                              </p:par>
+                            </p:childTnLst>
+                          </p:cTn>
+                        </p:par>
+                      </p:childTnLst>
+                    </p:cTn>
+                  </p:par>
+                  <p:par>
+                    <p:cTn id="78" fill="hold">
+                      <p:stCondLst>
+                        <p:cond delay="indefinite"/>
+                      </p:stCondLst>
+                      <p:childTnLst>
+                        <p:par>
+                          <p:cTn id="79" fill="hold">
+                            <p:stCondLst>
+                              <p:cond delay="0"/>
+                            </p:stCondLst>
+                            <p:childTnLst>
+                              <p:par>
+                                <p:cTn id="80" presetID="2" presetClass="entr" presetSubtype="4" fill="hold" grpId="0" nodeType="clickEffect">
+                                  <p:stCondLst>
+                                    <p:cond delay="0"/>
+                                  </p:stCondLst>
+                                  <p:childTnLst>
+                                    <p:set>
+                                      <p:cBhvr>
+                                        <p:cTn id="81" dur="1" fill="hold">
+                                          <p:stCondLst>
+                                            <p:cond delay="0"/>
+                                          </p:stCondLst>
+                                        </p:cTn>
+                                        <p:tgtEl>
+                                          <p:spTgt spid="3">
+                                            <p:txEl>
+                                              <p:pRg st="8" end="8"/>
+                                            </p:txEl>
+                                          </p:spTgt>
+                                        </p:tgtEl>
+                                        <p:attrNameLst>
+                                          <p:attrName>style.visibility</p:attrName>
+                                        </p:attrNameLst>
+                                      </p:cBhvr>
+                                      <p:to>
+                                        <p:strVal val="visible"/>
+                                      </p:to>
+                                    </p:set>
+                                    <p:anim calcmode="lin" valueType="num">
+                                      <p:cBhvr additive="base">
+                                        <p:cTn id="82" dur="500" fill="hold"/>
+                                        <p:tgtEl>
+                                          <p:spTgt spid="3">
+                                            <p:txEl>
+                                              <p:pRg st="8" end="8"/>
+                                            </p:txEl>
+                                          </p:spTgt>
+                                        </p:tgtEl>
+                                        <p:attrNameLst>
+                                          <p:attrName>ppt_x</p:attrName>
+                                        </p:attrNameLst>
+                                      </p:cBhvr>
+                                      <p:tavLst>
+                                        <p:tav tm="0">
+                                          <p:val>
+                                            <p:strVal val="#ppt_x"/>
+                                          </p:val>
+                                        </p:tav>
+                                        <p:tav tm="100000">
+                                          <p:val>
+                                            <p:strVal val="#ppt_x"/>
+                                          </p:val>
+                                        </p:tav>
+                                      </p:tavLst>
+                                    </p:anim>
+                                    <p:anim calcmode="lin" valueType="num">
+                                      <p:cBhvr additive="base">
+                                        <p:cTn id="83" dur="500" fill="hold"/>
+                                        <p:tgtEl>
+                                          <p:spTgt spid="3">
+                                            <p:txEl>
+                                              <p:pRg st="8" end="8"/>
+                                            </p:txEl>
+                                          </p:spTgt>
+                                        </p:tgtEl>
+                                        <p:attrNameLst>
+                                          <p:attrName>ppt_y</p:attrName>
+                                        </p:attrNameLst>
+                                      </p:cBhvr>
+                                      <p:tavLst>
+                                        <p:tav tm="0">
+                                          <p:val>
+                                            <p:strVal val="1+#ppt_h/2"/>
+                                          </p:val>
+                                        </p:tav>
+                                        <p:tav tm="100000">
+                                          <p:val>
+                                            <p:strVal val="#ppt_y"/>
+                                          </p:val>
+                                        </p:tav>
+                                      </p:tavLst>
+                                    </p:anim>
+                                  </p:childTnLst>
+                                </p:cTn>
+                              </p:par>
+                              <p:par>
+                                <p:cTn id="84" presetID="2" presetClass="entr" presetSubtype="4" fill="hold" grpId="0" nodeType="withEffect">
+                                  <p:stCondLst>
+                                    <p:cond delay="0"/>
+                                  </p:stCondLst>
+                                  <p:childTnLst>
+                                    <p:set>
+                                      <p:cBhvr>
+                                        <p:cTn id="85" dur="1" fill="hold">
+                                          <p:stCondLst>
+                                            <p:cond delay="0"/>
+                                          </p:stCondLst>
+                                        </p:cTn>
+                                        <p:tgtEl>
+                                          <p:spTgt spid="3">
+                                            <p:txEl>
+                                              <p:pRg st="9" end="9"/>
+                                            </p:txEl>
+                                          </p:spTgt>
+                                        </p:tgtEl>
+                                        <p:attrNameLst>
+                                          <p:attrName>style.visibility</p:attrName>
+                                        </p:attrNameLst>
+                                      </p:cBhvr>
+                                      <p:to>
+                                        <p:strVal val="visible"/>
+                                      </p:to>
+                                    </p:set>
+                                    <p:anim calcmode="lin" valueType="num">
+                                      <p:cBhvr additive="base">
+                                        <p:cTn id="86" dur="500" fill="hold"/>
+                                        <p:tgtEl>
+                                          <p:spTgt spid="3">
+                                            <p:txEl>
+                                              <p:pRg st="9" end="9"/>
+                                            </p:txEl>
+                                          </p:spTgt>
+                                        </p:tgtEl>
+                                        <p:attrNameLst>
+                                          <p:attrName>ppt_x</p:attrName>
+                                        </p:attrNameLst>
+                                      </p:cBhvr>
+                                      <p:tavLst>
+                                        <p:tav tm="0">
+                                          <p:val>
+                                            <p:strVal val="#ppt_x"/>
+                                          </p:val>
+                                        </p:tav>
+                                        <p:tav tm="100000">
+                                          <p:val>
+                                            <p:strVal val="#ppt_x"/>
+                                          </p:val>
+                                        </p:tav>
+                                      </p:tavLst>
+                                    </p:anim>
+                                    <p:anim calcmode="lin" valueType="num">
+                                      <p:cBhvr additive="base">
+                                        <p:cTn id="87" dur="500" fill="hold"/>
+                                        <p:tgtEl>
+                                          <p:spTgt spid="3">
+                                            <p:txEl>
+                                              <p:pRg st="9" end="9"/>
+                                            </p:txEl>
+                                          </p:spTgt>
+                                        </p:tgtEl>
+                                        <p:attrNameLst>
+                                          <p:attrName>ppt_y</p:attrName>
+                                        </p:attrNameLst>
+                                      </p:cBhvr>
+                                      <p:tavLst>
+                                        <p:tav tm="0">
+                                          <p:val>
+                                            <p:strVal val="1+#ppt_h/2"/>
+                                          </p:val>
+                                        </p:tav>
+                                        <p:tav tm="100000">
+                                          <p:val>
+                                            <p:strVal val="#ppt_y"/>
+                                          </p:val>
+                                        </p:tav>
+                                      </p:tavLst>
+                                    </p:anim>
+                                  </p:childTnLst>
+                                </p:cTn>
+                              </p:par>
+                            </p:childTnLst>
+                          </p:cTn>
+                        </p:par>
+                      </p:childTnLst>
+                    </p:cTn>
+                  </p:par>
+                </p:childTnLst>
+              </p:cTn>
+              <p:prevCondLst>
+                <p:cond evt="onPrev" delay="0">
+                  <p:tgtEl>
+                    <p:sldTgt/>
+                  </p:tgtEl>
+                </p:cond>
+              </p:prevCondLst>
+              <p:nextCondLst>
+                <p:cond evt="onNext" delay="0">
+                  <p:tgtEl>
+                    <p:sldTgt/>
+                  </p:tgtEl>
+                </p:cond>
+              </p:nextCondLst>
+            </p:seq>
+          </p:childTnLst>
+        </p:cTn>
       </p:par>
     </p:tnLst>
+    <p:bldLst>
+      <p:bldP spid="3" grpId="0" uiExpand="1" build="p"/>
+    </p:bldLst>
   </p:timing>
 </p:sld>
 </file>
 
-<file path=ppt/slides/slide19.xml><?xml version="1.0" encoding="utf-8"?>
+<file path=ppt/slides/slide18.xml><?xml version="1.0" encoding="utf-8"?>
 <p:sld xmlns:a="http://schemas.openxmlformats.org/drawingml/2006/main" xmlns:r="http://schemas.openxmlformats.org/officeDocument/2006/relationships" xmlns:p="http://schemas.openxmlformats.org/presentationml/2006/main">
   <p:cSld>
     <p:spTree>
@@ -27399,8 +30082,8 @@
           </a:p>
         </p:txBody>
       </p:sp>
-      <mc:AlternateContent xmlns:mc="http://schemas.openxmlformats.org/markup-compatibility/2006">
-        <mc:Choice xmlns:a14="http://schemas.microsoft.com/office/drawing/2010/main" Requires="a14">
+      <mc:AlternateContent xmlns:mc="http://schemas.openxmlformats.org/markup-compatibility/2006" xmlns:a14="http://schemas.microsoft.com/office/drawing/2010/main">
+        <mc:Choice Requires="a14">
           <p:sp>
             <p:nvSpPr>
               <p:cNvPr id="3" name="文本占位符 2"/>
@@ -27503,7 +30186,6 @@
                   <a:rPr kumimoji="1" lang="zh-CN" altLang="en-US" dirty="0" smtClean="0"/>
                   <a:t>的比例</a:t>
                 </a:r>
-                <a:endParaRPr kumimoji="1" lang="zh-CN" altLang="en-US" dirty="0" smtClean="0"/>
               </a:p>
               <a:p>
                 <a:pPr lvl="2"/>
@@ -27529,7 +30211,7 @@
                       <m:fPr>
                         <m:ctrlPr>
                           <a:rPr kumimoji="1" lang="en-US" altLang="zh-CN" i="1" smtClean="0">
-                            <a:latin typeface="Cambria Math" charset="0"/>
+                            <a:latin typeface="Cambria Math" panose="02040503050406030204" pitchFamily="18" charset="0"/>
                           </a:rPr>
                         </m:ctrlPr>
                       </m:fPr>
@@ -27540,7 +30222,7 @@
                             <m:limLoc m:val="subSup"/>
                             <m:ctrlPr>
                               <a:rPr kumimoji="1" lang="en-US" altLang="zh-CN" i="1" smtClean="0">
-                                <a:latin typeface="Cambria Math" charset="0"/>
+                                <a:latin typeface="Cambria Math" panose="02040503050406030204" pitchFamily="18" charset="0"/>
                               </a:rPr>
                             </m:ctrlPr>
                           </m:naryPr>
@@ -27612,7 +30294,7 @@
                             <m:limLoc m:val="subSup"/>
                             <m:ctrlPr>
                               <a:rPr kumimoji="1" lang="en-US" altLang="zh-CN" i="1" smtClean="0">
-                                <a:latin typeface="Cambria Math" charset="0"/>
+                                <a:latin typeface="Cambria Math" panose="02040503050406030204" pitchFamily="18" charset="0"/>
                               </a:rPr>
                             </m:ctrlPr>
                           </m:naryPr>
@@ -27630,13 +30312,7 @@
                               <a:rPr kumimoji="1" lang="en-US" altLang="zh-CN" b="0" i="1" smtClean="0">
                                 <a:latin typeface="Cambria Math" charset="0"/>
                               </a:rPr>
-                              <m:t>=</m:t>
-                            </m:r>
-                            <m:r>
-                              <a:rPr kumimoji="1" lang="en-US" altLang="zh-CN" b="0" i="1" smtClean="0">
-                                <a:latin typeface="Cambria Math" charset="0"/>
-                              </a:rPr>
-                              <m:t>0</m:t>
+                              <m:t>=0</m:t>
                             </m:r>
                           </m:sub>
                           <m:sup>
@@ -27706,7 +30382,7 @@
                       <m:naryPr>
                         <m:ctrlPr>
                           <a:rPr kumimoji="1" lang="zh-CN" altLang="en-US" i="1">
-                            <a:latin typeface="Cambria Math" charset="0"/>
+                            <a:latin typeface="Cambria Math" panose="02040503050406030204" pitchFamily="18" charset="0"/>
                           </a:rPr>
                         </m:ctrlPr>
                       </m:naryPr>
@@ -27770,7 +30446,7 @@
                           <m:dPr>
                             <m:ctrlPr>
                               <a:rPr kumimoji="1" lang="en-US" altLang="zh-CN" i="1">
-                                <a:latin typeface="Cambria Math" charset="0"/>
+                                <a:latin typeface="Cambria Math" panose="02040503050406030204" pitchFamily="18" charset="0"/>
                               </a:rPr>
                             </m:ctrlPr>
                           </m:dPr>
@@ -27826,7 +30502,7 @@
                         <m:chr m:val="∑"/>
                         <m:ctrlPr>
                           <a:rPr kumimoji="1" lang="zh-CN" altLang="en-US" i="1" smtClean="0">
-                            <a:latin typeface="Cambria Math" charset="0"/>
+                            <a:latin typeface="Cambria Math" panose="02040503050406030204" pitchFamily="18" charset="0"/>
                           </a:rPr>
                         </m:ctrlPr>
                       </m:naryPr>
@@ -27878,7 +30554,7 @@
                           <m:fPr>
                             <m:ctrlPr>
                               <a:rPr kumimoji="1" lang="en-US" altLang="zh-CN" i="1">
-                                <a:latin typeface="Cambria Math" charset="0"/>
+                                <a:latin typeface="Cambria Math" panose="02040503050406030204" pitchFamily="18" charset="0"/>
                               </a:rPr>
                             </m:ctrlPr>
                           </m:fPr>
@@ -27889,7 +30565,7 @@
                                 <m:limLoc m:val="subSup"/>
                                 <m:ctrlPr>
                                   <a:rPr kumimoji="1" lang="en-US" altLang="zh-CN" i="1">
-                                    <a:latin typeface="Cambria Math" charset="0"/>
+                                    <a:latin typeface="Cambria Math" panose="02040503050406030204" pitchFamily="18" charset="0"/>
                                   </a:rPr>
                                 </m:ctrlPr>
                               </m:naryPr>
@@ -27961,7 +30637,7 @@
                                 <m:limLoc m:val="subSup"/>
                                 <m:ctrlPr>
                                   <a:rPr kumimoji="1" lang="en-US" altLang="zh-CN" i="1">
-                                    <a:latin typeface="Cambria Math" charset="0"/>
+                                    <a:latin typeface="Cambria Math" panose="02040503050406030204" pitchFamily="18" charset="0"/>
                                   </a:rPr>
                                 </m:ctrlPr>
                               </m:naryPr>
@@ -28036,7 +30712,7 @@
             </p:txBody>
           </p:sp>
         </mc:Choice>
-        <mc:Fallback>
+        <mc:Fallback xmlns="">
           <p:sp>
             <p:nvSpPr>
               <p:cNvPr id="3" name="文本占位符 2"/>
@@ -28109,7 +30785,7 @@
                 <a:cs typeface="Times New Roman"/>
                 <a:sym typeface="Times New Roman"/>
               </a:rPr>
-              <a:t>19</a:t>
+              <a:t>18</a:t>
             </a:fld>
             <a:endParaRPr lang="en-US" sz="1200" b="0">
               <a:solidFill>
@@ -28136,190 +30812,841 @@
   <p:timing>
     <p:tnLst>
       <p:par>
-        <p:cTn id="1" dur="indefinite" restart="never" nodeType="tmRoot"/>
+        <p:cTn id="1" dur="indefinite" restart="never" nodeType="tmRoot">
+          <p:childTnLst>
+            <p:seq concurrent="1" nextAc="seek">
+              <p:cTn id="2" dur="indefinite" nodeType="mainSeq">
+                <p:childTnLst>
+                  <p:par>
+                    <p:cTn id="3" fill="hold">
+                      <p:stCondLst>
+                        <p:cond delay="indefinite"/>
+                      </p:stCondLst>
+                      <p:childTnLst>
+                        <p:par>
+                          <p:cTn id="4" fill="hold">
+                            <p:stCondLst>
+                              <p:cond delay="0"/>
+                            </p:stCondLst>
+                            <p:childTnLst>
+                              <p:par>
+                                <p:cTn id="5" presetID="2" presetClass="entr" presetSubtype="4" fill="hold" grpId="0" nodeType="clickEffect">
+                                  <p:stCondLst>
+                                    <p:cond delay="0"/>
+                                  </p:stCondLst>
+                                  <p:childTnLst>
+                                    <p:set>
+                                      <p:cBhvr>
+                                        <p:cTn id="6" dur="1" fill="hold">
+                                          <p:stCondLst>
+                                            <p:cond delay="0"/>
+                                          </p:stCondLst>
+                                        </p:cTn>
+                                        <p:tgtEl>
+                                          <p:spTgt spid="3">
+                                            <p:txEl>
+                                              <p:pRg st="0" end="0"/>
+                                            </p:txEl>
+                                          </p:spTgt>
+                                        </p:tgtEl>
+                                        <p:attrNameLst>
+                                          <p:attrName>style.visibility</p:attrName>
+                                        </p:attrNameLst>
+                                      </p:cBhvr>
+                                      <p:to>
+                                        <p:strVal val="visible"/>
+                                      </p:to>
+                                    </p:set>
+                                    <p:anim calcmode="lin" valueType="num">
+                                      <p:cBhvr additive="base">
+                                        <p:cTn id="7" dur="500" fill="hold"/>
+                                        <p:tgtEl>
+                                          <p:spTgt spid="3">
+                                            <p:txEl>
+                                              <p:pRg st="0" end="0"/>
+                                            </p:txEl>
+                                          </p:spTgt>
+                                        </p:tgtEl>
+                                        <p:attrNameLst>
+                                          <p:attrName>ppt_x</p:attrName>
+                                        </p:attrNameLst>
+                                      </p:cBhvr>
+                                      <p:tavLst>
+                                        <p:tav tm="0">
+                                          <p:val>
+                                            <p:strVal val="#ppt_x"/>
+                                          </p:val>
+                                        </p:tav>
+                                        <p:tav tm="100000">
+                                          <p:val>
+                                            <p:strVal val="#ppt_x"/>
+                                          </p:val>
+                                        </p:tav>
+                                      </p:tavLst>
+                                    </p:anim>
+                                    <p:anim calcmode="lin" valueType="num">
+                                      <p:cBhvr additive="base">
+                                        <p:cTn id="8" dur="500" fill="hold"/>
+                                        <p:tgtEl>
+                                          <p:spTgt spid="3">
+                                            <p:txEl>
+                                              <p:pRg st="0" end="0"/>
+                                            </p:txEl>
+                                          </p:spTgt>
+                                        </p:tgtEl>
+                                        <p:attrNameLst>
+                                          <p:attrName>ppt_y</p:attrName>
+                                        </p:attrNameLst>
+                                      </p:cBhvr>
+                                      <p:tavLst>
+                                        <p:tav tm="0">
+                                          <p:val>
+                                            <p:strVal val="1+#ppt_h/2"/>
+                                          </p:val>
+                                        </p:tav>
+                                        <p:tav tm="100000">
+                                          <p:val>
+                                            <p:strVal val="#ppt_y"/>
+                                          </p:val>
+                                        </p:tav>
+                                      </p:tavLst>
+                                    </p:anim>
+                                  </p:childTnLst>
+                                </p:cTn>
+                              </p:par>
+                              <p:par>
+                                <p:cTn id="9" presetID="2" presetClass="entr" presetSubtype="4" fill="hold" grpId="0" nodeType="withEffect">
+                                  <p:stCondLst>
+                                    <p:cond delay="0"/>
+                                  </p:stCondLst>
+                                  <p:childTnLst>
+                                    <p:set>
+                                      <p:cBhvr>
+                                        <p:cTn id="10" dur="1" fill="hold">
+                                          <p:stCondLst>
+                                            <p:cond delay="0"/>
+                                          </p:stCondLst>
+                                        </p:cTn>
+                                        <p:tgtEl>
+                                          <p:spTgt spid="3">
+                                            <p:txEl>
+                                              <p:pRg st="1" end="1"/>
+                                            </p:txEl>
+                                          </p:spTgt>
+                                        </p:tgtEl>
+                                        <p:attrNameLst>
+                                          <p:attrName>style.visibility</p:attrName>
+                                        </p:attrNameLst>
+                                      </p:cBhvr>
+                                      <p:to>
+                                        <p:strVal val="visible"/>
+                                      </p:to>
+                                    </p:set>
+                                    <p:anim calcmode="lin" valueType="num">
+                                      <p:cBhvr additive="base">
+                                        <p:cTn id="11" dur="500" fill="hold"/>
+                                        <p:tgtEl>
+                                          <p:spTgt spid="3">
+                                            <p:txEl>
+                                              <p:pRg st="1" end="1"/>
+                                            </p:txEl>
+                                          </p:spTgt>
+                                        </p:tgtEl>
+                                        <p:attrNameLst>
+                                          <p:attrName>ppt_x</p:attrName>
+                                        </p:attrNameLst>
+                                      </p:cBhvr>
+                                      <p:tavLst>
+                                        <p:tav tm="0">
+                                          <p:val>
+                                            <p:strVal val="#ppt_x"/>
+                                          </p:val>
+                                        </p:tav>
+                                        <p:tav tm="100000">
+                                          <p:val>
+                                            <p:strVal val="#ppt_x"/>
+                                          </p:val>
+                                        </p:tav>
+                                      </p:tavLst>
+                                    </p:anim>
+                                    <p:anim calcmode="lin" valueType="num">
+                                      <p:cBhvr additive="base">
+                                        <p:cTn id="12" dur="500" fill="hold"/>
+                                        <p:tgtEl>
+                                          <p:spTgt spid="3">
+                                            <p:txEl>
+                                              <p:pRg st="1" end="1"/>
+                                            </p:txEl>
+                                          </p:spTgt>
+                                        </p:tgtEl>
+                                        <p:attrNameLst>
+                                          <p:attrName>ppt_y</p:attrName>
+                                        </p:attrNameLst>
+                                      </p:cBhvr>
+                                      <p:tavLst>
+                                        <p:tav tm="0">
+                                          <p:val>
+                                            <p:strVal val="1+#ppt_h/2"/>
+                                          </p:val>
+                                        </p:tav>
+                                        <p:tav tm="100000">
+                                          <p:val>
+                                            <p:strVal val="#ppt_y"/>
+                                          </p:val>
+                                        </p:tav>
+                                      </p:tavLst>
+                                    </p:anim>
+                                  </p:childTnLst>
+                                </p:cTn>
+                              </p:par>
+                              <p:par>
+                                <p:cTn id="13" presetID="2" presetClass="entr" presetSubtype="4" fill="hold" grpId="0" nodeType="withEffect">
+                                  <p:stCondLst>
+                                    <p:cond delay="0"/>
+                                  </p:stCondLst>
+                                  <p:childTnLst>
+                                    <p:set>
+                                      <p:cBhvr>
+                                        <p:cTn id="14" dur="1" fill="hold">
+                                          <p:stCondLst>
+                                            <p:cond delay="0"/>
+                                          </p:stCondLst>
+                                        </p:cTn>
+                                        <p:tgtEl>
+                                          <p:spTgt spid="3">
+                                            <p:txEl>
+                                              <p:pRg st="2" end="2"/>
+                                            </p:txEl>
+                                          </p:spTgt>
+                                        </p:tgtEl>
+                                        <p:attrNameLst>
+                                          <p:attrName>style.visibility</p:attrName>
+                                        </p:attrNameLst>
+                                      </p:cBhvr>
+                                      <p:to>
+                                        <p:strVal val="visible"/>
+                                      </p:to>
+                                    </p:set>
+                                    <p:anim calcmode="lin" valueType="num">
+                                      <p:cBhvr additive="base">
+                                        <p:cTn id="15" dur="500" fill="hold"/>
+                                        <p:tgtEl>
+                                          <p:spTgt spid="3">
+                                            <p:txEl>
+                                              <p:pRg st="2" end="2"/>
+                                            </p:txEl>
+                                          </p:spTgt>
+                                        </p:tgtEl>
+                                        <p:attrNameLst>
+                                          <p:attrName>ppt_x</p:attrName>
+                                        </p:attrNameLst>
+                                      </p:cBhvr>
+                                      <p:tavLst>
+                                        <p:tav tm="0">
+                                          <p:val>
+                                            <p:strVal val="#ppt_x"/>
+                                          </p:val>
+                                        </p:tav>
+                                        <p:tav tm="100000">
+                                          <p:val>
+                                            <p:strVal val="#ppt_x"/>
+                                          </p:val>
+                                        </p:tav>
+                                      </p:tavLst>
+                                    </p:anim>
+                                    <p:anim calcmode="lin" valueType="num">
+                                      <p:cBhvr additive="base">
+                                        <p:cTn id="16" dur="500" fill="hold"/>
+                                        <p:tgtEl>
+                                          <p:spTgt spid="3">
+                                            <p:txEl>
+                                              <p:pRg st="2" end="2"/>
+                                            </p:txEl>
+                                          </p:spTgt>
+                                        </p:tgtEl>
+                                        <p:attrNameLst>
+                                          <p:attrName>ppt_y</p:attrName>
+                                        </p:attrNameLst>
+                                      </p:cBhvr>
+                                      <p:tavLst>
+                                        <p:tav tm="0">
+                                          <p:val>
+                                            <p:strVal val="1+#ppt_h/2"/>
+                                          </p:val>
+                                        </p:tav>
+                                        <p:tav tm="100000">
+                                          <p:val>
+                                            <p:strVal val="#ppt_y"/>
+                                          </p:val>
+                                        </p:tav>
+                                      </p:tavLst>
+                                    </p:anim>
+                                  </p:childTnLst>
+                                </p:cTn>
+                              </p:par>
+                              <p:par>
+                                <p:cTn id="17" presetID="2" presetClass="entr" presetSubtype="4" fill="hold" grpId="0" nodeType="withEffect">
+                                  <p:stCondLst>
+                                    <p:cond delay="0"/>
+                                  </p:stCondLst>
+                                  <p:childTnLst>
+                                    <p:set>
+                                      <p:cBhvr>
+                                        <p:cTn id="18" dur="1" fill="hold">
+                                          <p:stCondLst>
+                                            <p:cond delay="0"/>
+                                          </p:stCondLst>
+                                        </p:cTn>
+                                        <p:tgtEl>
+                                          <p:spTgt spid="3">
+                                            <p:txEl>
+                                              <p:pRg st="3" end="3"/>
+                                            </p:txEl>
+                                          </p:spTgt>
+                                        </p:tgtEl>
+                                        <p:attrNameLst>
+                                          <p:attrName>style.visibility</p:attrName>
+                                        </p:attrNameLst>
+                                      </p:cBhvr>
+                                      <p:to>
+                                        <p:strVal val="visible"/>
+                                      </p:to>
+                                    </p:set>
+                                    <p:anim calcmode="lin" valueType="num">
+                                      <p:cBhvr additive="base">
+                                        <p:cTn id="19" dur="500" fill="hold"/>
+                                        <p:tgtEl>
+                                          <p:spTgt spid="3">
+                                            <p:txEl>
+                                              <p:pRg st="3" end="3"/>
+                                            </p:txEl>
+                                          </p:spTgt>
+                                        </p:tgtEl>
+                                        <p:attrNameLst>
+                                          <p:attrName>ppt_x</p:attrName>
+                                        </p:attrNameLst>
+                                      </p:cBhvr>
+                                      <p:tavLst>
+                                        <p:tav tm="0">
+                                          <p:val>
+                                            <p:strVal val="#ppt_x"/>
+                                          </p:val>
+                                        </p:tav>
+                                        <p:tav tm="100000">
+                                          <p:val>
+                                            <p:strVal val="#ppt_x"/>
+                                          </p:val>
+                                        </p:tav>
+                                      </p:tavLst>
+                                    </p:anim>
+                                    <p:anim calcmode="lin" valueType="num">
+                                      <p:cBhvr additive="base">
+                                        <p:cTn id="20" dur="500" fill="hold"/>
+                                        <p:tgtEl>
+                                          <p:spTgt spid="3">
+                                            <p:txEl>
+                                              <p:pRg st="3" end="3"/>
+                                            </p:txEl>
+                                          </p:spTgt>
+                                        </p:tgtEl>
+                                        <p:attrNameLst>
+                                          <p:attrName>ppt_y</p:attrName>
+                                        </p:attrNameLst>
+                                      </p:cBhvr>
+                                      <p:tavLst>
+                                        <p:tav tm="0">
+                                          <p:val>
+                                            <p:strVal val="1+#ppt_h/2"/>
+                                          </p:val>
+                                        </p:tav>
+                                        <p:tav tm="100000">
+                                          <p:val>
+                                            <p:strVal val="#ppt_y"/>
+                                          </p:val>
+                                        </p:tav>
+                                      </p:tavLst>
+                                    </p:anim>
+                                  </p:childTnLst>
+                                </p:cTn>
+                              </p:par>
+                            </p:childTnLst>
+                          </p:cTn>
+                        </p:par>
+                      </p:childTnLst>
+                    </p:cTn>
+                  </p:par>
+                  <p:par>
+                    <p:cTn id="21" fill="hold">
+                      <p:stCondLst>
+                        <p:cond delay="indefinite"/>
+                      </p:stCondLst>
+                      <p:childTnLst>
+                        <p:par>
+                          <p:cTn id="22" fill="hold">
+                            <p:stCondLst>
+                              <p:cond delay="0"/>
+                            </p:stCondLst>
+                            <p:childTnLst>
+                              <p:par>
+                                <p:cTn id="23" presetID="2" presetClass="entr" presetSubtype="4" fill="hold" grpId="0" nodeType="clickEffect">
+                                  <p:stCondLst>
+                                    <p:cond delay="0"/>
+                                  </p:stCondLst>
+                                  <p:childTnLst>
+                                    <p:set>
+                                      <p:cBhvr>
+                                        <p:cTn id="24" dur="1" fill="hold">
+                                          <p:stCondLst>
+                                            <p:cond delay="0"/>
+                                          </p:stCondLst>
+                                        </p:cTn>
+                                        <p:tgtEl>
+                                          <p:spTgt spid="3">
+                                            <p:txEl>
+                                              <p:pRg st="4" end="4"/>
+                                            </p:txEl>
+                                          </p:spTgt>
+                                        </p:tgtEl>
+                                        <p:attrNameLst>
+                                          <p:attrName>style.visibility</p:attrName>
+                                        </p:attrNameLst>
+                                      </p:cBhvr>
+                                      <p:to>
+                                        <p:strVal val="visible"/>
+                                      </p:to>
+                                    </p:set>
+                                    <p:anim calcmode="lin" valueType="num">
+                                      <p:cBhvr additive="base">
+                                        <p:cTn id="25" dur="500" fill="hold"/>
+                                        <p:tgtEl>
+                                          <p:spTgt spid="3">
+                                            <p:txEl>
+                                              <p:pRg st="4" end="4"/>
+                                            </p:txEl>
+                                          </p:spTgt>
+                                        </p:tgtEl>
+                                        <p:attrNameLst>
+                                          <p:attrName>ppt_x</p:attrName>
+                                        </p:attrNameLst>
+                                      </p:cBhvr>
+                                      <p:tavLst>
+                                        <p:tav tm="0">
+                                          <p:val>
+                                            <p:strVal val="#ppt_x"/>
+                                          </p:val>
+                                        </p:tav>
+                                        <p:tav tm="100000">
+                                          <p:val>
+                                            <p:strVal val="#ppt_x"/>
+                                          </p:val>
+                                        </p:tav>
+                                      </p:tavLst>
+                                    </p:anim>
+                                    <p:anim calcmode="lin" valueType="num">
+                                      <p:cBhvr additive="base">
+                                        <p:cTn id="26" dur="500" fill="hold"/>
+                                        <p:tgtEl>
+                                          <p:spTgt spid="3">
+                                            <p:txEl>
+                                              <p:pRg st="4" end="4"/>
+                                            </p:txEl>
+                                          </p:spTgt>
+                                        </p:tgtEl>
+                                        <p:attrNameLst>
+                                          <p:attrName>ppt_y</p:attrName>
+                                        </p:attrNameLst>
+                                      </p:cBhvr>
+                                      <p:tavLst>
+                                        <p:tav tm="0">
+                                          <p:val>
+                                            <p:strVal val="1+#ppt_h/2"/>
+                                          </p:val>
+                                        </p:tav>
+                                        <p:tav tm="100000">
+                                          <p:val>
+                                            <p:strVal val="#ppt_y"/>
+                                          </p:val>
+                                        </p:tav>
+                                      </p:tavLst>
+                                    </p:anim>
+                                  </p:childTnLst>
+                                </p:cTn>
+                              </p:par>
+                              <p:par>
+                                <p:cTn id="27" presetID="2" presetClass="entr" presetSubtype="4" fill="hold" grpId="0" nodeType="withEffect">
+                                  <p:stCondLst>
+                                    <p:cond delay="0"/>
+                                  </p:stCondLst>
+                                  <p:childTnLst>
+                                    <p:set>
+                                      <p:cBhvr>
+                                        <p:cTn id="28" dur="1" fill="hold">
+                                          <p:stCondLst>
+                                            <p:cond delay="0"/>
+                                          </p:stCondLst>
+                                        </p:cTn>
+                                        <p:tgtEl>
+                                          <p:spTgt spid="3">
+                                            <p:txEl>
+                                              <p:pRg st="5" end="5"/>
+                                            </p:txEl>
+                                          </p:spTgt>
+                                        </p:tgtEl>
+                                        <p:attrNameLst>
+                                          <p:attrName>style.visibility</p:attrName>
+                                        </p:attrNameLst>
+                                      </p:cBhvr>
+                                      <p:to>
+                                        <p:strVal val="visible"/>
+                                      </p:to>
+                                    </p:set>
+                                    <p:anim calcmode="lin" valueType="num">
+                                      <p:cBhvr additive="base">
+                                        <p:cTn id="29" dur="500" fill="hold"/>
+                                        <p:tgtEl>
+                                          <p:spTgt spid="3">
+                                            <p:txEl>
+                                              <p:pRg st="5" end="5"/>
+                                            </p:txEl>
+                                          </p:spTgt>
+                                        </p:tgtEl>
+                                        <p:attrNameLst>
+                                          <p:attrName>ppt_x</p:attrName>
+                                        </p:attrNameLst>
+                                      </p:cBhvr>
+                                      <p:tavLst>
+                                        <p:tav tm="0">
+                                          <p:val>
+                                            <p:strVal val="#ppt_x"/>
+                                          </p:val>
+                                        </p:tav>
+                                        <p:tav tm="100000">
+                                          <p:val>
+                                            <p:strVal val="#ppt_x"/>
+                                          </p:val>
+                                        </p:tav>
+                                      </p:tavLst>
+                                    </p:anim>
+                                    <p:anim calcmode="lin" valueType="num">
+                                      <p:cBhvr additive="base">
+                                        <p:cTn id="30" dur="500" fill="hold"/>
+                                        <p:tgtEl>
+                                          <p:spTgt spid="3">
+                                            <p:txEl>
+                                              <p:pRg st="5" end="5"/>
+                                            </p:txEl>
+                                          </p:spTgt>
+                                        </p:tgtEl>
+                                        <p:attrNameLst>
+                                          <p:attrName>ppt_y</p:attrName>
+                                        </p:attrNameLst>
+                                      </p:cBhvr>
+                                      <p:tavLst>
+                                        <p:tav tm="0">
+                                          <p:val>
+                                            <p:strVal val="1+#ppt_h/2"/>
+                                          </p:val>
+                                        </p:tav>
+                                        <p:tav tm="100000">
+                                          <p:val>
+                                            <p:strVal val="#ppt_y"/>
+                                          </p:val>
+                                        </p:tav>
+                                      </p:tavLst>
+                                    </p:anim>
+                                  </p:childTnLst>
+                                </p:cTn>
+                              </p:par>
+                              <p:par>
+                                <p:cTn id="31" presetID="2" presetClass="entr" presetSubtype="4" fill="hold" grpId="0" nodeType="withEffect">
+                                  <p:stCondLst>
+                                    <p:cond delay="0"/>
+                                  </p:stCondLst>
+                                  <p:childTnLst>
+                                    <p:set>
+                                      <p:cBhvr>
+                                        <p:cTn id="32" dur="1" fill="hold">
+                                          <p:stCondLst>
+                                            <p:cond delay="0"/>
+                                          </p:stCondLst>
+                                        </p:cTn>
+                                        <p:tgtEl>
+                                          <p:spTgt spid="3">
+                                            <p:txEl>
+                                              <p:pRg st="6" end="6"/>
+                                            </p:txEl>
+                                          </p:spTgt>
+                                        </p:tgtEl>
+                                        <p:attrNameLst>
+                                          <p:attrName>style.visibility</p:attrName>
+                                        </p:attrNameLst>
+                                      </p:cBhvr>
+                                      <p:to>
+                                        <p:strVal val="visible"/>
+                                      </p:to>
+                                    </p:set>
+                                    <p:anim calcmode="lin" valueType="num">
+                                      <p:cBhvr additive="base">
+                                        <p:cTn id="33" dur="500" fill="hold"/>
+                                        <p:tgtEl>
+                                          <p:spTgt spid="3">
+                                            <p:txEl>
+                                              <p:pRg st="6" end="6"/>
+                                            </p:txEl>
+                                          </p:spTgt>
+                                        </p:tgtEl>
+                                        <p:attrNameLst>
+                                          <p:attrName>ppt_x</p:attrName>
+                                        </p:attrNameLst>
+                                      </p:cBhvr>
+                                      <p:tavLst>
+                                        <p:tav tm="0">
+                                          <p:val>
+                                            <p:strVal val="#ppt_x"/>
+                                          </p:val>
+                                        </p:tav>
+                                        <p:tav tm="100000">
+                                          <p:val>
+                                            <p:strVal val="#ppt_x"/>
+                                          </p:val>
+                                        </p:tav>
+                                      </p:tavLst>
+                                    </p:anim>
+                                    <p:anim calcmode="lin" valueType="num">
+                                      <p:cBhvr additive="base">
+                                        <p:cTn id="34" dur="500" fill="hold"/>
+                                        <p:tgtEl>
+                                          <p:spTgt spid="3">
+                                            <p:txEl>
+                                              <p:pRg st="6" end="6"/>
+                                            </p:txEl>
+                                          </p:spTgt>
+                                        </p:tgtEl>
+                                        <p:attrNameLst>
+                                          <p:attrName>ppt_y</p:attrName>
+                                        </p:attrNameLst>
+                                      </p:cBhvr>
+                                      <p:tavLst>
+                                        <p:tav tm="0">
+                                          <p:val>
+                                            <p:strVal val="1+#ppt_h/2"/>
+                                          </p:val>
+                                        </p:tav>
+                                        <p:tav tm="100000">
+                                          <p:val>
+                                            <p:strVal val="#ppt_y"/>
+                                          </p:val>
+                                        </p:tav>
+                                      </p:tavLst>
+                                    </p:anim>
+                                  </p:childTnLst>
+                                </p:cTn>
+                              </p:par>
+                              <p:par>
+                                <p:cTn id="35" presetID="2" presetClass="entr" presetSubtype="4" fill="hold" grpId="0" nodeType="withEffect">
+                                  <p:stCondLst>
+                                    <p:cond delay="0"/>
+                                  </p:stCondLst>
+                                  <p:childTnLst>
+                                    <p:set>
+                                      <p:cBhvr>
+                                        <p:cTn id="36" dur="1" fill="hold">
+                                          <p:stCondLst>
+                                            <p:cond delay="0"/>
+                                          </p:stCondLst>
+                                        </p:cTn>
+                                        <p:tgtEl>
+                                          <p:spTgt spid="3">
+                                            <p:txEl>
+                                              <p:pRg st="7" end="7"/>
+                                            </p:txEl>
+                                          </p:spTgt>
+                                        </p:tgtEl>
+                                        <p:attrNameLst>
+                                          <p:attrName>style.visibility</p:attrName>
+                                        </p:attrNameLst>
+                                      </p:cBhvr>
+                                      <p:to>
+                                        <p:strVal val="visible"/>
+                                      </p:to>
+                                    </p:set>
+                                    <p:anim calcmode="lin" valueType="num">
+                                      <p:cBhvr additive="base">
+                                        <p:cTn id="37" dur="500" fill="hold"/>
+                                        <p:tgtEl>
+                                          <p:spTgt spid="3">
+                                            <p:txEl>
+                                              <p:pRg st="7" end="7"/>
+                                            </p:txEl>
+                                          </p:spTgt>
+                                        </p:tgtEl>
+                                        <p:attrNameLst>
+                                          <p:attrName>ppt_x</p:attrName>
+                                        </p:attrNameLst>
+                                      </p:cBhvr>
+                                      <p:tavLst>
+                                        <p:tav tm="0">
+                                          <p:val>
+                                            <p:strVal val="#ppt_x"/>
+                                          </p:val>
+                                        </p:tav>
+                                        <p:tav tm="100000">
+                                          <p:val>
+                                            <p:strVal val="#ppt_x"/>
+                                          </p:val>
+                                        </p:tav>
+                                      </p:tavLst>
+                                    </p:anim>
+                                    <p:anim calcmode="lin" valueType="num">
+                                      <p:cBhvr additive="base">
+                                        <p:cTn id="38" dur="500" fill="hold"/>
+                                        <p:tgtEl>
+                                          <p:spTgt spid="3">
+                                            <p:txEl>
+                                              <p:pRg st="7" end="7"/>
+                                            </p:txEl>
+                                          </p:spTgt>
+                                        </p:tgtEl>
+                                        <p:attrNameLst>
+                                          <p:attrName>ppt_y</p:attrName>
+                                        </p:attrNameLst>
+                                      </p:cBhvr>
+                                      <p:tavLst>
+                                        <p:tav tm="0">
+                                          <p:val>
+                                            <p:strVal val="1+#ppt_h/2"/>
+                                          </p:val>
+                                        </p:tav>
+                                        <p:tav tm="100000">
+                                          <p:val>
+                                            <p:strVal val="#ppt_y"/>
+                                          </p:val>
+                                        </p:tav>
+                                      </p:tavLst>
+                                    </p:anim>
+                                  </p:childTnLst>
+                                </p:cTn>
+                              </p:par>
+                              <p:par>
+                                <p:cTn id="39" presetID="2" presetClass="entr" presetSubtype="4" fill="hold" grpId="0" nodeType="withEffect">
+                                  <p:stCondLst>
+                                    <p:cond delay="0"/>
+                                  </p:stCondLst>
+                                  <p:childTnLst>
+                                    <p:set>
+                                      <p:cBhvr>
+                                        <p:cTn id="40" dur="1" fill="hold">
+                                          <p:stCondLst>
+                                            <p:cond delay="0"/>
+                                          </p:stCondLst>
+                                        </p:cTn>
+                                        <p:tgtEl>
+                                          <p:spTgt spid="3">
+                                            <p:txEl>
+                                              <p:pRg st="8" end="8"/>
+                                            </p:txEl>
+                                          </p:spTgt>
+                                        </p:tgtEl>
+                                        <p:attrNameLst>
+                                          <p:attrName>style.visibility</p:attrName>
+                                        </p:attrNameLst>
+                                      </p:cBhvr>
+                                      <p:to>
+                                        <p:strVal val="visible"/>
+                                      </p:to>
+                                    </p:set>
+                                    <p:anim calcmode="lin" valueType="num">
+                                      <p:cBhvr additive="base">
+                                        <p:cTn id="41" dur="500" fill="hold"/>
+                                        <p:tgtEl>
+                                          <p:spTgt spid="3">
+                                            <p:txEl>
+                                              <p:pRg st="8" end="8"/>
+                                            </p:txEl>
+                                          </p:spTgt>
+                                        </p:tgtEl>
+                                        <p:attrNameLst>
+                                          <p:attrName>ppt_x</p:attrName>
+                                        </p:attrNameLst>
+                                      </p:cBhvr>
+                                      <p:tavLst>
+                                        <p:tav tm="0">
+                                          <p:val>
+                                            <p:strVal val="#ppt_x"/>
+                                          </p:val>
+                                        </p:tav>
+                                        <p:tav tm="100000">
+                                          <p:val>
+                                            <p:strVal val="#ppt_x"/>
+                                          </p:val>
+                                        </p:tav>
+                                      </p:tavLst>
+                                    </p:anim>
+                                    <p:anim calcmode="lin" valueType="num">
+                                      <p:cBhvr additive="base">
+                                        <p:cTn id="42" dur="500" fill="hold"/>
+                                        <p:tgtEl>
+                                          <p:spTgt spid="3">
+                                            <p:txEl>
+                                              <p:pRg st="8" end="8"/>
+                                            </p:txEl>
+                                          </p:spTgt>
+                                        </p:tgtEl>
+                                        <p:attrNameLst>
+                                          <p:attrName>ppt_y</p:attrName>
+                                        </p:attrNameLst>
+                                      </p:cBhvr>
+                                      <p:tavLst>
+                                        <p:tav tm="0">
+                                          <p:val>
+                                            <p:strVal val="1+#ppt_h/2"/>
+                                          </p:val>
+                                        </p:tav>
+                                        <p:tav tm="100000">
+                                          <p:val>
+                                            <p:strVal val="#ppt_y"/>
+                                          </p:val>
+                                        </p:tav>
+                                      </p:tavLst>
+                                    </p:anim>
+                                  </p:childTnLst>
+                                </p:cTn>
+                              </p:par>
+                            </p:childTnLst>
+                          </p:cTn>
+                        </p:par>
+                      </p:childTnLst>
+                    </p:cTn>
+                  </p:par>
+                </p:childTnLst>
+              </p:cTn>
+              <p:prevCondLst>
+                <p:cond evt="onPrev" delay="0">
+                  <p:tgtEl>
+                    <p:sldTgt/>
+                  </p:tgtEl>
+                </p:cond>
+              </p:prevCondLst>
+              <p:nextCondLst>
+                <p:cond evt="onNext" delay="0">
+                  <p:tgtEl>
+                    <p:sldTgt/>
+                  </p:tgtEl>
+                </p:cond>
+              </p:nextCondLst>
+            </p:seq>
+          </p:childTnLst>
+        </p:cTn>
       </p:par>
     </p:tnLst>
+    <p:bldLst>
+      <p:bldP spid="3" grpId="0" uiExpand="1" build="p"/>
+    </p:bldLst>
   </p:timing>
 </p:sld>
 </file>
 
-<file path=ppt/slides/slide2.xml><?xml version="1.0" encoding="utf-8"?>
-<p:sld xmlns:a="http://schemas.openxmlformats.org/drawingml/2006/main" xmlns:r="http://schemas.openxmlformats.org/officeDocument/2006/relationships" xmlns:p="http://schemas.openxmlformats.org/presentationml/2006/main">
-  <p:cSld>
-    <p:spTree>
-      <p:nvGrpSpPr>
-        <p:cNvPr id="1" name=""/>
-        <p:cNvGrpSpPr/>
-        <p:nvPr/>
-      </p:nvGrpSpPr>
-      <p:grpSpPr>
-        <a:xfrm>
-          <a:off x="0" y="0"/>
-          <a:ext cx="0" cy="0"/>
-          <a:chOff x="0" y="0"/>
-          <a:chExt cx="0" cy="0"/>
-        </a:xfrm>
-      </p:grpSpPr>
-      <p:sp>
-        <p:nvSpPr>
-          <p:cNvPr id="2" name="标题 1"/>
-          <p:cNvSpPr>
-            <a:spLocks noGrp="1"/>
-          </p:cNvSpPr>
-          <p:nvPr>
-            <p:ph type="title"/>
-          </p:nvPr>
-        </p:nvSpPr>
-        <p:spPr/>
-        <p:txBody>
-          <a:bodyPr/>
-          <a:lstStyle/>
-          <a:p>
-            <a:r>
-              <a:rPr kumimoji="1" lang="zh-CN" altLang="en-US" dirty="0" smtClean="0"/>
-              <a:t>提纲</a:t>
-            </a:r>
-            <a:endParaRPr kumimoji="1" lang="zh-CN" altLang="en-US" dirty="0"/>
-          </a:p>
-        </p:txBody>
-      </p:sp>
-      <p:sp>
-        <p:nvSpPr>
-          <p:cNvPr id="3" name="文本占位符 2"/>
-          <p:cNvSpPr>
-            <a:spLocks noGrp="1"/>
-          </p:cNvSpPr>
-          <p:nvPr>
-            <p:ph type="body" idx="1"/>
-          </p:nvPr>
-        </p:nvSpPr>
-        <p:spPr/>
-        <p:txBody>
-          <a:bodyPr/>
-          <a:lstStyle/>
-          <a:p>
-            <a:r>
-              <a:rPr kumimoji="1" lang="zh-CN" altLang="en-US" dirty="0" smtClean="0">
-                <a:solidFill>
-                  <a:srgbClr val="FF0000"/>
-                </a:solidFill>
-              </a:rPr>
-              <a:t>研究背景</a:t>
-            </a:r>
-            <a:endParaRPr kumimoji="1" lang="en-US" altLang="zh-CN" dirty="0" smtClean="0">
-              <a:solidFill>
-                <a:srgbClr val="FF0000"/>
-              </a:solidFill>
-            </a:endParaRPr>
-          </a:p>
-          <a:p>
-            <a:r>
-              <a:rPr kumimoji="1" lang="zh-CN" altLang="en-US" dirty="0" smtClean="0"/>
-              <a:t>相关工作</a:t>
-            </a:r>
-            <a:endParaRPr kumimoji="1" lang="en-US" altLang="zh-CN" dirty="0" smtClean="0"/>
-          </a:p>
-          <a:p>
-            <a:r>
-              <a:rPr kumimoji="1" lang="zh-CN" altLang="en-US" dirty="0" smtClean="0"/>
-              <a:t>设计与实现</a:t>
-            </a:r>
-            <a:endParaRPr kumimoji="1" lang="en-US" altLang="zh-CN" dirty="0" smtClean="0"/>
-          </a:p>
-          <a:p>
-            <a:r>
-              <a:rPr kumimoji="1" lang="zh-CN" altLang="en-US" dirty="0" smtClean="0"/>
-              <a:t>实验</a:t>
-            </a:r>
-            <a:endParaRPr kumimoji="1" lang="en-US" altLang="zh-CN" dirty="0" smtClean="0"/>
-          </a:p>
-          <a:p>
-            <a:r>
-              <a:rPr kumimoji="1" lang="zh-CN" altLang="en-US" dirty="0" smtClean="0"/>
-              <a:t>总结与</a:t>
-            </a:r>
-            <a:r>
-              <a:rPr kumimoji="1" lang="zh-CN" altLang="en-US" dirty="0" smtClean="0"/>
-              <a:t>展望</a:t>
-            </a:r>
-            <a:endParaRPr kumimoji="1" lang="zh-CN" altLang="en-US" dirty="0"/>
-          </a:p>
-        </p:txBody>
-      </p:sp>
-      <p:sp>
-        <p:nvSpPr>
-          <p:cNvPr id="4" name="幻灯片编号占位符 3"/>
-          <p:cNvSpPr>
-            <a:spLocks noGrp="1"/>
-          </p:cNvSpPr>
-          <p:nvPr>
-            <p:ph type="sldNum" idx="12"/>
-          </p:nvPr>
-        </p:nvSpPr>
-        <p:spPr/>
-        <p:txBody>
-          <a:bodyPr/>
-          <a:lstStyle/>
-          <a:p>
-            <a:pPr marL="0" marR="0" lvl="0" indent="0" algn="r" rtl="0">
-              <a:spcBef>
-                <a:spcPts val="0"/>
-              </a:spcBef>
-              <a:spcAft>
-                <a:spcPts val="0"/>
-              </a:spcAft>
-              <a:buClr>
-                <a:schemeClr val="dk1"/>
-              </a:buClr>
-              <a:buSzPct val="25000"/>
-              <a:buFont typeface="Arial"/>
-              <a:buNone/>
-            </a:pPr>
-            <a:fld id="{00000000-1234-1234-1234-123412341234}" type="slidenum">
-              <a:rPr lang="en-US" sz="1200" b="0" smtClean="0">
-                <a:solidFill>
-                  <a:schemeClr val="dk1"/>
-                </a:solidFill>
-                <a:latin typeface="Times New Roman"/>
-                <a:ea typeface="Times New Roman"/>
-                <a:cs typeface="Times New Roman"/>
-                <a:sym typeface="Times New Roman"/>
-              </a:rPr>
-              <a:t>2</a:t>
-            </a:fld>
-            <a:endParaRPr lang="en-US" sz="1200" b="0">
-              <a:solidFill>
-                <a:schemeClr val="dk1"/>
-              </a:solidFill>
-              <a:latin typeface="Times New Roman"/>
-              <a:ea typeface="Times New Roman"/>
-              <a:cs typeface="Times New Roman"/>
-              <a:sym typeface="Times New Roman"/>
-            </a:endParaRPr>
-          </a:p>
-        </p:txBody>
-      </p:sp>
-    </p:spTree>
-    <p:extLst>
-      <p:ext uri="{BB962C8B-B14F-4D97-AF65-F5344CB8AC3E}">
-        <p14:creationId xmlns:p14="http://schemas.microsoft.com/office/powerpoint/2010/main" val="614656762"/>
-      </p:ext>
-    </p:extLst>
-  </p:cSld>
-  <p:clrMapOvr>
-    <a:masterClrMapping/>
-  </p:clrMapOvr>
-  <p:timing>
-    <p:tnLst>
-      <p:par>
-        <p:cTn id="1" dur="indefinite" restart="never" nodeType="tmRoot"/>
-      </p:par>
-    </p:tnLst>
-  </p:timing>
-</p:sld>
-</file>
-
-<file path=ppt/slides/slide20.xml><?xml version="1.0" encoding="utf-8"?>
+<file path=ppt/slides/slide19.xml><?xml version="1.0" encoding="utf-8"?>
 <p:sld xmlns:a="http://schemas.openxmlformats.org/drawingml/2006/main" xmlns:r="http://schemas.openxmlformats.org/officeDocument/2006/relationships" xmlns:p="http://schemas.openxmlformats.org/presentationml/2006/main">
   <p:cSld>
     <p:spTree>
@@ -28359,7 +31686,6 @@
               <a:rPr kumimoji="1" lang="zh-CN" altLang="en-US" dirty="0"/>
               <a:t>算法及其实现</a:t>
             </a:r>
-            <a:endParaRPr kumimoji="1" lang="zh-CN" altLang="en-US" dirty="0"/>
           </a:p>
         </p:txBody>
       </p:sp>
@@ -28458,7 +31784,7 @@
                 <a:cs typeface="Times New Roman"/>
                 <a:sym typeface="Times New Roman"/>
               </a:rPr>
-              <a:t>20</a:t>
+              <a:t>19</a:t>
             </a:fld>
             <a:endParaRPr lang="en-US" sz="1200" b="0">
               <a:solidFill>
@@ -28482,10 +31808,488 @@
   <p:clrMapOvr>
     <a:masterClrMapping/>
   </p:clrMapOvr>
+  <p:timing>
+    <p:tnLst>
+      <p:par>
+        <p:cTn id="1" dur="indefinite" restart="never" nodeType="tmRoot">
+          <p:childTnLst>
+            <p:seq concurrent="1" nextAc="seek">
+              <p:cTn id="2" dur="indefinite" nodeType="mainSeq">
+                <p:childTnLst>
+                  <p:par>
+                    <p:cTn id="3" fill="hold">
+                      <p:stCondLst>
+                        <p:cond delay="indefinite"/>
+                      </p:stCondLst>
+                      <p:childTnLst>
+                        <p:par>
+                          <p:cTn id="4" fill="hold">
+                            <p:stCondLst>
+                              <p:cond delay="0"/>
+                            </p:stCondLst>
+                            <p:childTnLst>
+                              <p:par>
+                                <p:cTn id="5" presetID="2" presetClass="entr" presetSubtype="4" fill="hold" grpId="0" nodeType="clickEffect">
+                                  <p:stCondLst>
+                                    <p:cond delay="0"/>
+                                  </p:stCondLst>
+                                  <p:childTnLst>
+                                    <p:set>
+                                      <p:cBhvr>
+                                        <p:cTn id="6" dur="1" fill="hold">
+                                          <p:stCondLst>
+                                            <p:cond delay="0"/>
+                                          </p:stCondLst>
+                                        </p:cTn>
+                                        <p:tgtEl>
+                                          <p:spTgt spid="3">
+                                            <p:txEl>
+                                              <p:pRg st="0" end="0"/>
+                                            </p:txEl>
+                                          </p:spTgt>
+                                        </p:tgtEl>
+                                        <p:attrNameLst>
+                                          <p:attrName>style.visibility</p:attrName>
+                                        </p:attrNameLst>
+                                      </p:cBhvr>
+                                      <p:to>
+                                        <p:strVal val="visible"/>
+                                      </p:to>
+                                    </p:set>
+                                    <p:anim calcmode="lin" valueType="num">
+                                      <p:cBhvr additive="base">
+                                        <p:cTn id="7" dur="500" fill="hold"/>
+                                        <p:tgtEl>
+                                          <p:spTgt spid="3">
+                                            <p:txEl>
+                                              <p:pRg st="0" end="0"/>
+                                            </p:txEl>
+                                          </p:spTgt>
+                                        </p:tgtEl>
+                                        <p:attrNameLst>
+                                          <p:attrName>ppt_x</p:attrName>
+                                        </p:attrNameLst>
+                                      </p:cBhvr>
+                                      <p:tavLst>
+                                        <p:tav tm="0">
+                                          <p:val>
+                                            <p:strVal val="#ppt_x"/>
+                                          </p:val>
+                                        </p:tav>
+                                        <p:tav tm="100000">
+                                          <p:val>
+                                            <p:strVal val="#ppt_x"/>
+                                          </p:val>
+                                        </p:tav>
+                                      </p:tavLst>
+                                    </p:anim>
+                                    <p:anim calcmode="lin" valueType="num">
+                                      <p:cBhvr additive="base">
+                                        <p:cTn id="8" dur="500" fill="hold"/>
+                                        <p:tgtEl>
+                                          <p:spTgt spid="3">
+                                            <p:txEl>
+                                              <p:pRg st="0" end="0"/>
+                                            </p:txEl>
+                                          </p:spTgt>
+                                        </p:tgtEl>
+                                        <p:attrNameLst>
+                                          <p:attrName>ppt_y</p:attrName>
+                                        </p:attrNameLst>
+                                      </p:cBhvr>
+                                      <p:tavLst>
+                                        <p:tav tm="0">
+                                          <p:val>
+                                            <p:strVal val="1+#ppt_h/2"/>
+                                          </p:val>
+                                        </p:tav>
+                                        <p:tav tm="100000">
+                                          <p:val>
+                                            <p:strVal val="#ppt_y"/>
+                                          </p:val>
+                                        </p:tav>
+                                      </p:tavLst>
+                                    </p:anim>
+                                  </p:childTnLst>
+                                </p:cTn>
+                              </p:par>
+                              <p:par>
+                                <p:cTn id="9" presetID="2" presetClass="entr" presetSubtype="4" fill="hold" grpId="0" nodeType="withEffect">
+                                  <p:stCondLst>
+                                    <p:cond delay="0"/>
+                                  </p:stCondLst>
+                                  <p:childTnLst>
+                                    <p:set>
+                                      <p:cBhvr>
+                                        <p:cTn id="10" dur="1" fill="hold">
+                                          <p:stCondLst>
+                                            <p:cond delay="0"/>
+                                          </p:stCondLst>
+                                        </p:cTn>
+                                        <p:tgtEl>
+                                          <p:spTgt spid="3">
+                                            <p:txEl>
+                                              <p:pRg st="1" end="1"/>
+                                            </p:txEl>
+                                          </p:spTgt>
+                                        </p:tgtEl>
+                                        <p:attrNameLst>
+                                          <p:attrName>style.visibility</p:attrName>
+                                        </p:attrNameLst>
+                                      </p:cBhvr>
+                                      <p:to>
+                                        <p:strVal val="visible"/>
+                                      </p:to>
+                                    </p:set>
+                                    <p:anim calcmode="lin" valueType="num">
+                                      <p:cBhvr additive="base">
+                                        <p:cTn id="11" dur="500" fill="hold"/>
+                                        <p:tgtEl>
+                                          <p:spTgt spid="3">
+                                            <p:txEl>
+                                              <p:pRg st="1" end="1"/>
+                                            </p:txEl>
+                                          </p:spTgt>
+                                        </p:tgtEl>
+                                        <p:attrNameLst>
+                                          <p:attrName>ppt_x</p:attrName>
+                                        </p:attrNameLst>
+                                      </p:cBhvr>
+                                      <p:tavLst>
+                                        <p:tav tm="0">
+                                          <p:val>
+                                            <p:strVal val="#ppt_x"/>
+                                          </p:val>
+                                        </p:tav>
+                                        <p:tav tm="100000">
+                                          <p:val>
+                                            <p:strVal val="#ppt_x"/>
+                                          </p:val>
+                                        </p:tav>
+                                      </p:tavLst>
+                                    </p:anim>
+                                    <p:anim calcmode="lin" valueType="num">
+                                      <p:cBhvr additive="base">
+                                        <p:cTn id="12" dur="500" fill="hold"/>
+                                        <p:tgtEl>
+                                          <p:spTgt spid="3">
+                                            <p:txEl>
+                                              <p:pRg st="1" end="1"/>
+                                            </p:txEl>
+                                          </p:spTgt>
+                                        </p:tgtEl>
+                                        <p:attrNameLst>
+                                          <p:attrName>ppt_y</p:attrName>
+                                        </p:attrNameLst>
+                                      </p:cBhvr>
+                                      <p:tavLst>
+                                        <p:tav tm="0">
+                                          <p:val>
+                                            <p:strVal val="1+#ppt_h/2"/>
+                                          </p:val>
+                                        </p:tav>
+                                        <p:tav tm="100000">
+                                          <p:val>
+                                            <p:strVal val="#ppt_y"/>
+                                          </p:val>
+                                        </p:tav>
+                                      </p:tavLst>
+                                    </p:anim>
+                                  </p:childTnLst>
+                                </p:cTn>
+                              </p:par>
+                              <p:par>
+                                <p:cTn id="13" presetID="2" presetClass="entr" presetSubtype="4" fill="hold" grpId="0" nodeType="withEffect">
+                                  <p:stCondLst>
+                                    <p:cond delay="0"/>
+                                  </p:stCondLst>
+                                  <p:childTnLst>
+                                    <p:set>
+                                      <p:cBhvr>
+                                        <p:cTn id="14" dur="1" fill="hold">
+                                          <p:stCondLst>
+                                            <p:cond delay="0"/>
+                                          </p:stCondLst>
+                                        </p:cTn>
+                                        <p:tgtEl>
+                                          <p:spTgt spid="3">
+                                            <p:txEl>
+                                              <p:pRg st="2" end="2"/>
+                                            </p:txEl>
+                                          </p:spTgt>
+                                        </p:tgtEl>
+                                        <p:attrNameLst>
+                                          <p:attrName>style.visibility</p:attrName>
+                                        </p:attrNameLst>
+                                      </p:cBhvr>
+                                      <p:to>
+                                        <p:strVal val="visible"/>
+                                      </p:to>
+                                    </p:set>
+                                    <p:anim calcmode="lin" valueType="num">
+                                      <p:cBhvr additive="base">
+                                        <p:cTn id="15" dur="500" fill="hold"/>
+                                        <p:tgtEl>
+                                          <p:spTgt spid="3">
+                                            <p:txEl>
+                                              <p:pRg st="2" end="2"/>
+                                            </p:txEl>
+                                          </p:spTgt>
+                                        </p:tgtEl>
+                                        <p:attrNameLst>
+                                          <p:attrName>ppt_x</p:attrName>
+                                        </p:attrNameLst>
+                                      </p:cBhvr>
+                                      <p:tavLst>
+                                        <p:tav tm="0">
+                                          <p:val>
+                                            <p:strVal val="#ppt_x"/>
+                                          </p:val>
+                                        </p:tav>
+                                        <p:tav tm="100000">
+                                          <p:val>
+                                            <p:strVal val="#ppt_x"/>
+                                          </p:val>
+                                        </p:tav>
+                                      </p:tavLst>
+                                    </p:anim>
+                                    <p:anim calcmode="lin" valueType="num">
+                                      <p:cBhvr additive="base">
+                                        <p:cTn id="16" dur="500" fill="hold"/>
+                                        <p:tgtEl>
+                                          <p:spTgt spid="3">
+                                            <p:txEl>
+                                              <p:pRg st="2" end="2"/>
+                                            </p:txEl>
+                                          </p:spTgt>
+                                        </p:tgtEl>
+                                        <p:attrNameLst>
+                                          <p:attrName>ppt_y</p:attrName>
+                                        </p:attrNameLst>
+                                      </p:cBhvr>
+                                      <p:tavLst>
+                                        <p:tav tm="0">
+                                          <p:val>
+                                            <p:strVal val="1+#ppt_h/2"/>
+                                          </p:val>
+                                        </p:tav>
+                                        <p:tav tm="100000">
+                                          <p:val>
+                                            <p:strVal val="#ppt_y"/>
+                                          </p:val>
+                                        </p:tav>
+                                      </p:tavLst>
+                                    </p:anim>
+                                  </p:childTnLst>
+                                </p:cTn>
+                              </p:par>
+                            </p:childTnLst>
+                          </p:cTn>
+                        </p:par>
+                      </p:childTnLst>
+                    </p:cTn>
+                  </p:par>
+                </p:childTnLst>
+              </p:cTn>
+              <p:prevCondLst>
+                <p:cond evt="onPrev" delay="0">
+                  <p:tgtEl>
+                    <p:sldTgt/>
+                  </p:tgtEl>
+                </p:cond>
+              </p:prevCondLst>
+              <p:nextCondLst>
+                <p:cond evt="onNext" delay="0">
+                  <p:tgtEl>
+                    <p:sldTgt/>
+                  </p:tgtEl>
+                </p:cond>
+              </p:nextCondLst>
+            </p:seq>
+          </p:childTnLst>
+        </p:cTn>
+      </p:par>
+    </p:tnLst>
+    <p:bldLst>
+      <p:bldP spid="3" grpId="0" build="p"/>
+    </p:bldLst>
+  </p:timing>
 </p:sld>
 </file>
 
-<file path=ppt/slides/slide21.xml><?xml version="1.0" encoding="utf-8"?>
+<file path=ppt/slides/slide2.xml><?xml version="1.0" encoding="utf-8"?>
+<p:sld xmlns:a="http://schemas.openxmlformats.org/drawingml/2006/main" xmlns:r="http://schemas.openxmlformats.org/officeDocument/2006/relationships" xmlns:p="http://schemas.openxmlformats.org/presentationml/2006/main">
+  <p:cSld>
+    <p:spTree>
+      <p:nvGrpSpPr>
+        <p:cNvPr id="1" name=""/>
+        <p:cNvGrpSpPr/>
+        <p:nvPr/>
+      </p:nvGrpSpPr>
+      <p:grpSpPr>
+        <a:xfrm>
+          <a:off x="0" y="0"/>
+          <a:ext cx="0" cy="0"/>
+          <a:chOff x="0" y="0"/>
+          <a:chExt cx="0" cy="0"/>
+        </a:xfrm>
+      </p:grpSpPr>
+      <p:sp>
+        <p:nvSpPr>
+          <p:cNvPr id="2" name="标题 1"/>
+          <p:cNvSpPr>
+            <a:spLocks noGrp="1"/>
+          </p:cNvSpPr>
+          <p:nvPr>
+            <p:ph type="title"/>
+          </p:nvPr>
+        </p:nvSpPr>
+        <p:spPr/>
+        <p:txBody>
+          <a:bodyPr/>
+          <a:lstStyle/>
+          <a:p>
+            <a:r>
+              <a:rPr kumimoji="1" lang="zh-CN" altLang="en-US" dirty="0" smtClean="0"/>
+              <a:t>提纲</a:t>
+            </a:r>
+            <a:endParaRPr kumimoji="1" lang="zh-CN" altLang="en-US" dirty="0"/>
+          </a:p>
+        </p:txBody>
+      </p:sp>
+      <p:sp>
+        <p:nvSpPr>
+          <p:cNvPr id="3" name="文本占位符 2"/>
+          <p:cNvSpPr>
+            <a:spLocks noGrp="1"/>
+          </p:cNvSpPr>
+          <p:nvPr>
+            <p:ph type="body" idx="1"/>
+          </p:nvPr>
+        </p:nvSpPr>
+        <p:spPr/>
+        <p:txBody>
+          <a:bodyPr/>
+          <a:lstStyle/>
+          <a:p>
+            <a:r>
+              <a:rPr kumimoji="1" lang="zh-CN" altLang="en-US" dirty="0" smtClean="0">
+                <a:solidFill>
+                  <a:srgbClr val="FF0000"/>
+                </a:solidFill>
+              </a:rPr>
+              <a:t>研究背景</a:t>
+            </a:r>
+            <a:endParaRPr kumimoji="1" lang="en-US" altLang="zh-CN" dirty="0" smtClean="0">
+              <a:solidFill>
+                <a:srgbClr val="FF0000"/>
+              </a:solidFill>
+            </a:endParaRPr>
+          </a:p>
+          <a:p>
+            <a:r>
+              <a:rPr kumimoji="1" lang="zh-CN" altLang="en-US" dirty="0" smtClean="0"/>
+              <a:t>相关工作</a:t>
+            </a:r>
+            <a:endParaRPr kumimoji="1" lang="en-US" altLang="zh-CN" dirty="0" smtClean="0"/>
+          </a:p>
+          <a:p>
+            <a:r>
+              <a:rPr kumimoji="1" lang="zh-CN" altLang="en-US" dirty="0" smtClean="0"/>
+              <a:t>设计与实现</a:t>
+            </a:r>
+            <a:endParaRPr kumimoji="1" lang="en-US" altLang="zh-CN" dirty="0" smtClean="0"/>
+          </a:p>
+          <a:p>
+            <a:r>
+              <a:rPr kumimoji="1" lang="zh-CN" altLang="en-US" dirty="0" smtClean="0"/>
+              <a:t>实验</a:t>
+            </a:r>
+            <a:endParaRPr kumimoji="1" lang="en-US" altLang="zh-CN" dirty="0" smtClean="0"/>
+          </a:p>
+          <a:p>
+            <a:r>
+              <a:rPr kumimoji="1" lang="zh-CN" altLang="en-US" dirty="0" smtClean="0"/>
+              <a:t>总结与展望</a:t>
+            </a:r>
+            <a:endParaRPr kumimoji="1" lang="zh-CN" altLang="en-US" dirty="0"/>
+          </a:p>
+        </p:txBody>
+      </p:sp>
+      <p:sp>
+        <p:nvSpPr>
+          <p:cNvPr id="4" name="幻灯片编号占位符 3"/>
+          <p:cNvSpPr>
+            <a:spLocks noGrp="1"/>
+          </p:cNvSpPr>
+          <p:nvPr>
+            <p:ph type="sldNum" idx="12"/>
+          </p:nvPr>
+        </p:nvSpPr>
+        <p:spPr/>
+        <p:txBody>
+          <a:bodyPr/>
+          <a:lstStyle/>
+          <a:p>
+            <a:pPr marL="0" marR="0" lvl="0" indent="0" algn="r" rtl="0">
+              <a:spcBef>
+                <a:spcPts val="0"/>
+              </a:spcBef>
+              <a:spcAft>
+                <a:spcPts val="0"/>
+              </a:spcAft>
+              <a:buClr>
+                <a:schemeClr val="dk1"/>
+              </a:buClr>
+              <a:buSzPct val="25000"/>
+              <a:buFont typeface="Arial"/>
+              <a:buNone/>
+            </a:pPr>
+            <a:fld id="{00000000-1234-1234-1234-123412341234}" type="slidenum">
+              <a:rPr lang="en-US" sz="1200" b="0" smtClean="0">
+                <a:solidFill>
+                  <a:schemeClr val="dk1"/>
+                </a:solidFill>
+                <a:latin typeface="Times New Roman"/>
+                <a:ea typeface="Times New Roman"/>
+                <a:cs typeface="Times New Roman"/>
+                <a:sym typeface="Times New Roman"/>
+              </a:rPr>
+              <a:t>2</a:t>
+            </a:fld>
+            <a:endParaRPr lang="en-US" sz="1200" b="0">
+              <a:solidFill>
+                <a:schemeClr val="dk1"/>
+              </a:solidFill>
+              <a:latin typeface="Times New Roman"/>
+              <a:ea typeface="Times New Roman"/>
+              <a:cs typeface="Times New Roman"/>
+              <a:sym typeface="Times New Roman"/>
+            </a:endParaRPr>
+          </a:p>
+        </p:txBody>
+      </p:sp>
+    </p:spTree>
+    <p:extLst>
+      <p:ext uri="{BB962C8B-B14F-4D97-AF65-F5344CB8AC3E}">
+        <p14:creationId xmlns:p14="http://schemas.microsoft.com/office/powerpoint/2010/main" val="614656762"/>
+      </p:ext>
+    </p:extLst>
+  </p:cSld>
+  <p:clrMapOvr>
+    <a:masterClrMapping/>
+  </p:clrMapOvr>
+  <p:timing>
+    <p:tnLst>
+      <p:par>
+        <p:cTn id="1" dur="indefinite" restart="never" nodeType="tmRoot"/>
+      </p:par>
+    </p:tnLst>
+  </p:timing>
+</p:sld>
+</file>
+
+<file path=ppt/slides/slide20.xml><?xml version="1.0" encoding="utf-8"?>
 <p:sld xmlns:a="http://schemas.openxmlformats.org/drawingml/2006/main" xmlns:r="http://schemas.openxmlformats.org/officeDocument/2006/relationships" xmlns:p="http://schemas.openxmlformats.org/presentationml/2006/main">
   <p:cSld>
     <p:spTree>
@@ -28521,7 +32325,6 @@
               <a:rPr kumimoji="1" lang="zh-CN" altLang="en-US" dirty="0"/>
               <a:t>系统优化</a:t>
             </a:r>
-            <a:endParaRPr kumimoji="1" lang="zh-CN" altLang="en-US" dirty="0"/>
           </a:p>
         </p:txBody>
       </p:sp>
@@ -28599,7 +32402,7 @@
                 <a:cs typeface="Times New Roman"/>
                 <a:sym typeface="Times New Roman"/>
               </a:rPr>
-              <a:t>21</a:t>
+              <a:t>20</a:t>
             </a:fld>
             <a:endParaRPr lang="en-US" sz="1200" b="0">
               <a:solidFill>
@@ -28623,10 +32426,370 @@
   <p:clrMapOvr>
     <a:masterClrMapping/>
   </p:clrMapOvr>
+  <p:timing>
+    <p:tnLst>
+      <p:par>
+        <p:cTn id="1" dur="indefinite" restart="never" nodeType="tmRoot">
+          <p:childTnLst>
+            <p:seq concurrent="1" nextAc="seek">
+              <p:cTn id="2" dur="indefinite" nodeType="mainSeq">
+                <p:childTnLst>
+                  <p:par>
+                    <p:cTn id="3" fill="hold">
+                      <p:stCondLst>
+                        <p:cond delay="indefinite"/>
+                      </p:stCondLst>
+                      <p:childTnLst>
+                        <p:par>
+                          <p:cTn id="4" fill="hold">
+                            <p:stCondLst>
+                              <p:cond delay="0"/>
+                            </p:stCondLst>
+                            <p:childTnLst>
+                              <p:par>
+                                <p:cTn id="5" presetID="42" presetClass="entr" presetSubtype="0" fill="hold" grpId="0" nodeType="clickEffect">
+                                  <p:stCondLst>
+                                    <p:cond delay="0"/>
+                                  </p:stCondLst>
+                                  <p:childTnLst>
+                                    <p:set>
+                                      <p:cBhvr>
+                                        <p:cTn id="6" dur="1" fill="hold">
+                                          <p:stCondLst>
+                                            <p:cond delay="0"/>
+                                          </p:stCondLst>
+                                        </p:cTn>
+                                        <p:tgtEl>
+                                          <p:spTgt spid="3">
+                                            <p:txEl>
+                                              <p:pRg st="0" end="0"/>
+                                            </p:txEl>
+                                          </p:spTgt>
+                                        </p:tgtEl>
+                                        <p:attrNameLst>
+                                          <p:attrName>style.visibility</p:attrName>
+                                        </p:attrNameLst>
+                                      </p:cBhvr>
+                                      <p:to>
+                                        <p:strVal val="visible"/>
+                                      </p:to>
+                                    </p:set>
+                                    <p:animEffect transition="in" filter="fade">
+                                      <p:cBhvr>
+                                        <p:cTn id="7" dur="1000"/>
+                                        <p:tgtEl>
+                                          <p:spTgt spid="3">
+                                            <p:txEl>
+                                              <p:pRg st="0" end="0"/>
+                                            </p:txEl>
+                                          </p:spTgt>
+                                        </p:tgtEl>
+                                      </p:cBhvr>
+                                    </p:animEffect>
+                                    <p:anim calcmode="lin" valueType="num">
+                                      <p:cBhvr>
+                                        <p:cTn id="8" dur="1000" fill="hold"/>
+                                        <p:tgtEl>
+                                          <p:spTgt spid="3">
+                                            <p:txEl>
+                                              <p:pRg st="0" end="0"/>
+                                            </p:txEl>
+                                          </p:spTgt>
+                                        </p:tgtEl>
+                                        <p:attrNameLst>
+                                          <p:attrName>ppt_x</p:attrName>
+                                        </p:attrNameLst>
+                                      </p:cBhvr>
+                                      <p:tavLst>
+                                        <p:tav tm="0">
+                                          <p:val>
+                                            <p:strVal val="#ppt_x"/>
+                                          </p:val>
+                                        </p:tav>
+                                        <p:tav tm="100000">
+                                          <p:val>
+                                            <p:strVal val="#ppt_x"/>
+                                          </p:val>
+                                        </p:tav>
+                                      </p:tavLst>
+                                    </p:anim>
+                                    <p:anim calcmode="lin" valueType="num">
+                                      <p:cBhvr>
+                                        <p:cTn id="9" dur="1000" fill="hold"/>
+                                        <p:tgtEl>
+                                          <p:spTgt spid="3">
+                                            <p:txEl>
+                                              <p:pRg st="0" end="0"/>
+                                            </p:txEl>
+                                          </p:spTgt>
+                                        </p:tgtEl>
+                                        <p:attrNameLst>
+                                          <p:attrName>ppt_y</p:attrName>
+                                        </p:attrNameLst>
+                                      </p:cBhvr>
+                                      <p:tavLst>
+                                        <p:tav tm="0">
+                                          <p:val>
+                                            <p:strVal val="#ppt_y+.1"/>
+                                          </p:val>
+                                        </p:tav>
+                                        <p:tav tm="100000">
+                                          <p:val>
+                                            <p:strVal val="#ppt_y"/>
+                                          </p:val>
+                                        </p:tav>
+                                      </p:tavLst>
+                                    </p:anim>
+                                  </p:childTnLst>
+                                </p:cTn>
+                              </p:par>
+                            </p:childTnLst>
+                          </p:cTn>
+                        </p:par>
+                      </p:childTnLst>
+                    </p:cTn>
+                  </p:par>
+                  <p:par>
+                    <p:cTn id="10" fill="hold">
+                      <p:stCondLst>
+                        <p:cond delay="indefinite"/>
+                      </p:stCondLst>
+                      <p:childTnLst>
+                        <p:par>
+                          <p:cTn id="11" fill="hold">
+                            <p:stCondLst>
+                              <p:cond delay="0"/>
+                            </p:stCondLst>
+                            <p:childTnLst>
+                              <p:par>
+                                <p:cTn id="12" presetID="42" presetClass="entr" presetSubtype="0" fill="hold" grpId="0" nodeType="clickEffect">
+                                  <p:stCondLst>
+                                    <p:cond delay="0"/>
+                                  </p:stCondLst>
+                                  <p:childTnLst>
+                                    <p:set>
+                                      <p:cBhvr>
+                                        <p:cTn id="13" dur="1" fill="hold">
+                                          <p:stCondLst>
+                                            <p:cond delay="0"/>
+                                          </p:stCondLst>
+                                        </p:cTn>
+                                        <p:tgtEl>
+                                          <p:spTgt spid="3">
+                                            <p:txEl>
+                                              <p:pRg st="1" end="1"/>
+                                            </p:txEl>
+                                          </p:spTgt>
+                                        </p:tgtEl>
+                                        <p:attrNameLst>
+                                          <p:attrName>style.visibility</p:attrName>
+                                        </p:attrNameLst>
+                                      </p:cBhvr>
+                                      <p:to>
+                                        <p:strVal val="visible"/>
+                                      </p:to>
+                                    </p:set>
+                                    <p:animEffect transition="in" filter="fade">
+                                      <p:cBhvr>
+                                        <p:cTn id="14" dur="1000"/>
+                                        <p:tgtEl>
+                                          <p:spTgt spid="3">
+                                            <p:txEl>
+                                              <p:pRg st="1" end="1"/>
+                                            </p:txEl>
+                                          </p:spTgt>
+                                        </p:tgtEl>
+                                      </p:cBhvr>
+                                    </p:animEffect>
+                                    <p:anim calcmode="lin" valueType="num">
+                                      <p:cBhvr>
+                                        <p:cTn id="15" dur="1000" fill="hold"/>
+                                        <p:tgtEl>
+                                          <p:spTgt spid="3">
+                                            <p:txEl>
+                                              <p:pRg st="1" end="1"/>
+                                            </p:txEl>
+                                          </p:spTgt>
+                                        </p:tgtEl>
+                                        <p:attrNameLst>
+                                          <p:attrName>ppt_x</p:attrName>
+                                        </p:attrNameLst>
+                                      </p:cBhvr>
+                                      <p:tavLst>
+                                        <p:tav tm="0">
+                                          <p:val>
+                                            <p:strVal val="#ppt_x"/>
+                                          </p:val>
+                                        </p:tav>
+                                        <p:tav tm="100000">
+                                          <p:val>
+                                            <p:strVal val="#ppt_x"/>
+                                          </p:val>
+                                        </p:tav>
+                                      </p:tavLst>
+                                    </p:anim>
+                                    <p:anim calcmode="lin" valueType="num">
+                                      <p:cBhvr>
+                                        <p:cTn id="16" dur="1000" fill="hold"/>
+                                        <p:tgtEl>
+                                          <p:spTgt spid="3">
+                                            <p:txEl>
+                                              <p:pRg st="1" end="1"/>
+                                            </p:txEl>
+                                          </p:spTgt>
+                                        </p:tgtEl>
+                                        <p:attrNameLst>
+                                          <p:attrName>ppt_y</p:attrName>
+                                        </p:attrNameLst>
+                                      </p:cBhvr>
+                                      <p:tavLst>
+                                        <p:tav tm="0">
+                                          <p:val>
+                                            <p:strVal val="#ppt_y+.1"/>
+                                          </p:val>
+                                        </p:tav>
+                                        <p:tav tm="100000">
+                                          <p:val>
+                                            <p:strVal val="#ppt_y"/>
+                                          </p:val>
+                                        </p:tav>
+                                      </p:tavLst>
+                                    </p:anim>
+                                  </p:childTnLst>
+                                </p:cTn>
+                              </p:par>
+                              <p:par>
+                                <p:cTn id="17" presetID="42" presetClass="entr" presetSubtype="0" fill="hold" grpId="0" nodeType="withEffect">
+                                  <p:stCondLst>
+                                    <p:cond delay="0"/>
+                                  </p:stCondLst>
+                                  <p:childTnLst>
+                                    <p:set>
+                                      <p:cBhvr>
+                                        <p:cTn id="18" dur="1" fill="hold">
+                                          <p:stCondLst>
+                                            <p:cond delay="0"/>
+                                          </p:stCondLst>
+                                        </p:cTn>
+                                        <p:tgtEl>
+                                          <p:spTgt spid="3">
+                                            <p:txEl>
+                                              <p:pRg st="2" end="2"/>
+                                            </p:txEl>
+                                          </p:spTgt>
+                                        </p:tgtEl>
+                                        <p:attrNameLst>
+                                          <p:attrName>style.visibility</p:attrName>
+                                        </p:attrNameLst>
+                                      </p:cBhvr>
+                                      <p:to>
+                                        <p:strVal val="visible"/>
+                                      </p:to>
+                                    </p:set>
+                                    <p:animEffect transition="in" filter="fade">
+                                      <p:cBhvr>
+                                        <p:cTn id="19" dur="1000"/>
+                                        <p:tgtEl>
+                                          <p:spTgt spid="3">
+                                            <p:txEl>
+                                              <p:pRg st="2" end="2"/>
+                                            </p:txEl>
+                                          </p:spTgt>
+                                        </p:tgtEl>
+                                      </p:cBhvr>
+                                    </p:animEffect>
+                                    <p:anim calcmode="lin" valueType="num">
+                                      <p:cBhvr>
+                                        <p:cTn id="20" dur="1000" fill="hold"/>
+                                        <p:tgtEl>
+                                          <p:spTgt spid="3">
+                                            <p:txEl>
+                                              <p:pRg st="2" end="2"/>
+                                            </p:txEl>
+                                          </p:spTgt>
+                                        </p:tgtEl>
+                                        <p:attrNameLst>
+                                          <p:attrName>ppt_x</p:attrName>
+                                        </p:attrNameLst>
+                                      </p:cBhvr>
+                                      <p:tavLst>
+                                        <p:tav tm="0">
+                                          <p:val>
+                                            <p:strVal val="#ppt_x"/>
+                                          </p:val>
+                                        </p:tav>
+                                        <p:tav tm="100000">
+                                          <p:val>
+                                            <p:strVal val="#ppt_x"/>
+                                          </p:val>
+                                        </p:tav>
+                                      </p:tavLst>
+                                    </p:anim>
+                                    <p:anim calcmode="lin" valueType="num">
+                                      <p:cBhvr>
+                                        <p:cTn id="21" dur="1000" fill="hold"/>
+                                        <p:tgtEl>
+                                          <p:spTgt spid="3">
+                                            <p:txEl>
+                                              <p:pRg st="2" end="2"/>
+                                            </p:txEl>
+                                          </p:spTgt>
+                                        </p:tgtEl>
+                                        <p:attrNameLst>
+                                          <p:attrName>ppt_y</p:attrName>
+                                        </p:attrNameLst>
+                                      </p:cBhvr>
+                                      <p:tavLst>
+                                        <p:tav tm="0">
+                                          <p:val>
+                                            <p:strVal val="#ppt_y+.1"/>
+                                          </p:val>
+                                        </p:tav>
+                                        <p:tav tm="100000">
+                                          <p:val>
+                                            <p:strVal val="#ppt_y"/>
+                                          </p:val>
+                                        </p:tav>
+                                      </p:tavLst>
+                                    </p:anim>
+                                  </p:childTnLst>
+                                </p:cTn>
+                              </p:par>
+                            </p:childTnLst>
+                          </p:cTn>
+                        </p:par>
+                      </p:childTnLst>
+                    </p:cTn>
+                  </p:par>
+                </p:childTnLst>
+              </p:cTn>
+              <p:prevCondLst>
+                <p:cond evt="onPrev" delay="0">
+                  <p:tgtEl>
+                    <p:sldTgt/>
+                  </p:tgtEl>
+                </p:cond>
+              </p:prevCondLst>
+              <p:nextCondLst>
+                <p:cond evt="onNext" delay="0">
+                  <p:tgtEl>
+                    <p:sldTgt/>
+                  </p:tgtEl>
+                </p:cond>
+              </p:nextCondLst>
+            </p:seq>
+          </p:childTnLst>
+        </p:cTn>
+      </p:par>
+    </p:tnLst>
+    <p:bldLst>
+      <p:bldP spid="3" grpId="0" uiExpand="1" build="p"/>
+    </p:bldLst>
+  </p:timing>
 </p:sld>
 </file>
 
-<file path=ppt/slides/slide22.xml><?xml version="1.0" encoding="utf-8"?>
+<file path=ppt/slides/slide21.xml><?xml version="1.0" encoding="utf-8"?>
 <p:sld xmlns:a="http://schemas.openxmlformats.org/drawingml/2006/main" xmlns:r="http://schemas.openxmlformats.org/officeDocument/2006/relationships" xmlns:p="http://schemas.openxmlformats.org/presentationml/2006/main">
   <p:cSld>
     <p:spTree>
@@ -28794,7 +32957,7 @@
                 <a:cs typeface="Times New Roman"/>
                 <a:sym typeface="Times New Roman"/>
               </a:rPr>
-              <a:t>22</a:t>
+              <a:t>21</a:t>
             </a:fld>
             <a:endParaRPr lang="en-US" sz="1200" b="0">
               <a:solidFill>
@@ -28818,10 +32981,862 @@
   <p:clrMapOvr>
     <a:masterClrMapping/>
   </p:clrMapOvr>
+  <p:timing>
+    <p:tnLst>
+      <p:par>
+        <p:cTn id="1" dur="indefinite" restart="never" nodeType="tmRoot">
+          <p:childTnLst>
+            <p:seq concurrent="1" nextAc="seek">
+              <p:cTn id="2" dur="indefinite" nodeType="mainSeq">
+                <p:childTnLst>
+                  <p:par>
+                    <p:cTn id="3" fill="hold">
+                      <p:stCondLst>
+                        <p:cond delay="indefinite"/>
+                      </p:stCondLst>
+                      <p:childTnLst>
+                        <p:par>
+                          <p:cTn id="4" fill="hold">
+                            <p:stCondLst>
+                              <p:cond delay="0"/>
+                            </p:stCondLst>
+                            <p:childTnLst>
+                              <p:par>
+                                <p:cTn id="5" presetID="2" presetClass="entr" presetSubtype="4" fill="hold" grpId="0" nodeType="clickEffect">
+                                  <p:stCondLst>
+                                    <p:cond delay="0"/>
+                                  </p:stCondLst>
+                                  <p:childTnLst>
+                                    <p:set>
+                                      <p:cBhvr>
+                                        <p:cTn id="6" dur="1" fill="hold">
+                                          <p:stCondLst>
+                                            <p:cond delay="0"/>
+                                          </p:stCondLst>
+                                        </p:cTn>
+                                        <p:tgtEl>
+                                          <p:spTgt spid="3">
+                                            <p:txEl>
+                                              <p:pRg st="0" end="0"/>
+                                            </p:txEl>
+                                          </p:spTgt>
+                                        </p:tgtEl>
+                                        <p:attrNameLst>
+                                          <p:attrName>style.visibility</p:attrName>
+                                        </p:attrNameLst>
+                                      </p:cBhvr>
+                                      <p:to>
+                                        <p:strVal val="visible"/>
+                                      </p:to>
+                                    </p:set>
+                                    <p:anim calcmode="lin" valueType="num">
+                                      <p:cBhvr additive="base">
+                                        <p:cTn id="7" dur="500" fill="hold"/>
+                                        <p:tgtEl>
+                                          <p:spTgt spid="3">
+                                            <p:txEl>
+                                              <p:pRg st="0" end="0"/>
+                                            </p:txEl>
+                                          </p:spTgt>
+                                        </p:tgtEl>
+                                        <p:attrNameLst>
+                                          <p:attrName>ppt_x</p:attrName>
+                                        </p:attrNameLst>
+                                      </p:cBhvr>
+                                      <p:tavLst>
+                                        <p:tav tm="0">
+                                          <p:val>
+                                            <p:strVal val="#ppt_x"/>
+                                          </p:val>
+                                        </p:tav>
+                                        <p:tav tm="100000">
+                                          <p:val>
+                                            <p:strVal val="#ppt_x"/>
+                                          </p:val>
+                                        </p:tav>
+                                      </p:tavLst>
+                                    </p:anim>
+                                    <p:anim calcmode="lin" valueType="num">
+                                      <p:cBhvr additive="base">
+                                        <p:cTn id="8" dur="500" fill="hold"/>
+                                        <p:tgtEl>
+                                          <p:spTgt spid="3">
+                                            <p:txEl>
+                                              <p:pRg st="0" end="0"/>
+                                            </p:txEl>
+                                          </p:spTgt>
+                                        </p:tgtEl>
+                                        <p:attrNameLst>
+                                          <p:attrName>ppt_y</p:attrName>
+                                        </p:attrNameLst>
+                                      </p:cBhvr>
+                                      <p:tavLst>
+                                        <p:tav tm="0">
+                                          <p:val>
+                                            <p:strVal val="1+#ppt_h/2"/>
+                                          </p:val>
+                                        </p:tav>
+                                        <p:tav tm="100000">
+                                          <p:val>
+                                            <p:strVal val="#ppt_y"/>
+                                          </p:val>
+                                        </p:tav>
+                                      </p:tavLst>
+                                    </p:anim>
+                                  </p:childTnLst>
+                                </p:cTn>
+                              </p:par>
+                              <p:par>
+                                <p:cTn id="9" presetID="2" presetClass="entr" presetSubtype="4" fill="hold" grpId="0" nodeType="withEffect">
+                                  <p:stCondLst>
+                                    <p:cond delay="0"/>
+                                  </p:stCondLst>
+                                  <p:childTnLst>
+                                    <p:set>
+                                      <p:cBhvr>
+                                        <p:cTn id="10" dur="1" fill="hold">
+                                          <p:stCondLst>
+                                            <p:cond delay="0"/>
+                                          </p:stCondLst>
+                                        </p:cTn>
+                                        <p:tgtEl>
+                                          <p:spTgt spid="3">
+                                            <p:txEl>
+                                              <p:pRg st="1" end="1"/>
+                                            </p:txEl>
+                                          </p:spTgt>
+                                        </p:tgtEl>
+                                        <p:attrNameLst>
+                                          <p:attrName>style.visibility</p:attrName>
+                                        </p:attrNameLst>
+                                      </p:cBhvr>
+                                      <p:to>
+                                        <p:strVal val="visible"/>
+                                      </p:to>
+                                    </p:set>
+                                    <p:anim calcmode="lin" valueType="num">
+                                      <p:cBhvr additive="base">
+                                        <p:cTn id="11" dur="500" fill="hold"/>
+                                        <p:tgtEl>
+                                          <p:spTgt spid="3">
+                                            <p:txEl>
+                                              <p:pRg st="1" end="1"/>
+                                            </p:txEl>
+                                          </p:spTgt>
+                                        </p:tgtEl>
+                                        <p:attrNameLst>
+                                          <p:attrName>ppt_x</p:attrName>
+                                        </p:attrNameLst>
+                                      </p:cBhvr>
+                                      <p:tavLst>
+                                        <p:tav tm="0">
+                                          <p:val>
+                                            <p:strVal val="#ppt_x"/>
+                                          </p:val>
+                                        </p:tav>
+                                        <p:tav tm="100000">
+                                          <p:val>
+                                            <p:strVal val="#ppt_x"/>
+                                          </p:val>
+                                        </p:tav>
+                                      </p:tavLst>
+                                    </p:anim>
+                                    <p:anim calcmode="lin" valueType="num">
+                                      <p:cBhvr additive="base">
+                                        <p:cTn id="12" dur="500" fill="hold"/>
+                                        <p:tgtEl>
+                                          <p:spTgt spid="3">
+                                            <p:txEl>
+                                              <p:pRg st="1" end="1"/>
+                                            </p:txEl>
+                                          </p:spTgt>
+                                        </p:tgtEl>
+                                        <p:attrNameLst>
+                                          <p:attrName>ppt_y</p:attrName>
+                                        </p:attrNameLst>
+                                      </p:cBhvr>
+                                      <p:tavLst>
+                                        <p:tav tm="0">
+                                          <p:val>
+                                            <p:strVal val="1+#ppt_h/2"/>
+                                          </p:val>
+                                        </p:tav>
+                                        <p:tav tm="100000">
+                                          <p:val>
+                                            <p:strVal val="#ppt_y"/>
+                                          </p:val>
+                                        </p:tav>
+                                      </p:tavLst>
+                                    </p:anim>
+                                  </p:childTnLst>
+                                </p:cTn>
+                              </p:par>
+                              <p:par>
+                                <p:cTn id="13" presetID="2" presetClass="entr" presetSubtype="4" fill="hold" grpId="0" nodeType="withEffect">
+                                  <p:stCondLst>
+                                    <p:cond delay="0"/>
+                                  </p:stCondLst>
+                                  <p:childTnLst>
+                                    <p:set>
+                                      <p:cBhvr>
+                                        <p:cTn id="14" dur="1" fill="hold">
+                                          <p:stCondLst>
+                                            <p:cond delay="0"/>
+                                          </p:stCondLst>
+                                        </p:cTn>
+                                        <p:tgtEl>
+                                          <p:spTgt spid="3">
+                                            <p:txEl>
+                                              <p:pRg st="2" end="2"/>
+                                            </p:txEl>
+                                          </p:spTgt>
+                                        </p:tgtEl>
+                                        <p:attrNameLst>
+                                          <p:attrName>style.visibility</p:attrName>
+                                        </p:attrNameLst>
+                                      </p:cBhvr>
+                                      <p:to>
+                                        <p:strVal val="visible"/>
+                                      </p:to>
+                                    </p:set>
+                                    <p:anim calcmode="lin" valueType="num">
+                                      <p:cBhvr additive="base">
+                                        <p:cTn id="15" dur="500" fill="hold"/>
+                                        <p:tgtEl>
+                                          <p:spTgt spid="3">
+                                            <p:txEl>
+                                              <p:pRg st="2" end="2"/>
+                                            </p:txEl>
+                                          </p:spTgt>
+                                        </p:tgtEl>
+                                        <p:attrNameLst>
+                                          <p:attrName>ppt_x</p:attrName>
+                                        </p:attrNameLst>
+                                      </p:cBhvr>
+                                      <p:tavLst>
+                                        <p:tav tm="0">
+                                          <p:val>
+                                            <p:strVal val="#ppt_x"/>
+                                          </p:val>
+                                        </p:tav>
+                                        <p:tav tm="100000">
+                                          <p:val>
+                                            <p:strVal val="#ppt_x"/>
+                                          </p:val>
+                                        </p:tav>
+                                      </p:tavLst>
+                                    </p:anim>
+                                    <p:anim calcmode="lin" valueType="num">
+                                      <p:cBhvr additive="base">
+                                        <p:cTn id="16" dur="500" fill="hold"/>
+                                        <p:tgtEl>
+                                          <p:spTgt spid="3">
+                                            <p:txEl>
+                                              <p:pRg st="2" end="2"/>
+                                            </p:txEl>
+                                          </p:spTgt>
+                                        </p:tgtEl>
+                                        <p:attrNameLst>
+                                          <p:attrName>ppt_y</p:attrName>
+                                        </p:attrNameLst>
+                                      </p:cBhvr>
+                                      <p:tavLst>
+                                        <p:tav tm="0">
+                                          <p:val>
+                                            <p:strVal val="1+#ppt_h/2"/>
+                                          </p:val>
+                                        </p:tav>
+                                        <p:tav tm="100000">
+                                          <p:val>
+                                            <p:strVal val="#ppt_y"/>
+                                          </p:val>
+                                        </p:tav>
+                                      </p:tavLst>
+                                    </p:anim>
+                                  </p:childTnLst>
+                                </p:cTn>
+                              </p:par>
+                            </p:childTnLst>
+                          </p:cTn>
+                        </p:par>
+                      </p:childTnLst>
+                    </p:cTn>
+                  </p:par>
+                  <p:par>
+                    <p:cTn id="17" fill="hold">
+                      <p:stCondLst>
+                        <p:cond delay="indefinite"/>
+                      </p:stCondLst>
+                      <p:childTnLst>
+                        <p:par>
+                          <p:cTn id="18" fill="hold">
+                            <p:stCondLst>
+                              <p:cond delay="0"/>
+                            </p:stCondLst>
+                            <p:childTnLst>
+                              <p:par>
+                                <p:cTn id="19" presetID="2" presetClass="entr" presetSubtype="4" fill="hold" grpId="0" nodeType="clickEffect">
+                                  <p:stCondLst>
+                                    <p:cond delay="0"/>
+                                  </p:stCondLst>
+                                  <p:childTnLst>
+                                    <p:set>
+                                      <p:cBhvr>
+                                        <p:cTn id="20" dur="1" fill="hold">
+                                          <p:stCondLst>
+                                            <p:cond delay="0"/>
+                                          </p:stCondLst>
+                                        </p:cTn>
+                                        <p:tgtEl>
+                                          <p:spTgt spid="3">
+                                            <p:txEl>
+                                              <p:pRg st="3" end="3"/>
+                                            </p:txEl>
+                                          </p:spTgt>
+                                        </p:tgtEl>
+                                        <p:attrNameLst>
+                                          <p:attrName>style.visibility</p:attrName>
+                                        </p:attrNameLst>
+                                      </p:cBhvr>
+                                      <p:to>
+                                        <p:strVal val="visible"/>
+                                      </p:to>
+                                    </p:set>
+                                    <p:anim calcmode="lin" valueType="num">
+                                      <p:cBhvr additive="base">
+                                        <p:cTn id="21" dur="500" fill="hold"/>
+                                        <p:tgtEl>
+                                          <p:spTgt spid="3">
+                                            <p:txEl>
+                                              <p:pRg st="3" end="3"/>
+                                            </p:txEl>
+                                          </p:spTgt>
+                                        </p:tgtEl>
+                                        <p:attrNameLst>
+                                          <p:attrName>ppt_x</p:attrName>
+                                        </p:attrNameLst>
+                                      </p:cBhvr>
+                                      <p:tavLst>
+                                        <p:tav tm="0">
+                                          <p:val>
+                                            <p:strVal val="#ppt_x"/>
+                                          </p:val>
+                                        </p:tav>
+                                        <p:tav tm="100000">
+                                          <p:val>
+                                            <p:strVal val="#ppt_x"/>
+                                          </p:val>
+                                        </p:tav>
+                                      </p:tavLst>
+                                    </p:anim>
+                                    <p:anim calcmode="lin" valueType="num">
+                                      <p:cBhvr additive="base">
+                                        <p:cTn id="22" dur="500" fill="hold"/>
+                                        <p:tgtEl>
+                                          <p:spTgt spid="3">
+                                            <p:txEl>
+                                              <p:pRg st="3" end="3"/>
+                                            </p:txEl>
+                                          </p:spTgt>
+                                        </p:tgtEl>
+                                        <p:attrNameLst>
+                                          <p:attrName>ppt_y</p:attrName>
+                                        </p:attrNameLst>
+                                      </p:cBhvr>
+                                      <p:tavLst>
+                                        <p:tav tm="0">
+                                          <p:val>
+                                            <p:strVal val="1+#ppt_h/2"/>
+                                          </p:val>
+                                        </p:tav>
+                                        <p:tav tm="100000">
+                                          <p:val>
+                                            <p:strVal val="#ppt_y"/>
+                                          </p:val>
+                                        </p:tav>
+                                      </p:tavLst>
+                                    </p:anim>
+                                  </p:childTnLst>
+                                </p:cTn>
+                              </p:par>
+                              <p:par>
+                                <p:cTn id="23" presetID="2" presetClass="entr" presetSubtype="4" fill="hold" grpId="0" nodeType="withEffect">
+                                  <p:stCondLst>
+                                    <p:cond delay="0"/>
+                                  </p:stCondLst>
+                                  <p:childTnLst>
+                                    <p:set>
+                                      <p:cBhvr>
+                                        <p:cTn id="24" dur="1" fill="hold">
+                                          <p:stCondLst>
+                                            <p:cond delay="0"/>
+                                          </p:stCondLst>
+                                        </p:cTn>
+                                        <p:tgtEl>
+                                          <p:spTgt spid="3">
+                                            <p:txEl>
+                                              <p:pRg st="4" end="4"/>
+                                            </p:txEl>
+                                          </p:spTgt>
+                                        </p:tgtEl>
+                                        <p:attrNameLst>
+                                          <p:attrName>style.visibility</p:attrName>
+                                        </p:attrNameLst>
+                                      </p:cBhvr>
+                                      <p:to>
+                                        <p:strVal val="visible"/>
+                                      </p:to>
+                                    </p:set>
+                                    <p:anim calcmode="lin" valueType="num">
+                                      <p:cBhvr additive="base">
+                                        <p:cTn id="25" dur="500" fill="hold"/>
+                                        <p:tgtEl>
+                                          <p:spTgt spid="3">
+                                            <p:txEl>
+                                              <p:pRg st="4" end="4"/>
+                                            </p:txEl>
+                                          </p:spTgt>
+                                        </p:tgtEl>
+                                        <p:attrNameLst>
+                                          <p:attrName>ppt_x</p:attrName>
+                                        </p:attrNameLst>
+                                      </p:cBhvr>
+                                      <p:tavLst>
+                                        <p:tav tm="0">
+                                          <p:val>
+                                            <p:strVal val="#ppt_x"/>
+                                          </p:val>
+                                        </p:tav>
+                                        <p:tav tm="100000">
+                                          <p:val>
+                                            <p:strVal val="#ppt_x"/>
+                                          </p:val>
+                                        </p:tav>
+                                      </p:tavLst>
+                                    </p:anim>
+                                    <p:anim calcmode="lin" valueType="num">
+                                      <p:cBhvr additive="base">
+                                        <p:cTn id="26" dur="500" fill="hold"/>
+                                        <p:tgtEl>
+                                          <p:spTgt spid="3">
+                                            <p:txEl>
+                                              <p:pRg st="4" end="4"/>
+                                            </p:txEl>
+                                          </p:spTgt>
+                                        </p:tgtEl>
+                                        <p:attrNameLst>
+                                          <p:attrName>ppt_y</p:attrName>
+                                        </p:attrNameLst>
+                                      </p:cBhvr>
+                                      <p:tavLst>
+                                        <p:tav tm="0">
+                                          <p:val>
+                                            <p:strVal val="1+#ppt_h/2"/>
+                                          </p:val>
+                                        </p:tav>
+                                        <p:tav tm="100000">
+                                          <p:val>
+                                            <p:strVal val="#ppt_y"/>
+                                          </p:val>
+                                        </p:tav>
+                                      </p:tavLst>
+                                    </p:anim>
+                                  </p:childTnLst>
+                                </p:cTn>
+                              </p:par>
+                              <p:par>
+                                <p:cTn id="27" presetID="2" presetClass="entr" presetSubtype="4" fill="hold" grpId="0" nodeType="withEffect">
+                                  <p:stCondLst>
+                                    <p:cond delay="0"/>
+                                  </p:stCondLst>
+                                  <p:childTnLst>
+                                    <p:set>
+                                      <p:cBhvr>
+                                        <p:cTn id="28" dur="1" fill="hold">
+                                          <p:stCondLst>
+                                            <p:cond delay="0"/>
+                                          </p:stCondLst>
+                                        </p:cTn>
+                                        <p:tgtEl>
+                                          <p:spTgt spid="3">
+                                            <p:txEl>
+                                              <p:pRg st="5" end="5"/>
+                                            </p:txEl>
+                                          </p:spTgt>
+                                        </p:tgtEl>
+                                        <p:attrNameLst>
+                                          <p:attrName>style.visibility</p:attrName>
+                                        </p:attrNameLst>
+                                      </p:cBhvr>
+                                      <p:to>
+                                        <p:strVal val="visible"/>
+                                      </p:to>
+                                    </p:set>
+                                    <p:anim calcmode="lin" valueType="num">
+                                      <p:cBhvr additive="base">
+                                        <p:cTn id="29" dur="500" fill="hold"/>
+                                        <p:tgtEl>
+                                          <p:spTgt spid="3">
+                                            <p:txEl>
+                                              <p:pRg st="5" end="5"/>
+                                            </p:txEl>
+                                          </p:spTgt>
+                                        </p:tgtEl>
+                                        <p:attrNameLst>
+                                          <p:attrName>ppt_x</p:attrName>
+                                        </p:attrNameLst>
+                                      </p:cBhvr>
+                                      <p:tavLst>
+                                        <p:tav tm="0">
+                                          <p:val>
+                                            <p:strVal val="#ppt_x"/>
+                                          </p:val>
+                                        </p:tav>
+                                        <p:tav tm="100000">
+                                          <p:val>
+                                            <p:strVal val="#ppt_x"/>
+                                          </p:val>
+                                        </p:tav>
+                                      </p:tavLst>
+                                    </p:anim>
+                                    <p:anim calcmode="lin" valueType="num">
+                                      <p:cBhvr additive="base">
+                                        <p:cTn id="30" dur="500" fill="hold"/>
+                                        <p:tgtEl>
+                                          <p:spTgt spid="3">
+                                            <p:txEl>
+                                              <p:pRg st="5" end="5"/>
+                                            </p:txEl>
+                                          </p:spTgt>
+                                        </p:tgtEl>
+                                        <p:attrNameLst>
+                                          <p:attrName>ppt_y</p:attrName>
+                                        </p:attrNameLst>
+                                      </p:cBhvr>
+                                      <p:tavLst>
+                                        <p:tav tm="0">
+                                          <p:val>
+                                            <p:strVal val="1+#ppt_h/2"/>
+                                          </p:val>
+                                        </p:tav>
+                                        <p:tav tm="100000">
+                                          <p:val>
+                                            <p:strVal val="#ppt_y"/>
+                                          </p:val>
+                                        </p:tav>
+                                      </p:tavLst>
+                                    </p:anim>
+                                  </p:childTnLst>
+                                </p:cTn>
+                              </p:par>
+                              <p:par>
+                                <p:cTn id="31" presetID="2" presetClass="entr" presetSubtype="4" fill="hold" grpId="0" nodeType="withEffect">
+                                  <p:stCondLst>
+                                    <p:cond delay="0"/>
+                                  </p:stCondLst>
+                                  <p:childTnLst>
+                                    <p:set>
+                                      <p:cBhvr>
+                                        <p:cTn id="32" dur="1" fill="hold">
+                                          <p:stCondLst>
+                                            <p:cond delay="0"/>
+                                          </p:stCondLst>
+                                        </p:cTn>
+                                        <p:tgtEl>
+                                          <p:spTgt spid="3">
+                                            <p:txEl>
+                                              <p:pRg st="6" end="6"/>
+                                            </p:txEl>
+                                          </p:spTgt>
+                                        </p:tgtEl>
+                                        <p:attrNameLst>
+                                          <p:attrName>style.visibility</p:attrName>
+                                        </p:attrNameLst>
+                                      </p:cBhvr>
+                                      <p:to>
+                                        <p:strVal val="visible"/>
+                                      </p:to>
+                                    </p:set>
+                                    <p:anim calcmode="lin" valueType="num">
+                                      <p:cBhvr additive="base">
+                                        <p:cTn id="33" dur="500" fill="hold"/>
+                                        <p:tgtEl>
+                                          <p:spTgt spid="3">
+                                            <p:txEl>
+                                              <p:pRg st="6" end="6"/>
+                                            </p:txEl>
+                                          </p:spTgt>
+                                        </p:tgtEl>
+                                        <p:attrNameLst>
+                                          <p:attrName>ppt_x</p:attrName>
+                                        </p:attrNameLst>
+                                      </p:cBhvr>
+                                      <p:tavLst>
+                                        <p:tav tm="0">
+                                          <p:val>
+                                            <p:strVal val="#ppt_x"/>
+                                          </p:val>
+                                        </p:tav>
+                                        <p:tav tm="100000">
+                                          <p:val>
+                                            <p:strVal val="#ppt_x"/>
+                                          </p:val>
+                                        </p:tav>
+                                      </p:tavLst>
+                                    </p:anim>
+                                    <p:anim calcmode="lin" valueType="num">
+                                      <p:cBhvr additive="base">
+                                        <p:cTn id="34" dur="500" fill="hold"/>
+                                        <p:tgtEl>
+                                          <p:spTgt spid="3">
+                                            <p:txEl>
+                                              <p:pRg st="6" end="6"/>
+                                            </p:txEl>
+                                          </p:spTgt>
+                                        </p:tgtEl>
+                                        <p:attrNameLst>
+                                          <p:attrName>ppt_y</p:attrName>
+                                        </p:attrNameLst>
+                                      </p:cBhvr>
+                                      <p:tavLst>
+                                        <p:tav tm="0">
+                                          <p:val>
+                                            <p:strVal val="1+#ppt_h/2"/>
+                                          </p:val>
+                                        </p:tav>
+                                        <p:tav tm="100000">
+                                          <p:val>
+                                            <p:strVal val="#ppt_y"/>
+                                          </p:val>
+                                        </p:tav>
+                                      </p:tavLst>
+                                    </p:anim>
+                                  </p:childTnLst>
+                                </p:cTn>
+                              </p:par>
+                            </p:childTnLst>
+                          </p:cTn>
+                        </p:par>
+                      </p:childTnLst>
+                    </p:cTn>
+                  </p:par>
+                  <p:par>
+                    <p:cTn id="35" fill="hold">
+                      <p:stCondLst>
+                        <p:cond delay="indefinite"/>
+                      </p:stCondLst>
+                      <p:childTnLst>
+                        <p:par>
+                          <p:cTn id="36" fill="hold">
+                            <p:stCondLst>
+                              <p:cond delay="0"/>
+                            </p:stCondLst>
+                            <p:childTnLst>
+                              <p:par>
+                                <p:cTn id="37" presetID="2" presetClass="entr" presetSubtype="4" fill="hold" grpId="0" nodeType="clickEffect">
+                                  <p:stCondLst>
+                                    <p:cond delay="0"/>
+                                  </p:stCondLst>
+                                  <p:childTnLst>
+                                    <p:set>
+                                      <p:cBhvr>
+                                        <p:cTn id="38" dur="1" fill="hold">
+                                          <p:stCondLst>
+                                            <p:cond delay="0"/>
+                                          </p:stCondLst>
+                                        </p:cTn>
+                                        <p:tgtEl>
+                                          <p:spTgt spid="3">
+                                            <p:txEl>
+                                              <p:pRg st="7" end="7"/>
+                                            </p:txEl>
+                                          </p:spTgt>
+                                        </p:tgtEl>
+                                        <p:attrNameLst>
+                                          <p:attrName>style.visibility</p:attrName>
+                                        </p:attrNameLst>
+                                      </p:cBhvr>
+                                      <p:to>
+                                        <p:strVal val="visible"/>
+                                      </p:to>
+                                    </p:set>
+                                    <p:anim calcmode="lin" valueType="num">
+                                      <p:cBhvr additive="base">
+                                        <p:cTn id="39" dur="500" fill="hold"/>
+                                        <p:tgtEl>
+                                          <p:spTgt spid="3">
+                                            <p:txEl>
+                                              <p:pRg st="7" end="7"/>
+                                            </p:txEl>
+                                          </p:spTgt>
+                                        </p:tgtEl>
+                                        <p:attrNameLst>
+                                          <p:attrName>ppt_x</p:attrName>
+                                        </p:attrNameLst>
+                                      </p:cBhvr>
+                                      <p:tavLst>
+                                        <p:tav tm="0">
+                                          <p:val>
+                                            <p:strVal val="#ppt_x"/>
+                                          </p:val>
+                                        </p:tav>
+                                        <p:tav tm="100000">
+                                          <p:val>
+                                            <p:strVal val="#ppt_x"/>
+                                          </p:val>
+                                        </p:tav>
+                                      </p:tavLst>
+                                    </p:anim>
+                                    <p:anim calcmode="lin" valueType="num">
+                                      <p:cBhvr additive="base">
+                                        <p:cTn id="40" dur="500" fill="hold"/>
+                                        <p:tgtEl>
+                                          <p:spTgt spid="3">
+                                            <p:txEl>
+                                              <p:pRg st="7" end="7"/>
+                                            </p:txEl>
+                                          </p:spTgt>
+                                        </p:tgtEl>
+                                        <p:attrNameLst>
+                                          <p:attrName>ppt_y</p:attrName>
+                                        </p:attrNameLst>
+                                      </p:cBhvr>
+                                      <p:tavLst>
+                                        <p:tav tm="0">
+                                          <p:val>
+                                            <p:strVal val="1+#ppt_h/2"/>
+                                          </p:val>
+                                        </p:tav>
+                                        <p:tav tm="100000">
+                                          <p:val>
+                                            <p:strVal val="#ppt_y"/>
+                                          </p:val>
+                                        </p:tav>
+                                      </p:tavLst>
+                                    </p:anim>
+                                  </p:childTnLst>
+                                </p:cTn>
+                              </p:par>
+                              <p:par>
+                                <p:cTn id="41" presetID="2" presetClass="entr" presetSubtype="4" fill="hold" grpId="0" nodeType="withEffect">
+                                  <p:stCondLst>
+                                    <p:cond delay="0"/>
+                                  </p:stCondLst>
+                                  <p:childTnLst>
+                                    <p:set>
+                                      <p:cBhvr>
+                                        <p:cTn id="42" dur="1" fill="hold">
+                                          <p:stCondLst>
+                                            <p:cond delay="0"/>
+                                          </p:stCondLst>
+                                        </p:cTn>
+                                        <p:tgtEl>
+                                          <p:spTgt spid="3">
+                                            <p:txEl>
+                                              <p:pRg st="8" end="8"/>
+                                            </p:txEl>
+                                          </p:spTgt>
+                                        </p:tgtEl>
+                                        <p:attrNameLst>
+                                          <p:attrName>style.visibility</p:attrName>
+                                        </p:attrNameLst>
+                                      </p:cBhvr>
+                                      <p:to>
+                                        <p:strVal val="visible"/>
+                                      </p:to>
+                                    </p:set>
+                                    <p:anim calcmode="lin" valueType="num">
+                                      <p:cBhvr additive="base">
+                                        <p:cTn id="43" dur="500" fill="hold"/>
+                                        <p:tgtEl>
+                                          <p:spTgt spid="3">
+                                            <p:txEl>
+                                              <p:pRg st="8" end="8"/>
+                                            </p:txEl>
+                                          </p:spTgt>
+                                        </p:tgtEl>
+                                        <p:attrNameLst>
+                                          <p:attrName>ppt_x</p:attrName>
+                                        </p:attrNameLst>
+                                      </p:cBhvr>
+                                      <p:tavLst>
+                                        <p:tav tm="0">
+                                          <p:val>
+                                            <p:strVal val="#ppt_x"/>
+                                          </p:val>
+                                        </p:tav>
+                                        <p:tav tm="100000">
+                                          <p:val>
+                                            <p:strVal val="#ppt_x"/>
+                                          </p:val>
+                                        </p:tav>
+                                      </p:tavLst>
+                                    </p:anim>
+                                    <p:anim calcmode="lin" valueType="num">
+                                      <p:cBhvr additive="base">
+                                        <p:cTn id="44" dur="500" fill="hold"/>
+                                        <p:tgtEl>
+                                          <p:spTgt spid="3">
+                                            <p:txEl>
+                                              <p:pRg st="8" end="8"/>
+                                            </p:txEl>
+                                          </p:spTgt>
+                                        </p:tgtEl>
+                                        <p:attrNameLst>
+                                          <p:attrName>ppt_y</p:attrName>
+                                        </p:attrNameLst>
+                                      </p:cBhvr>
+                                      <p:tavLst>
+                                        <p:tav tm="0">
+                                          <p:val>
+                                            <p:strVal val="1+#ppt_h/2"/>
+                                          </p:val>
+                                        </p:tav>
+                                        <p:tav tm="100000">
+                                          <p:val>
+                                            <p:strVal val="#ppt_y"/>
+                                          </p:val>
+                                        </p:tav>
+                                      </p:tavLst>
+                                    </p:anim>
+                                  </p:childTnLst>
+                                </p:cTn>
+                              </p:par>
+                            </p:childTnLst>
+                          </p:cTn>
+                        </p:par>
+                      </p:childTnLst>
+                    </p:cTn>
+                  </p:par>
+                </p:childTnLst>
+              </p:cTn>
+              <p:prevCondLst>
+                <p:cond evt="onPrev" delay="0">
+                  <p:tgtEl>
+                    <p:sldTgt/>
+                  </p:tgtEl>
+                </p:cond>
+              </p:prevCondLst>
+              <p:nextCondLst>
+                <p:cond evt="onNext" delay="0">
+                  <p:tgtEl>
+                    <p:sldTgt/>
+                  </p:tgtEl>
+                </p:cond>
+              </p:nextCondLst>
+            </p:seq>
+          </p:childTnLst>
+        </p:cTn>
+      </p:par>
+    </p:tnLst>
+    <p:bldLst>
+      <p:bldP spid="3" grpId="0" build="p"/>
+    </p:bldLst>
+  </p:timing>
 </p:sld>
 </file>
 
-<file path=ppt/slides/slide23.xml><?xml version="1.0" encoding="utf-8"?>
+<file path=ppt/slides/slide22.xml><?xml version="1.0" encoding="utf-8"?>
 <p:sld xmlns:a="http://schemas.openxmlformats.org/drawingml/2006/main" xmlns:r="http://schemas.openxmlformats.org/officeDocument/2006/relationships" xmlns:p="http://schemas.openxmlformats.org/presentationml/2006/main">
   <p:cSld>
     <p:spTree>
@@ -28887,7 +33902,15 @@
                 <a:pPr lvl="1"/>
                 <a:r>
                   <a:rPr kumimoji="1" lang="zh-CN" altLang="en-US" dirty="0" smtClean="0"/>
-                  <a:t>对页表地址采样置位</a:t>
+                  <a:t>对</a:t>
+                </a:r>
+                <a:r>
+                  <a:rPr kumimoji="1" lang="zh-CN" altLang="en-US" dirty="0" smtClean="0"/>
+                  <a:t>页表项地址</a:t>
+                </a:r>
+                <a:r>
+                  <a:rPr kumimoji="1" lang="zh-CN" altLang="en-US" dirty="0" smtClean="0"/>
+                  <a:t>采样置位</a:t>
                 </a:r>
               </a:p>
               <a:p>
@@ -28954,7 +33977,7 @@
                       <m:fPr>
                         <m:ctrlPr>
                           <a:rPr kumimoji="1" lang="en-US" altLang="zh-CN" i="1" smtClean="0">
-                            <a:latin typeface="Cambria Math" charset="0"/>
+                            <a:latin typeface="Cambria Math" panose="02040503050406030204" pitchFamily="18" charset="0"/>
                           </a:rPr>
                         </m:ctrlPr>
                       </m:fPr>
@@ -29024,7 +34047,7 @@
               </p:nvPr>
             </p:nvSpPr>
             <p:spPr>
-              <a:blipFill rotWithShape="0">
+              <a:blipFill>
                 <a:blip r:embed="rId2"/>
                 <a:stretch>
                   <a:fillRect t="-889"/>
@@ -29085,7 +34108,7 @@
                 <a:cs typeface="Times New Roman"/>
                 <a:sym typeface="Times New Roman"/>
               </a:rPr>
-              <a:t>23</a:t>
+              <a:t>22</a:t>
             </a:fld>
             <a:endParaRPr lang="en-US" sz="1200" b="0">
               <a:solidFill>
@@ -29109,10 +34132,674 @@
   <p:clrMapOvr>
     <a:masterClrMapping/>
   </p:clrMapOvr>
+  <p:timing>
+    <p:tnLst>
+      <p:par>
+        <p:cTn id="1" dur="indefinite" restart="never" nodeType="tmRoot">
+          <p:childTnLst>
+            <p:seq concurrent="1" nextAc="seek">
+              <p:cTn id="2" dur="indefinite" nodeType="mainSeq">
+                <p:childTnLst>
+                  <p:par>
+                    <p:cTn id="3" fill="hold">
+                      <p:stCondLst>
+                        <p:cond delay="indefinite"/>
+                      </p:stCondLst>
+                      <p:childTnLst>
+                        <p:par>
+                          <p:cTn id="4" fill="hold">
+                            <p:stCondLst>
+                              <p:cond delay="0"/>
+                            </p:stCondLst>
+                            <p:childTnLst>
+                              <p:par>
+                                <p:cTn id="5" presetID="2" presetClass="entr" presetSubtype="4" fill="hold" grpId="0" nodeType="clickEffect">
+                                  <p:stCondLst>
+                                    <p:cond delay="0"/>
+                                  </p:stCondLst>
+                                  <p:childTnLst>
+                                    <p:set>
+                                      <p:cBhvr>
+                                        <p:cTn id="6" dur="1" fill="hold">
+                                          <p:stCondLst>
+                                            <p:cond delay="0"/>
+                                          </p:stCondLst>
+                                        </p:cTn>
+                                        <p:tgtEl>
+                                          <p:spTgt spid="3">
+                                            <p:txEl>
+                                              <p:pRg st="0" end="0"/>
+                                            </p:txEl>
+                                          </p:spTgt>
+                                        </p:tgtEl>
+                                        <p:attrNameLst>
+                                          <p:attrName>style.visibility</p:attrName>
+                                        </p:attrNameLst>
+                                      </p:cBhvr>
+                                      <p:to>
+                                        <p:strVal val="visible"/>
+                                      </p:to>
+                                    </p:set>
+                                    <p:anim calcmode="lin" valueType="num">
+                                      <p:cBhvr additive="base">
+                                        <p:cTn id="7" dur="500" fill="hold"/>
+                                        <p:tgtEl>
+                                          <p:spTgt spid="3">
+                                            <p:txEl>
+                                              <p:pRg st="0" end="0"/>
+                                            </p:txEl>
+                                          </p:spTgt>
+                                        </p:tgtEl>
+                                        <p:attrNameLst>
+                                          <p:attrName>ppt_x</p:attrName>
+                                        </p:attrNameLst>
+                                      </p:cBhvr>
+                                      <p:tavLst>
+                                        <p:tav tm="0">
+                                          <p:val>
+                                            <p:strVal val="#ppt_x"/>
+                                          </p:val>
+                                        </p:tav>
+                                        <p:tav tm="100000">
+                                          <p:val>
+                                            <p:strVal val="#ppt_x"/>
+                                          </p:val>
+                                        </p:tav>
+                                      </p:tavLst>
+                                    </p:anim>
+                                    <p:anim calcmode="lin" valueType="num">
+                                      <p:cBhvr additive="base">
+                                        <p:cTn id="8" dur="500" fill="hold"/>
+                                        <p:tgtEl>
+                                          <p:spTgt spid="3">
+                                            <p:txEl>
+                                              <p:pRg st="0" end="0"/>
+                                            </p:txEl>
+                                          </p:spTgt>
+                                        </p:tgtEl>
+                                        <p:attrNameLst>
+                                          <p:attrName>ppt_y</p:attrName>
+                                        </p:attrNameLst>
+                                      </p:cBhvr>
+                                      <p:tavLst>
+                                        <p:tav tm="0">
+                                          <p:val>
+                                            <p:strVal val="1+#ppt_h/2"/>
+                                          </p:val>
+                                        </p:tav>
+                                        <p:tav tm="100000">
+                                          <p:val>
+                                            <p:strVal val="#ppt_y"/>
+                                          </p:val>
+                                        </p:tav>
+                                      </p:tavLst>
+                                    </p:anim>
+                                  </p:childTnLst>
+                                </p:cTn>
+                              </p:par>
+                              <p:par>
+                                <p:cTn id="9" presetID="2" presetClass="entr" presetSubtype="4" fill="hold" grpId="0" nodeType="withEffect">
+                                  <p:stCondLst>
+                                    <p:cond delay="0"/>
+                                  </p:stCondLst>
+                                  <p:childTnLst>
+                                    <p:set>
+                                      <p:cBhvr>
+                                        <p:cTn id="10" dur="1" fill="hold">
+                                          <p:stCondLst>
+                                            <p:cond delay="0"/>
+                                          </p:stCondLst>
+                                        </p:cTn>
+                                        <p:tgtEl>
+                                          <p:spTgt spid="3">
+                                            <p:txEl>
+                                              <p:pRg st="1" end="1"/>
+                                            </p:txEl>
+                                          </p:spTgt>
+                                        </p:tgtEl>
+                                        <p:attrNameLst>
+                                          <p:attrName>style.visibility</p:attrName>
+                                        </p:attrNameLst>
+                                      </p:cBhvr>
+                                      <p:to>
+                                        <p:strVal val="visible"/>
+                                      </p:to>
+                                    </p:set>
+                                    <p:anim calcmode="lin" valueType="num">
+                                      <p:cBhvr additive="base">
+                                        <p:cTn id="11" dur="500" fill="hold"/>
+                                        <p:tgtEl>
+                                          <p:spTgt spid="3">
+                                            <p:txEl>
+                                              <p:pRg st="1" end="1"/>
+                                            </p:txEl>
+                                          </p:spTgt>
+                                        </p:tgtEl>
+                                        <p:attrNameLst>
+                                          <p:attrName>ppt_x</p:attrName>
+                                        </p:attrNameLst>
+                                      </p:cBhvr>
+                                      <p:tavLst>
+                                        <p:tav tm="0">
+                                          <p:val>
+                                            <p:strVal val="#ppt_x"/>
+                                          </p:val>
+                                        </p:tav>
+                                        <p:tav tm="100000">
+                                          <p:val>
+                                            <p:strVal val="#ppt_x"/>
+                                          </p:val>
+                                        </p:tav>
+                                      </p:tavLst>
+                                    </p:anim>
+                                    <p:anim calcmode="lin" valueType="num">
+                                      <p:cBhvr additive="base">
+                                        <p:cTn id="12" dur="500" fill="hold"/>
+                                        <p:tgtEl>
+                                          <p:spTgt spid="3">
+                                            <p:txEl>
+                                              <p:pRg st="1" end="1"/>
+                                            </p:txEl>
+                                          </p:spTgt>
+                                        </p:tgtEl>
+                                        <p:attrNameLst>
+                                          <p:attrName>ppt_y</p:attrName>
+                                        </p:attrNameLst>
+                                      </p:cBhvr>
+                                      <p:tavLst>
+                                        <p:tav tm="0">
+                                          <p:val>
+                                            <p:strVal val="1+#ppt_h/2"/>
+                                          </p:val>
+                                        </p:tav>
+                                        <p:tav tm="100000">
+                                          <p:val>
+                                            <p:strVal val="#ppt_y"/>
+                                          </p:val>
+                                        </p:tav>
+                                      </p:tavLst>
+                                    </p:anim>
+                                  </p:childTnLst>
+                                </p:cTn>
+                              </p:par>
+                              <p:par>
+                                <p:cTn id="13" presetID="2" presetClass="entr" presetSubtype="4" fill="hold" grpId="0" nodeType="withEffect">
+                                  <p:stCondLst>
+                                    <p:cond delay="0"/>
+                                  </p:stCondLst>
+                                  <p:childTnLst>
+                                    <p:set>
+                                      <p:cBhvr>
+                                        <p:cTn id="14" dur="1" fill="hold">
+                                          <p:stCondLst>
+                                            <p:cond delay="0"/>
+                                          </p:stCondLst>
+                                        </p:cTn>
+                                        <p:tgtEl>
+                                          <p:spTgt spid="3">
+                                            <p:txEl>
+                                              <p:pRg st="2" end="2"/>
+                                            </p:txEl>
+                                          </p:spTgt>
+                                        </p:tgtEl>
+                                        <p:attrNameLst>
+                                          <p:attrName>style.visibility</p:attrName>
+                                        </p:attrNameLst>
+                                      </p:cBhvr>
+                                      <p:to>
+                                        <p:strVal val="visible"/>
+                                      </p:to>
+                                    </p:set>
+                                    <p:anim calcmode="lin" valueType="num">
+                                      <p:cBhvr additive="base">
+                                        <p:cTn id="15" dur="500" fill="hold"/>
+                                        <p:tgtEl>
+                                          <p:spTgt spid="3">
+                                            <p:txEl>
+                                              <p:pRg st="2" end="2"/>
+                                            </p:txEl>
+                                          </p:spTgt>
+                                        </p:tgtEl>
+                                        <p:attrNameLst>
+                                          <p:attrName>ppt_x</p:attrName>
+                                        </p:attrNameLst>
+                                      </p:cBhvr>
+                                      <p:tavLst>
+                                        <p:tav tm="0">
+                                          <p:val>
+                                            <p:strVal val="#ppt_x"/>
+                                          </p:val>
+                                        </p:tav>
+                                        <p:tav tm="100000">
+                                          <p:val>
+                                            <p:strVal val="#ppt_x"/>
+                                          </p:val>
+                                        </p:tav>
+                                      </p:tavLst>
+                                    </p:anim>
+                                    <p:anim calcmode="lin" valueType="num">
+                                      <p:cBhvr additive="base">
+                                        <p:cTn id="16" dur="500" fill="hold"/>
+                                        <p:tgtEl>
+                                          <p:spTgt spid="3">
+                                            <p:txEl>
+                                              <p:pRg st="2" end="2"/>
+                                            </p:txEl>
+                                          </p:spTgt>
+                                        </p:tgtEl>
+                                        <p:attrNameLst>
+                                          <p:attrName>ppt_y</p:attrName>
+                                        </p:attrNameLst>
+                                      </p:cBhvr>
+                                      <p:tavLst>
+                                        <p:tav tm="0">
+                                          <p:val>
+                                            <p:strVal val="1+#ppt_h/2"/>
+                                          </p:val>
+                                        </p:tav>
+                                        <p:tav tm="100000">
+                                          <p:val>
+                                            <p:strVal val="#ppt_y"/>
+                                          </p:val>
+                                        </p:tav>
+                                      </p:tavLst>
+                                    </p:anim>
+                                  </p:childTnLst>
+                                </p:cTn>
+                              </p:par>
+                              <p:par>
+                                <p:cTn id="17" presetID="2" presetClass="entr" presetSubtype="4" fill="hold" grpId="0" nodeType="withEffect">
+                                  <p:stCondLst>
+                                    <p:cond delay="0"/>
+                                  </p:stCondLst>
+                                  <p:childTnLst>
+                                    <p:set>
+                                      <p:cBhvr>
+                                        <p:cTn id="18" dur="1" fill="hold">
+                                          <p:stCondLst>
+                                            <p:cond delay="0"/>
+                                          </p:stCondLst>
+                                        </p:cTn>
+                                        <p:tgtEl>
+                                          <p:spTgt spid="3">
+                                            <p:txEl>
+                                              <p:pRg st="3" end="3"/>
+                                            </p:txEl>
+                                          </p:spTgt>
+                                        </p:tgtEl>
+                                        <p:attrNameLst>
+                                          <p:attrName>style.visibility</p:attrName>
+                                        </p:attrNameLst>
+                                      </p:cBhvr>
+                                      <p:to>
+                                        <p:strVal val="visible"/>
+                                      </p:to>
+                                    </p:set>
+                                    <p:anim calcmode="lin" valueType="num">
+                                      <p:cBhvr additive="base">
+                                        <p:cTn id="19" dur="500" fill="hold"/>
+                                        <p:tgtEl>
+                                          <p:spTgt spid="3">
+                                            <p:txEl>
+                                              <p:pRg st="3" end="3"/>
+                                            </p:txEl>
+                                          </p:spTgt>
+                                        </p:tgtEl>
+                                        <p:attrNameLst>
+                                          <p:attrName>ppt_x</p:attrName>
+                                        </p:attrNameLst>
+                                      </p:cBhvr>
+                                      <p:tavLst>
+                                        <p:tav tm="0">
+                                          <p:val>
+                                            <p:strVal val="#ppt_x"/>
+                                          </p:val>
+                                        </p:tav>
+                                        <p:tav tm="100000">
+                                          <p:val>
+                                            <p:strVal val="#ppt_x"/>
+                                          </p:val>
+                                        </p:tav>
+                                      </p:tavLst>
+                                    </p:anim>
+                                    <p:anim calcmode="lin" valueType="num">
+                                      <p:cBhvr additive="base">
+                                        <p:cTn id="20" dur="500" fill="hold"/>
+                                        <p:tgtEl>
+                                          <p:spTgt spid="3">
+                                            <p:txEl>
+                                              <p:pRg st="3" end="3"/>
+                                            </p:txEl>
+                                          </p:spTgt>
+                                        </p:tgtEl>
+                                        <p:attrNameLst>
+                                          <p:attrName>ppt_y</p:attrName>
+                                        </p:attrNameLst>
+                                      </p:cBhvr>
+                                      <p:tavLst>
+                                        <p:tav tm="0">
+                                          <p:val>
+                                            <p:strVal val="1+#ppt_h/2"/>
+                                          </p:val>
+                                        </p:tav>
+                                        <p:tav tm="100000">
+                                          <p:val>
+                                            <p:strVal val="#ppt_y"/>
+                                          </p:val>
+                                        </p:tav>
+                                      </p:tavLst>
+                                    </p:anim>
+                                  </p:childTnLst>
+                                </p:cTn>
+                              </p:par>
+                            </p:childTnLst>
+                          </p:cTn>
+                        </p:par>
+                      </p:childTnLst>
+                    </p:cTn>
+                  </p:par>
+                  <p:par>
+                    <p:cTn id="21" fill="hold">
+                      <p:stCondLst>
+                        <p:cond delay="indefinite"/>
+                      </p:stCondLst>
+                      <p:childTnLst>
+                        <p:par>
+                          <p:cTn id="22" fill="hold">
+                            <p:stCondLst>
+                              <p:cond delay="0"/>
+                            </p:stCondLst>
+                            <p:childTnLst>
+                              <p:par>
+                                <p:cTn id="23" presetID="2" presetClass="entr" presetSubtype="4" fill="hold" grpId="0" nodeType="clickEffect">
+                                  <p:stCondLst>
+                                    <p:cond delay="0"/>
+                                  </p:stCondLst>
+                                  <p:childTnLst>
+                                    <p:set>
+                                      <p:cBhvr>
+                                        <p:cTn id="24" dur="1" fill="hold">
+                                          <p:stCondLst>
+                                            <p:cond delay="0"/>
+                                          </p:stCondLst>
+                                        </p:cTn>
+                                        <p:tgtEl>
+                                          <p:spTgt spid="3">
+                                            <p:txEl>
+                                              <p:pRg st="4" end="4"/>
+                                            </p:txEl>
+                                          </p:spTgt>
+                                        </p:tgtEl>
+                                        <p:attrNameLst>
+                                          <p:attrName>style.visibility</p:attrName>
+                                        </p:attrNameLst>
+                                      </p:cBhvr>
+                                      <p:to>
+                                        <p:strVal val="visible"/>
+                                      </p:to>
+                                    </p:set>
+                                    <p:anim calcmode="lin" valueType="num">
+                                      <p:cBhvr additive="base">
+                                        <p:cTn id="25" dur="500" fill="hold"/>
+                                        <p:tgtEl>
+                                          <p:spTgt spid="3">
+                                            <p:txEl>
+                                              <p:pRg st="4" end="4"/>
+                                            </p:txEl>
+                                          </p:spTgt>
+                                        </p:tgtEl>
+                                        <p:attrNameLst>
+                                          <p:attrName>ppt_x</p:attrName>
+                                        </p:attrNameLst>
+                                      </p:cBhvr>
+                                      <p:tavLst>
+                                        <p:tav tm="0">
+                                          <p:val>
+                                            <p:strVal val="#ppt_x"/>
+                                          </p:val>
+                                        </p:tav>
+                                        <p:tav tm="100000">
+                                          <p:val>
+                                            <p:strVal val="#ppt_x"/>
+                                          </p:val>
+                                        </p:tav>
+                                      </p:tavLst>
+                                    </p:anim>
+                                    <p:anim calcmode="lin" valueType="num">
+                                      <p:cBhvr additive="base">
+                                        <p:cTn id="26" dur="500" fill="hold"/>
+                                        <p:tgtEl>
+                                          <p:spTgt spid="3">
+                                            <p:txEl>
+                                              <p:pRg st="4" end="4"/>
+                                            </p:txEl>
+                                          </p:spTgt>
+                                        </p:tgtEl>
+                                        <p:attrNameLst>
+                                          <p:attrName>ppt_y</p:attrName>
+                                        </p:attrNameLst>
+                                      </p:cBhvr>
+                                      <p:tavLst>
+                                        <p:tav tm="0">
+                                          <p:val>
+                                            <p:strVal val="1+#ppt_h/2"/>
+                                          </p:val>
+                                        </p:tav>
+                                        <p:tav tm="100000">
+                                          <p:val>
+                                            <p:strVal val="#ppt_y"/>
+                                          </p:val>
+                                        </p:tav>
+                                      </p:tavLst>
+                                    </p:anim>
+                                  </p:childTnLst>
+                                </p:cTn>
+                              </p:par>
+                              <p:par>
+                                <p:cTn id="27" presetID="2" presetClass="entr" presetSubtype="4" fill="hold" grpId="0" nodeType="withEffect">
+                                  <p:stCondLst>
+                                    <p:cond delay="0"/>
+                                  </p:stCondLst>
+                                  <p:childTnLst>
+                                    <p:set>
+                                      <p:cBhvr>
+                                        <p:cTn id="28" dur="1" fill="hold">
+                                          <p:stCondLst>
+                                            <p:cond delay="0"/>
+                                          </p:stCondLst>
+                                        </p:cTn>
+                                        <p:tgtEl>
+                                          <p:spTgt spid="3">
+                                            <p:txEl>
+                                              <p:pRg st="5" end="5"/>
+                                            </p:txEl>
+                                          </p:spTgt>
+                                        </p:tgtEl>
+                                        <p:attrNameLst>
+                                          <p:attrName>style.visibility</p:attrName>
+                                        </p:attrNameLst>
+                                      </p:cBhvr>
+                                      <p:to>
+                                        <p:strVal val="visible"/>
+                                      </p:to>
+                                    </p:set>
+                                    <p:anim calcmode="lin" valueType="num">
+                                      <p:cBhvr additive="base">
+                                        <p:cTn id="29" dur="500" fill="hold"/>
+                                        <p:tgtEl>
+                                          <p:spTgt spid="3">
+                                            <p:txEl>
+                                              <p:pRg st="5" end="5"/>
+                                            </p:txEl>
+                                          </p:spTgt>
+                                        </p:tgtEl>
+                                        <p:attrNameLst>
+                                          <p:attrName>ppt_x</p:attrName>
+                                        </p:attrNameLst>
+                                      </p:cBhvr>
+                                      <p:tavLst>
+                                        <p:tav tm="0">
+                                          <p:val>
+                                            <p:strVal val="#ppt_x"/>
+                                          </p:val>
+                                        </p:tav>
+                                        <p:tav tm="100000">
+                                          <p:val>
+                                            <p:strVal val="#ppt_x"/>
+                                          </p:val>
+                                        </p:tav>
+                                      </p:tavLst>
+                                    </p:anim>
+                                    <p:anim calcmode="lin" valueType="num">
+                                      <p:cBhvr additive="base">
+                                        <p:cTn id="30" dur="500" fill="hold"/>
+                                        <p:tgtEl>
+                                          <p:spTgt spid="3">
+                                            <p:txEl>
+                                              <p:pRg st="5" end="5"/>
+                                            </p:txEl>
+                                          </p:spTgt>
+                                        </p:tgtEl>
+                                        <p:attrNameLst>
+                                          <p:attrName>ppt_y</p:attrName>
+                                        </p:attrNameLst>
+                                      </p:cBhvr>
+                                      <p:tavLst>
+                                        <p:tav tm="0">
+                                          <p:val>
+                                            <p:strVal val="1+#ppt_h/2"/>
+                                          </p:val>
+                                        </p:tav>
+                                        <p:tav tm="100000">
+                                          <p:val>
+                                            <p:strVal val="#ppt_y"/>
+                                          </p:val>
+                                        </p:tav>
+                                      </p:tavLst>
+                                    </p:anim>
+                                  </p:childTnLst>
+                                </p:cTn>
+                              </p:par>
+                              <p:par>
+                                <p:cTn id="31" presetID="2" presetClass="entr" presetSubtype="4" fill="hold" grpId="0" nodeType="withEffect">
+                                  <p:stCondLst>
+                                    <p:cond delay="0"/>
+                                  </p:stCondLst>
+                                  <p:childTnLst>
+                                    <p:set>
+                                      <p:cBhvr>
+                                        <p:cTn id="32" dur="1" fill="hold">
+                                          <p:stCondLst>
+                                            <p:cond delay="0"/>
+                                          </p:stCondLst>
+                                        </p:cTn>
+                                        <p:tgtEl>
+                                          <p:spTgt spid="3">
+                                            <p:txEl>
+                                              <p:pRg st="6" end="6"/>
+                                            </p:txEl>
+                                          </p:spTgt>
+                                        </p:tgtEl>
+                                        <p:attrNameLst>
+                                          <p:attrName>style.visibility</p:attrName>
+                                        </p:attrNameLst>
+                                      </p:cBhvr>
+                                      <p:to>
+                                        <p:strVal val="visible"/>
+                                      </p:to>
+                                    </p:set>
+                                    <p:anim calcmode="lin" valueType="num">
+                                      <p:cBhvr additive="base">
+                                        <p:cTn id="33" dur="500" fill="hold"/>
+                                        <p:tgtEl>
+                                          <p:spTgt spid="3">
+                                            <p:txEl>
+                                              <p:pRg st="6" end="6"/>
+                                            </p:txEl>
+                                          </p:spTgt>
+                                        </p:tgtEl>
+                                        <p:attrNameLst>
+                                          <p:attrName>ppt_x</p:attrName>
+                                        </p:attrNameLst>
+                                      </p:cBhvr>
+                                      <p:tavLst>
+                                        <p:tav tm="0">
+                                          <p:val>
+                                            <p:strVal val="#ppt_x"/>
+                                          </p:val>
+                                        </p:tav>
+                                        <p:tav tm="100000">
+                                          <p:val>
+                                            <p:strVal val="#ppt_x"/>
+                                          </p:val>
+                                        </p:tav>
+                                      </p:tavLst>
+                                    </p:anim>
+                                    <p:anim calcmode="lin" valueType="num">
+                                      <p:cBhvr additive="base">
+                                        <p:cTn id="34" dur="500" fill="hold"/>
+                                        <p:tgtEl>
+                                          <p:spTgt spid="3">
+                                            <p:txEl>
+                                              <p:pRg st="6" end="6"/>
+                                            </p:txEl>
+                                          </p:spTgt>
+                                        </p:tgtEl>
+                                        <p:attrNameLst>
+                                          <p:attrName>ppt_y</p:attrName>
+                                        </p:attrNameLst>
+                                      </p:cBhvr>
+                                      <p:tavLst>
+                                        <p:tav tm="0">
+                                          <p:val>
+                                            <p:strVal val="1+#ppt_h/2"/>
+                                          </p:val>
+                                        </p:tav>
+                                        <p:tav tm="100000">
+                                          <p:val>
+                                            <p:strVal val="#ppt_y"/>
+                                          </p:val>
+                                        </p:tav>
+                                      </p:tavLst>
+                                    </p:anim>
+                                  </p:childTnLst>
+                                </p:cTn>
+                              </p:par>
+                            </p:childTnLst>
+                          </p:cTn>
+                        </p:par>
+                      </p:childTnLst>
+                    </p:cTn>
+                  </p:par>
+                </p:childTnLst>
+              </p:cTn>
+              <p:prevCondLst>
+                <p:cond evt="onPrev" delay="0">
+                  <p:tgtEl>
+                    <p:sldTgt/>
+                  </p:tgtEl>
+                </p:cond>
+              </p:prevCondLst>
+              <p:nextCondLst>
+                <p:cond evt="onNext" delay="0">
+                  <p:tgtEl>
+                    <p:sldTgt/>
+                  </p:tgtEl>
+                </p:cond>
+              </p:nextCondLst>
+            </p:seq>
+          </p:childTnLst>
+        </p:cTn>
+      </p:par>
+    </p:tnLst>
+    <p:bldLst>
+      <p:bldP spid="3" grpId="0" build="p"/>
+    </p:bldLst>
+  </p:timing>
 </p:sld>
 </file>
 
-<file path=ppt/slides/slide24.xml><?xml version="1.0" encoding="utf-8"?>
+<file path=ppt/slides/slide23.xml><?xml version="1.0" encoding="utf-8"?>
 <p:sld xmlns:a="http://schemas.openxmlformats.org/drawingml/2006/main" xmlns:r="http://schemas.openxmlformats.org/officeDocument/2006/relationships" xmlns:p="http://schemas.openxmlformats.org/presentationml/2006/main">
   <p:cSld>
     <p:spTree>
@@ -29224,7 +34911,7 @@
                 <a:cs typeface="Times New Roman"/>
                 <a:sym typeface="Times New Roman"/>
               </a:rPr>
-              <a:t>24</a:t>
+              <a:t>23</a:t>
             </a:fld>
             <a:endParaRPr lang="en-US" sz="1200" b="0">
               <a:solidFill>
@@ -29278,10 +34965,17 @@
   <p:clrMapOvr>
     <a:masterClrMapping/>
   </p:clrMapOvr>
+  <p:timing>
+    <p:tnLst>
+      <p:par>
+        <p:cTn id="1" dur="indefinite" restart="never" nodeType="tmRoot"/>
+      </p:par>
+    </p:tnLst>
+  </p:timing>
 </p:sld>
 </file>
 
-<file path=ppt/slides/slide25.xml><?xml version="1.0" encoding="utf-8"?>
+<file path=ppt/slides/slide24.xml><?xml version="1.0" encoding="utf-8"?>
 <p:sld xmlns:a="http://schemas.openxmlformats.org/drawingml/2006/main" xmlns:r="http://schemas.openxmlformats.org/officeDocument/2006/relationships" xmlns:p="http://schemas.openxmlformats.org/presentationml/2006/main">
   <p:cSld>
     <p:spTree>
@@ -29367,15 +35061,7 @@
             <a:pPr lvl="2"/>
             <a:r>
               <a:rPr kumimoji="1" lang="zh-CN" altLang="en-US" dirty="0" smtClean="0"/>
-              <a:t>缺点</a:t>
-            </a:r>
-            <a:r>
-              <a:rPr kumimoji="1" lang="zh-CN" altLang="en-US" dirty="0" smtClean="0"/>
-              <a:t>：</a:t>
-            </a:r>
-            <a:r>
-              <a:rPr kumimoji="1" lang="zh-CN" altLang="en-US" dirty="0" smtClean="0"/>
-              <a:t>采集到的页面太少会影响重用时间分布失真</a:t>
+              <a:t>缺点：采集到的页面太少会影响重用时间分布失真</a:t>
             </a:r>
             <a:endParaRPr kumimoji="1" lang="zh-CN" altLang="en-US" dirty="0"/>
           </a:p>
@@ -29390,11 +35076,7 @@
             <a:pPr lvl="2"/>
             <a:r>
               <a:rPr kumimoji="1" lang="zh-CN" altLang="en-US" dirty="0" smtClean="0"/>
-              <a:t>优点</a:t>
-            </a:r>
-            <a:r>
-              <a:rPr kumimoji="1" lang="zh-CN" altLang="en-US" dirty="0" smtClean="0"/>
-              <a:t>：</a:t>
+              <a:t>优点：</a:t>
             </a:r>
             <a:r>
               <a:rPr kumimoji="1" lang="en-US" altLang="zh-CN" dirty="0" smtClean="0"/>
@@ -29475,7 +35157,7 @@
                 <a:cs typeface="Times New Roman"/>
                 <a:sym typeface="Times New Roman"/>
               </a:rPr>
-              <a:t>25</a:t>
+              <a:t>24</a:t>
             </a:fld>
             <a:endParaRPr lang="en-US" sz="1200" b="0">
               <a:solidFill>
@@ -29499,10 +35181,929 @@
   <p:clrMapOvr>
     <a:masterClrMapping/>
   </p:clrMapOvr>
+  <p:timing>
+    <p:tnLst>
+      <p:par>
+        <p:cTn id="1" dur="indefinite" restart="never" nodeType="tmRoot">
+          <p:childTnLst>
+            <p:seq concurrent="1" nextAc="seek">
+              <p:cTn id="2" dur="indefinite" nodeType="mainSeq">
+                <p:childTnLst>
+                  <p:par>
+                    <p:cTn id="3" fill="hold">
+                      <p:stCondLst>
+                        <p:cond delay="indefinite"/>
+                      </p:stCondLst>
+                      <p:childTnLst>
+                        <p:par>
+                          <p:cTn id="4" fill="hold">
+                            <p:stCondLst>
+                              <p:cond delay="0"/>
+                            </p:stCondLst>
+                            <p:childTnLst>
+                              <p:par>
+                                <p:cTn id="5" presetID="2" presetClass="entr" presetSubtype="4" fill="hold" grpId="0" nodeType="clickEffect">
+                                  <p:stCondLst>
+                                    <p:cond delay="0"/>
+                                  </p:stCondLst>
+                                  <p:childTnLst>
+                                    <p:set>
+                                      <p:cBhvr>
+                                        <p:cTn id="6" dur="1" fill="hold">
+                                          <p:stCondLst>
+                                            <p:cond delay="0"/>
+                                          </p:stCondLst>
+                                        </p:cTn>
+                                        <p:tgtEl>
+                                          <p:spTgt spid="3">
+                                            <p:txEl>
+                                              <p:pRg st="0" end="0"/>
+                                            </p:txEl>
+                                          </p:spTgt>
+                                        </p:tgtEl>
+                                        <p:attrNameLst>
+                                          <p:attrName>style.visibility</p:attrName>
+                                        </p:attrNameLst>
+                                      </p:cBhvr>
+                                      <p:to>
+                                        <p:strVal val="visible"/>
+                                      </p:to>
+                                    </p:set>
+                                    <p:anim calcmode="lin" valueType="num">
+                                      <p:cBhvr additive="base">
+                                        <p:cTn id="7" dur="500" fill="hold"/>
+                                        <p:tgtEl>
+                                          <p:spTgt spid="3">
+                                            <p:txEl>
+                                              <p:pRg st="0" end="0"/>
+                                            </p:txEl>
+                                          </p:spTgt>
+                                        </p:tgtEl>
+                                        <p:attrNameLst>
+                                          <p:attrName>ppt_x</p:attrName>
+                                        </p:attrNameLst>
+                                      </p:cBhvr>
+                                      <p:tavLst>
+                                        <p:tav tm="0">
+                                          <p:val>
+                                            <p:strVal val="#ppt_x"/>
+                                          </p:val>
+                                        </p:tav>
+                                        <p:tav tm="100000">
+                                          <p:val>
+                                            <p:strVal val="#ppt_x"/>
+                                          </p:val>
+                                        </p:tav>
+                                      </p:tavLst>
+                                    </p:anim>
+                                    <p:anim calcmode="lin" valueType="num">
+                                      <p:cBhvr additive="base">
+                                        <p:cTn id="8" dur="500" fill="hold"/>
+                                        <p:tgtEl>
+                                          <p:spTgt spid="3">
+                                            <p:txEl>
+                                              <p:pRg st="0" end="0"/>
+                                            </p:txEl>
+                                          </p:spTgt>
+                                        </p:tgtEl>
+                                        <p:attrNameLst>
+                                          <p:attrName>ppt_y</p:attrName>
+                                        </p:attrNameLst>
+                                      </p:cBhvr>
+                                      <p:tavLst>
+                                        <p:tav tm="0">
+                                          <p:val>
+                                            <p:strVal val="1+#ppt_h/2"/>
+                                          </p:val>
+                                        </p:tav>
+                                        <p:tav tm="100000">
+                                          <p:val>
+                                            <p:strVal val="#ppt_y"/>
+                                          </p:val>
+                                        </p:tav>
+                                      </p:tavLst>
+                                    </p:anim>
+                                  </p:childTnLst>
+                                </p:cTn>
+                              </p:par>
+                              <p:par>
+                                <p:cTn id="9" presetID="2" presetClass="entr" presetSubtype="4" fill="hold" grpId="0" nodeType="withEffect">
+                                  <p:stCondLst>
+                                    <p:cond delay="0"/>
+                                  </p:stCondLst>
+                                  <p:childTnLst>
+                                    <p:set>
+                                      <p:cBhvr>
+                                        <p:cTn id="10" dur="1" fill="hold">
+                                          <p:stCondLst>
+                                            <p:cond delay="0"/>
+                                          </p:stCondLst>
+                                        </p:cTn>
+                                        <p:tgtEl>
+                                          <p:spTgt spid="3">
+                                            <p:txEl>
+                                              <p:pRg st="1" end="1"/>
+                                            </p:txEl>
+                                          </p:spTgt>
+                                        </p:tgtEl>
+                                        <p:attrNameLst>
+                                          <p:attrName>style.visibility</p:attrName>
+                                        </p:attrNameLst>
+                                      </p:cBhvr>
+                                      <p:to>
+                                        <p:strVal val="visible"/>
+                                      </p:to>
+                                    </p:set>
+                                    <p:anim calcmode="lin" valueType="num">
+                                      <p:cBhvr additive="base">
+                                        <p:cTn id="11" dur="500" fill="hold"/>
+                                        <p:tgtEl>
+                                          <p:spTgt spid="3">
+                                            <p:txEl>
+                                              <p:pRg st="1" end="1"/>
+                                            </p:txEl>
+                                          </p:spTgt>
+                                        </p:tgtEl>
+                                        <p:attrNameLst>
+                                          <p:attrName>ppt_x</p:attrName>
+                                        </p:attrNameLst>
+                                      </p:cBhvr>
+                                      <p:tavLst>
+                                        <p:tav tm="0">
+                                          <p:val>
+                                            <p:strVal val="#ppt_x"/>
+                                          </p:val>
+                                        </p:tav>
+                                        <p:tav tm="100000">
+                                          <p:val>
+                                            <p:strVal val="#ppt_x"/>
+                                          </p:val>
+                                        </p:tav>
+                                      </p:tavLst>
+                                    </p:anim>
+                                    <p:anim calcmode="lin" valueType="num">
+                                      <p:cBhvr additive="base">
+                                        <p:cTn id="12" dur="500" fill="hold"/>
+                                        <p:tgtEl>
+                                          <p:spTgt spid="3">
+                                            <p:txEl>
+                                              <p:pRg st="1" end="1"/>
+                                            </p:txEl>
+                                          </p:spTgt>
+                                        </p:tgtEl>
+                                        <p:attrNameLst>
+                                          <p:attrName>ppt_y</p:attrName>
+                                        </p:attrNameLst>
+                                      </p:cBhvr>
+                                      <p:tavLst>
+                                        <p:tav tm="0">
+                                          <p:val>
+                                            <p:strVal val="1+#ppt_h/2"/>
+                                          </p:val>
+                                        </p:tav>
+                                        <p:tav tm="100000">
+                                          <p:val>
+                                            <p:strVal val="#ppt_y"/>
+                                          </p:val>
+                                        </p:tav>
+                                      </p:tavLst>
+                                    </p:anim>
+                                  </p:childTnLst>
+                                </p:cTn>
+                              </p:par>
+                              <p:par>
+                                <p:cTn id="13" presetID="2" presetClass="entr" presetSubtype="4" fill="hold" grpId="0" nodeType="withEffect">
+                                  <p:stCondLst>
+                                    <p:cond delay="0"/>
+                                  </p:stCondLst>
+                                  <p:childTnLst>
+                                    <p:set>
+                                      <p:cBhvr>
+                                        <p:cTn id="14" dur="1" fill="hold">
+                                          <p:stCondLst>
+                                            <p:cond delay="0"/>
+                                          </p:stCondLst>
+                                        </p:cTn>
+                                        <p:tgtEl>
+                                          <p:spTgt spid="3">
+                                            <p:txEl>
+                                              <p:pRg st="2" end="2"/>
+                                            </p:txEl>
+                                          </p:spTgt>
+                                        </p:tgtEl>
+                                        <p:attrNameLst>
+                                          <p:attrName>style.visibility</p:attrName>
+                                        </p:attrNameLst>
+                                      </p:cBhvr>
+                                      <p:to>
+                                        <p:strVal val="visible"/>
+                                      </p:to>
+                                    </p:set>
+                                    <p:anim calcmode="lin" valueType="num">
+                                      <p:cBhvr additive="base">
+                                        <p:cTn id="15" dur="500" fill="hold"/>
+                                        <p:tgtEl>
+                                          <p:spTgt spid="3">
+                                            <p:txEl>
+                                              <p:pRg st="2" end="2"/>
+                                            </p:txEl>
+                                          </p:spTgt>
+                                        </p:tgtEl>
+                                        <p:attrNameLst>
+                                          <p:attrName>ppt_x</p:attrName>
+                                        </p:attrNameLst>
+                                      </p:cBhvr>
+                                      <p:tavLst>
+                                        <p:tav tm="0">
+                                          <p:val>
+                                            <p:strVal val="#ppt_x"/>
+                                          </p:val>
+                                        </p:tav>
+                                        <p:tav tm="100000">
+                                          <p:val>
+                                            <p:strVal val="#ppt_x"/>
+                                          </p:val>
+                                        </p:tav>
+                                      </p:tavLst>
+                                    </p:anim>
+                                    <p:anim calcmode="lin" valueType="num">
+                                      <p:cBhvr additive="base">
+                                        <p:cTn id="16" dur="500" fill="hold"/>
+                                        <p:tgtEl>
+                                          <p:spTgt spid="3">
+                                            <p:txEl>
+                                              <p:pRg st="2" end="2"/>
+                                            </p:txEl>
+                                          </p:spTgt>
+                                        </p:tgtEl>
+                                        <p:attrNameLst>
+                                          <p:attrName>ppt_y</p:attrName>
+                                        </p:attrNameLst>
+                                      </p:cBhvr>
+                                      <p:tavLst>
+                                        <p:tav tm="0">
+                                          <p:val>
+                                            <p:strVal val="1+#ppt_h/2"/>
+                                          </p:val>
+                                        </p:tav>
+                                        <p:tav tm="100000">
+                                          <p:val>
+                                            <p:strVal val="#ppt_y"/>
+                                          </p:val>
+                                        </p:tav>
+                                      </p:tavLst>
+                                    </p:anim>
+                                  </p:childTnLst>
+                                </p:cTn>
+                              </p:par>
+                              <p:par>
+                                <p:cTn id="17" presetID="2" presetClass="entr" presetSubtype="4" fill="hold" grpId="0" nodeType="withEffect">
+                                  <p:stCondLst>
+                                    <p:cond delay="0"/>
+                                  </p:stCondLst>
+                                  <p:childTnLst>
+                                    <p:set>
+                                      <p:cBhvr>
+                                        <p:cTn id="18" dur="1" fill="hold">
+                                          <p:stCondLst>
+                                            <p:cond delay="0"/>
+                                          </p:stCondLst>
+                                        </p:cTn>
+                                        <p:tgtEl>
+                                          <p:spTgt spid="3">
+                                            <p:txEl>
+                                              <p:pRg st="3" end="3"/>
+                                            </p:txEl>
+                                          </p:spTgt>
+                                        </p:tgtEl>
+                                        <p:attrNameLst>
+                                          <p:attrName>style.visibility</p:attrName>
+                                        </p:attrNameLst>
+                                      </p:cBhvr>
+                                      <p:to>
+                                        <p:strVal val="visible"/>
+                                      </p:to>
+                                    </p:set>
+                                    <p:anim calcmode="lin" valueType="num">
+                                      <p:cBhvr additive="base">
+                                        <p:cTn id="19" dur="500" fill="hold"/>
+                                        <p:tgtEl>
+                                          <p:spTgt spid="3">
+                                            <p:txEl>
+                                              <p:pRg st="3" end="3"/>
+                                            </p:txEl>
+                                          </p:spTgt>
+                                        </p:tgtEl>
+                                        <p:attrNameLst>
+                                          <p:attrName>ppt_x</p:attrName>
+                                        </p:attrNameLst>
+                                      </p:cBhvr>
+                                      <p:tavLst>
+                                        <p:tav tm="0">
+                                          <p:val>
+                                            <p:strVal val="#ppt_x"/>
+                                          </p:val>
+                                        </p:tav>
+                                        <p:tav tm="100000">
+                                          <p:val>
+                                            <p:strVal val="#ppt_x"/>
+                                          </p:val>
+                                        </p:tav>
+                                      </p:tavLst>
+                                    </p:anim>
+                                    <p:anim calcmode="lin" valueType="num">
+                                      <p:cBhvr additive="base">
+                                        <p:cTn id="20" dur="500" fill="hold"/>
+                                        <p:tgtEl>
+                                          <p:spTgt spid="3">
+                                            <p:txEl>
+                                              <p:pRg st="3" end="3"/>
+                                            </p:txEl>
+                                          </p:spTgt>
+                                        </p:tgtEl>
+                                        <p:attrNameLst>
+                                          <p:attrName>ppt_y</p:attrName>
+                                        </p:attrNameLst>
+                                      </p:cBhvr>
+                                      <p:tavLst>
+                                        <p:tav tm="0">
+                                          <p:val>
+                                            <p:strVal val="1+#ppt_h/2"/>
+                                          </p:val>
+                                        </p:tav>
+                                        <p:tav tm="100000">
+                                          <p:val>
+                                            <p:strVal val="#ppt_y"/>
+                                          </p:val>
+                                        </p:tav>
+                                      </p:tavLst>
+                                    </p:anim>
+                                  </p:childTnLst>
+                                </p:cTn>
+                              </p:par>
+                              <p:par>
+                                <p:cTn id="21" presetID="2" presetClass="entr" presetSubtype="4" fill="hold" grpId="0" nodeType="withEffect">
+                                  <p:stCondLst>
+                                    <p:cond delay="0"/>
+                                  </p:stCondLst>
+                                  <p:childTnLst>
+                                    <p:set>
+                                      <p:cBhvr>
+                                        <p:cTn id="22" dur="1" fill="hold">
+                                          <p:stCondLst>
+                                            <p:cond delay="0"/>
+                                          </p:stCondLst>
+                                        </p:cTn>
+                                        <p:tgtEl>
+                                          <p:spTgt spid="3">
+                                            <p:txEl>
+                                              <p:pRg st="4" end="4"/>
+                                            </p:txEl>
+                                          </p:spTgt>
+                                        </p:tgtEl>
+                                        <p:attrNameLst>
+                                          <p:attrName>style.visibility</p:attrName>
+                                        </p:attrNameLst>
+                                      </p:cBhvr>
+                                      <p:to>
+                                        <p:strVal val="visible"/>
+                                      </p:to>
+                                    </p:set>
+                                    <p:anim calcmode="lin" valueType="num">
+                                      <p:cBhvr additive="base">
+                                        <p:cTn id="23" dur="500" fill="hold"/>
+                                        <p:tgtEl>
+                                          <p:spTgt spid="3">
+                                            <p:txEl>
+                                              <p:pRg st="4" end="4"/>
+                                            </p:txEl>
+                                          </p:spTgt>
+                                        </p:tgtEl>
+                                        <p:attrNameLst>
+                                          <p:attrName>ppt_x</p:attrName>
+                                        </p:attrNameLst>
+                                      </p:cBhvr>
+                                      <p:tavLst>
+                                        <p:tav tm="0">
+                                          <p:val>
+                                            <p:strVal val="#ppt_x"/>
+                                          </p:val>
+                                        </p:tav>
+                                        <p:tav tm="100000">
+                                          <p:val>
+                                            <p:strVal val="#ppt_x"/>
+                                          </p:val>
+                                        </p:tav>
+                                      </p:tavLst>
+                                    </p:anim>
+                                    <p:anim calcmode="lin" valueType="num">
+                                      <p:cBhvr additive="base">
+                                        <p:cTn id="24" dur="500" fill="hold"/>
+                                        <p:tgtEl>
+                                          <p:spTgt spid="3">
+                                            <p:txEl>
+                                              <p:pRg st="4" end="4"/>
+                                            </p:txEl>
+                                          </p:spTgt>
+                                        </p:tgtEl>
+                                        <p:attrNameLst>
+                                          <p:attrName>ppt_y</p:attrName>
+                                        </p:attrNameLst>
+                                      </p:cBhvr>
+                                      <p:tavLst>
+                                        <p:tav tm="0">
+                                          <p:val>
+                                            <p:strVal val="1+#ppt_h/2"/>
+                                          </p:val>
+                                        </p:tav>
+                                        <p:tav tm="100000">
+                                          <p:val>
+                                            <p:strVal val="#ppt_y"/>
+                                          </p:val>
+                                        </p:tav>
+                                      </p:tavLst>
+                                    </p:anim>
+                                  </p:childTnLst>
+                                </p:cTn>
+                              </p:par>
+                              <p:par>
+                                <p:cTn id="25" presetID="2" presetClass="entr" presetSubtype="4" fill="hold" grpId="0" nodeType="withEffect">
+                                  <p:stCondLst>
+                                    <p:cond delay="0"/>
+                                  </p:stCondLst>
+                                  <p:childTnLst>
+                                    <p:set>
+                                      <p:cBhvr>
+                                        <p:cTn id="26" dur="1" fill="hold">
+                                          <p:stCondLst>
+                                            <p:cond delay="0"/>
+                                          </p:stCondLst>
+                                        </p:cTn>
+                                        <p:tgtEl>
+                                          <p:spTgt spid="3">
+                                            <p:txEl>
+                                              <p:pRg st="5" end="5"/>
+                                            </p:txEl>
+                                          </p:spTgt>
+                                        </p:tgtEl>
+                                        <p:attrNameLst>
+                                          <p:attrName>style.visibility</p:attrName>
+                                        </p:attrNameLst>
+                                      </p:cBhvr>
+                                      <p:to>
+                                        <p:strVal val="visible"/>
+                                      </p:to>
+                                    </p:set>
+                                    <p:anim calcmode="lin" valueType="num">
+                                      <p:cBhvr additive="base">
+                                        <p:cTn id="27" dur="500" fill="hold"/>
+                                        <p:tgtEl>
+                                          <p:spTgt spid="3">
+                                            <p:txEl>
+                                              <p:pRg st="5" end="5"/>
+                                            </p:txEl>
+                                          </p:spTgt>
+                                        </p:tgtEl>
+                                        <p:attrNameLst>
+                                          <p:attrName>ppt_x</p:attrName>
+                                        </p:attrNameLst>
+                                      </p:cBhvr>
+                                      <p:tavLst>
+                                        <p:tav tm="0">
+                                          <p:val>
+                                            <p:strVal val="#ppt_x"/>
+                                          </p:val>
+                                        </p:tav>
+                                        <p:tav tm="100000">
+                                          <p:val>
+                                            <p:strVal val="#ppt_x"/>
+                                          </p:val>
+                                        </p:tav>
+                                      </p:tavLst>
+                                    </p:anim>
+                                    <p:anim calcmode="lin" valueType="num">
+                                      <p:cBhvr additive="base">
+                                        <p:cTn id="28" dur="500" fill="hold"/>
+                                        <p:tgtEl>
+                                          <p:spTgt spid="3">
+                                            <p:txEl>
+                                              <p:pRg st="5" end="5"/>
+                                            </p:txEl>
+                                          </p:spTgt>
+                                        </p:tgtEl>
+                                        <p:attrNameLst>
+                                          <p:attrName>ppt_y</p:attrName>
+                                        </p:attrNameLst>
+                                      </p:cBhvr>
+                                      <p:tavLst>
+                                        <p:tav tm="0">
+                                          <p:val>
+                                            <p:strVal val="1+#ppt_h/2"/>
+                                          </p:val>
+                                        </p:tav>
+                                        <p:tav tm="100000">
+                                          <p:val>
+                                            <p:strVal val="#ppt_y"/>
+                                          </p:val>
+                                        </p:tav>
+                                      </p:tavLst>
+                                    </p:anim>
+                                  </p:childTnLst>
+                                </p:cTn>
+                              </p:par>
+                              <p:par>
+                                <p:cTn id="29" presetID="2" presetClass="entr" presetSubtype="4" fill="hold" grpId="0" nodeType="withEffect">
+                                  <p:stCondLst>
+                                    <p:cond delay="0"/>
+                                  </p:stCondLst>
+                                  <p:childTnLst>
+                                    <p:set>
+                                      <p:cBhvr>
+                                        <p:cTn id="30" dur="1" fill="hold">
+                                          <p:stCondLst>
+                                            <p:cond delay="0"/>
+                                          </p:stCondLst>
+                                        </p:cTn>
+                                        <p:tgtEl>
+                                          <p:spTgt spid="3">
+                                            <p:txEl>
+                                              <p:pRg st="6" end="6"/>
+                                            </p:txEl>
+                                          </p:spTgt>
+                                        </p:tgtEl>
+                                        <p:attrNameLst>
+                                          <p:attrName>style.visibility</p:attrName>
+                                        </p:attrNameLst>
+                                      </p:cBhvr>
+                                      <p:to>
+                                        <p:strVal val="visible"/>
+                                      </p:to>
+                                    </p:set>
+                                    <p:anim calcmode="lin" valueType="num">
+                                      <p:cBhvr additive="base">
+                                        <p:cTn id="31" dur="500" fill="hold"/>
+                                        <p:tgtEl>
+                                          <p:spTgt spid="3">
+                                            <p:txEl>
+                                              <p:pRg st="6" end="6"/>
+                                            </p:txEl>
+                                          </p:spTgt>
+                                        </p:tgtEl>
+                                        <p:attrNameLst>
+                                          <p:attrName>ppt_x</p:attrName>
+                                        </p:attrNameLst>
+                                      </p:cBhvr>
+                                      <p:tavLst>
+                                        <p:tav tm="0">
+                                          <p:val>
+                                            <p:strVal val="#ppt_x"/>
+                                          </p:val>
+                                        </p:tav>
+                                        <p:tav tm="100000">
+                                          <p:val>
+                                            <p:strVal val="#ppt_x"/>
+                                          </p:val>
+                                        </p:tav>
+                                      </p:tavLst>
+                                    </p:anim>
+                                    <p:anim calcmode="lin" valueType="num">
+                                      <p:cBhvr additive="base">
+                                        <p:cTn id="32" dur="500" fill="hold"/>
+                                        <p:tgtEl>
+                                          <p:spTgt spid="3">
+                                            <p:txEl>
+                                              <p:pRg st="6" end="6"/>
+                                            </p:txEl>
+                                          </p:spTgt>
+                                        </p:tgtEl>
+                                        <p:attrNameLst>
+                                          <p:attrName>ppt_y</p:attrName>
+                                        </p:attrNameLst>
+                                      </p:cBhvr>
+                                      <p:tavLst>
+                                        <p:tav tm="0">
+                                          <p:val>
+                                            <p:strVal val="1+#ppt_h/2"/>
+                                          </p:val>
+                                        </p:tav>
+                                        <p:tav tm="100000">
+                                          <p:val>
+                                            <p:strVal val="#ppt_y"/>
+                                          </p:val>
+                                        </p:tav>
+                                      </p:tavLst>
+                                    </p:anim>
+                                  </p:childTnLst>
+                                </p:cTn>
+                              </p:par>
+                            </p:childTnLst>
+                          </p:cTn>
+                        </p:par>
+                      </p:childTnLst>
+                    </p:cTn>
+                  </p:par>
+                  <p:par>
+                    <p:cTn id="33" fill="hold">
+                      <p:stCondLst>
+                        <p:cond delay="indefinite"/>
+                      </p:stCondLst>
+                      <p:childTnLst>
+                        <p:par>
+                          <p:cTn id="34" fill="hold">
+                            <p:stCondLst>
+                              <p:cond delay="0"/>
+                            </p:stCondLst>
+                            <p:childTnLst>
+                              <p:par>
+                                <p:cTn id="35" presetID="2" presetClass="entr" presetSubtype="4" fill="hold" grpId="0" nodeType="clickEffect">
+                                  <p:stCondLst>
+                                    <p:cond delay="0"/>
+                                  </p:stCondLst>
+                                  <p:childTnLst>
+                                    <p:set>
+                                      <p:cBhvr>
+                                        <p:cTn id="36" dur="1" fill="hold">
+                                          <p:stCondLst>
+                                            <p:cond delay="0"/>
+                                          </p:stCondLst>
+                                        </p:cTn>
+                                        <p:tgtEl>
+                                          <p:spTgt spid="3">
+                                            <p:txEl>
+                                              <p:pRg st="7" end="7"/>
+                                            </p:txEl>
+                                          </p:spTgt>
+                                        </p:tgtEl>
+                                        <p:attrNameLst>
+                                          <p:attrName>style.visibility</p:attrName>
+                                        </p:attrNameLst>
+                                      </p:cBhvr>
+                                      <p:to>
+                                        <p:strVal val="visible"/>
+                                      </p:to>
+                                    </p:set>
+                                    <p:anim calcmode="lin" valueType="num">
+                                      <p:cBhvr additive="base">
+                                        <p:cTn id="37" dur="500" fill="hold"/>
+                                        <p:tgtEl>
+                                          <p:spTgt spid="3">
+                                            <p:txEl>
+                                              <p:pRg st="7" end="7"/>
+                                            </p:txEl>
+                                          </p:spTgt>
+                                        </p:tgtEl>
+                                        <p:attrNameLst>
+                                          <p:attrName>ppt_x</p:attrName>
+                                        </p:attrNameLst>
+                                      </p:cBhvr>
+                                      <p:tavLst>
+                                        <p:tav tm="0">
+                                          <p:val>
+                                            <p:strVal val="#ppt_x"/>
+                                          </p:val>
+                                        </p:tav>
+                                        <p:tav tm="100000">
+                                          <p:val>
+                                            <p:strVal val="#ppt_x"/>
+                                          </p:val>
+                                        </p:tav>
+                                      </p:tavLst>
+                                    </p:anim>
+                                    <p:anim calcmode="lin" valueType="num">
+                                      <p:cBhvr additive="base">
+                                        <p:cTn id="38" dur="500" fill="hold"/>
+                                        <p:tgtEl>
+                                          <p:spTgt spid="3">
+                                            <p:txEl>
+                                              <p:pRg st="7" end="7"/>
+                                            </p:txEl>
+                                          </p:spTgt>
+                                        </p:tgtEl>
+                                        <p:attrNameLst>
+                                          <p:attrName>ppt_y</p:attrName>
+                                        </p:attrNameLst>
+                                      </p:cBhvr>
+                                      <p:tavLst>
+                                        <p:tav tm="0">
+                                          <p:val>
+                                            <p:strVal val="1+#ppt_h/2"/>
+                                          </p:val>
+                                        </p:tav>
+                                        <p:tav tm="100000">
+                                          <p:val>
+                                            <p:strVal val="#ppt_y"/>
+                                          </p:val>
+                                        </p:tav>
+                                      </p:tavLst>
+                                    </p:anim>
+                                  </p:childTnLst>
+                                </p:cTn>
+                              </p:par>
+                              <p:par>
+                                <p:cTn id="39" presetID="2" presetClass="entr" presetSubtype="4" fill="hold" grpId="0" nodeType="withEffect">
+                                  <p:stCondLst>
+                                    <p:cond delay="0"/>
+                                  </p:stCondLst>
+                                  <p:childTnLst>
+                                    <p:set>
+                                      <p:cBhvr>
+                                        <p:cTn id="40" dur="1" fill="hold">
+                                          <p:stCondLst>
+                                            <p:cond delay="0"/>
+                                          </p:stCondLst>
+                                        </p:cTn>
+                                        <p:tgtEl>
+                                          <p:spTgt spid="3">
+                                            <p:txEl>
+                                              <p:pRg st="8" end="8"/>
+                                            </p:txEl>
+                                          </p:spTgt>
+                                        </p:tgtEl>
+                                        <p:attrNameLst>
+                                          <p:attrName>style.visibility</p:attrName>
+                                        </p:attrNameLst>
+                                      </p:cBhvr>
+                                      <p:to>
+                                        <p:strVal val="visible"/>
+                                      </p:to>
+                                    </p:set>
+                                    <p:anim calcmode="lin" valueType="num">
+                                      <p:cBhvr additive="base">
+                                        <p:cTn id="41" dur="500" fill="hold"/>
+                                        <p:tgtEl>
+                                          <p:spTgt spid="3">
+                                            <p:txEl>
+                                              <p:pRg st="8" end="8"/>
+                                            </p:txEl>
+                                          </p:spTgt>
+                                        </p:tgtEl>
+                                        <p:attrNameLst>
+                                          <p:attrName>ppt_x</p:attrName>
+                                        </p:attrNameLst>
+                                      </p:cBhvr>
+                                      <p:tavLst>
+                                        <p:tav tm="0">
+                                          <p:val>
+                                            <p:strVal val="#ppt_x"/>
+                                          </p:val>
+                                        </p:tav>
+                                        <p:tav tm="100000">
+                                          <p:val>
+                                            <p:strVal val="#ppt_x"/>
+                                          </p:val>
+                                        </p:tav>
+                                      </p:tavLst>
+                                    </p:anim>
+                                    <p:anim calcmode="lin" valueType="num">
+                                      <p:cBhvr additive="base">
+                                        <p:cTn id="42" dur="500" fill="hold"/>
+                                        <p:tgtEl>
+                                          <p:spTgt spid="3">
+                                            <p:txEl>
+                                              <p:pRg st="8" end="8"/>
+                                            </p:txEl>
+                                          </p:spTgt>
+                                        </p:tgtEl>
+                                        <p:attrNameLst>
+                                          <p:attrName>ppt_y</p:attrName>
+                                        </p:attrNameLst>
+                                      </p:cBhvr>
+                                      <p:tavLst>
+                                        <p:tav tm="0">
+                                          <p:val>
+                                            <p:strVal val="1+#ppt_h/2"/>
+                                          </p:val>
+                                        </p:tav>
+                                        <p:tav tm="100000">
+                                          <p:val>
+                                            <p:strVal val="#ppt_y"/>
+                                          </p:val>
+                                        </p:tav>
+                                      </p:tavLst>
+                                    </p:anim>
+                                  </p:childTnLst>
+                                </p:cTn>
+                              </p:par>
+                              <p:par>
+                                <p:cTn id="43" presetID="2" presetClass="entr" presetSubtype="4" fill="hold" grpId="0" nodeType="withEffect">
+                                  <p:stCondLst>
+                                    <p:cond delay="0"/>
+                                  </p:stCondLst>
+                                  <p:childTnLst>
+                                    <p:set>
+                                      <p:cBhvr>
+                                        <p:cTn id="44" dur="1" fill="hold">
+                                          <p:stCondLst>
+                                            <p:cond delay="0"/>
+                                          </p:stCondLst>
+                                        </p:cTn>
+                                        <p:tgtEl>
+                                          <p:spTgt spid="3">
+                                            <p:txEl>
+                                              <p:pRg st="9" end="9"/>
+                                            </p:txEl>
+                                          </p:spTgt>
+                                        </p:tgtEl>
+                                        <p:attrNameLst>
+                                          <p:attrName>style.visibility</p:attrName>
+                                        </p:attrNameLst>
+                                      </p:cBhvr>
+                                      <p:to>
+                                        <p:strVal val="visible"/>
+                                      </p:to>
+                                    </p:set>
+                                    <p:anim calcmode="lin" valueType="num">
+                                      <p:cBhvr additive="base">
+                                        <p:cTn id="45" dur="500" fill="hold"/>
+                                        <p:tgtEl>
+                                          <p:spTgt spid="3">
+                                            <p:txEl>
+                                              <p:pRg st="9" end="9"/>
+                                            </p:txEl>
+                                          </p:spTgt>
+                                        </p:tgtEl>
+                                        <p:attrNameLst>
+                                          <p:attrName>ppt_x</p:attrName>
+                                        </p:attrNameLst>
+                                      </p:cBhvr>
+                                      <p:tavLst>
+                                        <p:tav tm="0">
+                                          <p:val>
+                                            <p:strVal val="#ppt_x"/>
+                                          </p:val>
+                                        </p:tav>
+                                        <p:tav tm="100000">
+                                          <p:val>
+                                            <p:strVal val="#ppt_x"/>
+                                          </p:val>
+                                        </p:tav>
+                                      </p:tavLst>
+                                    </p:anim>
+                                    <p:anim calcmode="lin" valueType="num">
+                                      <p:cBhvr additive="base">
+                                        <p:cTn id="46" dur="500" fill="hold"/>
+                                        <p:tgtEl>
+                                          <p:spTgt spid="3">
+                                            <p:txEl>
+                                              <p:pRg st="9" end="9"/>
+                                            </p:txEl>
+                                          </p:spTgt>
+                                        </p:tgtEl>
+                                        <p:attrNameLst>
+                                          <p:attrName>ppt_y</p:attrName>
+                                        </p:attrNameLst>
+                                      </p:cBhvr>
+                                      <p:tavLst>
+                                        <p:tav tm="0">
+                                          <p:val>
+                                            <p:strVal val="1+#ppt_h/2"/>
+                                          </p:val>
+                                        </p:tav>
+                                        <p:tav tm="100000">
+                                          <p:val>
+                                            <p:strVal val="#ppt_y"/>
+                                          </p:val>
+                                        </p:tav>
+                                      </p:tavLst>
+                                    </p:anim>
+                                  </p:childTnLst>
+                                </p:cTn>
+                              </p:par>
+                            </p:childTnLst>
+                          </p:cTn>
+                        </p:par>
+                      </p:childTnLst>
+                    </p:cTn>
+                  </p:par>
+                </p:childTnLst>
+              </p:cTn>
+              <p:prevCondLst>
+                <p:cond evt="onPrev" delay="0">
+                  <p:tgtEl>
+                    <p:sldTgt/>
+                  </p:tgtEl>
+                </p:cond>
+              </p:prevCondLst>
+              <p:nextCondLst>
+                <p:cond evt="onNext" delay="0">
+                  <p:tgtEl>
+                    <p:sldTgt/>
+                  </p:tgtEl>
+                </p:cond>
+              </p:nextCondLst>
+            </p:seq>
+          </p:childTnLst>
+        </p:cTn>
+      </p:par>
+    </p:tnLst>
+    <p:bldLst>
+      <p:bldP spid="3" grpId="0" build="p"/>
+    </p:bldLst>
+  </p:timing>
 </p:sld>
 </file>
 
-<file path=ppt/slides/slide26.xml><?xml version="1.0" encoding="utf-8"?>
+<file path=ppt/slides/slide25.xml><?xml version="1.0" encoding="utf-8"?>
 <p:sld xmlns:a="http://schemas.openxmlformats.org/drawingml/2006/main" xmlns:r="http://schemas.openxmlformats.org/officeDocument/2006/relationships" xmlns:p="http://schemas.openxmlformats.org/presentationml/2006/main">
   <p:cSld>
     <p:spTree>
@@ -29538,12 +36139,11 @@
               <a:rPr kumimoji="1" lang="zh-CN" altLang="en-US" dirty="0"/>
               <a:t>动态采样率</a:t>
             </a:r>
-            <a:endParaRPr kumimoji="1" lang="zh-CN" altLang="en-US" dirty="0"/>
           </a:p>
         </p:txBody>
       </p:sp>
-      <mc:AlternateContent xmlns:mc="http://schemas.openxmlformats.org/markup-compatibility/2006">
-        <mc:Choice xmlns:a14="http://schemas.microsoft.com/office/drawing/2010/main" Requires="a14">
+      <mc:AlternateContent xmlns:mc="http://schemas.openxmlformats.org/markup-compatibility/2006" xmlns:a14="http://schemas.microsoft.com/office/drawing/2010/main">
+        <mc:Choice Requires="a14">
           <p:sp>
             <p:nvSpPr>
               <p:cNvPr id="3" name="文本占位符 2"/>
@@ -29610,7 +36210,7 @@
                       <m:fPr>
                         <m:ctrlPr>
                           <a:rPr kumimoji="1" lang="en-US" altLang="zh-CN" i="1" smtClean="0">
-                            <a:latin typeface="Cambria Math" charset="0"/>
+                            <a:latin typeface="Cambria Math" panose="02040503050406030204" pitchFamily="18" charset="0"/>
                           </a:rPr>
                         </m:ctrlPr>
                       </m:fPr>
@@ -29652,7 +36252,7 @@
             </p:txBody>
           </p:sp>
         </mc:Choice>
-        <mc:Fallback>
+        <mc:Fallback xmlns="">
           <p:sp>
             <p:nvSpPr>
               <p:cNvPr id="3" name="文本占位符 2"/>
@@ -29725,7 +36325,7 @@
                 <a:cs typeface="Times New Roman"/>
                 <a:sym typeface="Times New Roman"/>
               </a:rPr>
-              <a:t>26</a:t>
+              <a:t>25</a:t>
             </a:fld>
             <a:endParaRPr lang="en-US" sz="1200" b="0">
               <a:solidFill>
@@ -29741,7 +36341,7 @@
       </p:sp>
       <p:pic>
         <p:nvPicPr>
-          <p:cNvPr id="5" name="图片 4"/>
+          <p:cNvPr id="6" name="图片 5"/>
           <p:cNvPicPr>
             <a:picLocks noChangeAspect="1"/>
           </p:cNvPicPr>
@@ -29761,8 +36361,8 @@
         </p:blipFill>
         <p:spPr>
           <a:xfrm>
-            <a:off x="1930400" y="3888346"/>
-            <a:ext cx="4546600" cy="1206500"/>
+            <a:off x="2518723" y="3695700"/>
+            <a:ext cx="2553056" cy="895475"/>
           </a:xfrm>
           <a:prstGeom prst="rect">
             <a:avLst/>
@@ -29779,10 +36379,585 @@
   <p:clrMapOvr>
     <a:masterClrMapping/>
   </p:clrMapOvr>
+  <p:timing>
+    <p:tnLst>
+      <p:par>
+        <p:cTn id="1" dur="indefinite" restart="never" nodeType="tmRoot">
+          <p:childTnLst>
+            <p:seq concurrent="1" nextAc="seek">
+              <p:cTn id="2" dur="indefinite" nodeType="mainSeq">
+                <p:childTnLst>
+                  <p:par>
+                    <p:cTn id="3" fill="hold">
+                      <p:stCondLst>
+                        <p:cond delay="indefinite"/>
+                      </p:stCondLst>
+                      <p:childTnLst>
+                        <p:par>
+                          <p:cTn id="4" fill="hold">
+                            <p:stCondLst>
+                              <p:cond delay="0"/>
+                            </p:stCondLst>
+                            <p:childTnLst>
+                              <p:par>
+                                <p:cTn id="5" presetID="2" presetClass="entr" presetSubtype="4" fill="hold" grpId="0" nodeType="clickEffect">
+                                  <p:stCondLst>
+                                    <p:cond delay="0"/>
+                                  </p:stCondLst>
+                                  <p:childTnLst>
+                                    <p:set>
+                                      <p:cBhvr>
+                                        <p:cTn id="6" dur="1" fill="hold">
+                                          <p:stCondLst>
+                                            <p:cond delay="0"/>
+                                          </p:stCondLst>
+                                        </p:cTn>
+                                        <p:tgtEl>
+                                          <p:spTgt spid="3">
+                                            <p:txEl>
+                                              <p:pRg st="0" end="0"/>
+                                            </p:txEl>
+                                          </p:spTgt>
+                                        </p:tgtEl>
+                                        <p:attrNameLst>
+                                          <p:attrName>style.visibility</p:attrName>
+                                        </p:attrNameLst>
+                                      </p:cBhvr>
+                                      <p:to>
+                                        <p:strVal val="visible"/>
+                                      </p:to>
+                                    </p:set>
+                                    <p:anim calcmode="lin" valueType="num">
+                                      <p:cBhvr additive="base">
+                                        <p:cTn id="7" dur="500" fill="hold"/>
+                                        <p:tgtEl>
+                                          <p:spTgt spid="3">
+                                            <p:txEl>
+                                              <p:pRg st="0" end="0"/>
+                                            </p:txEl>
+                                          </p:spTgt>
+                                        </p:tgtEl>
+                                        <p:attrNameLst>
+                                          <p:attrName>ppt_x</p:attrName>
+                                        </p:attrNameLst>
+                                      </p:cBhvr>
+                                      <p:tavLst>
+                                        <p:tav tm="0">
+                                          <p:val>
+                                            <p:strVal val="#ppt_x"/>
+                                          </p:val>
+                                        </p:tav>
+                                        <p:tav tm="100000">
+                                          <p:val>
+                                            <p:strVal val="#ppt_x"/>
+                                          </p:val>
+                                        </p:tav>
+                                      </p:tavLst>
+                                    </p:anim>
+                                    <p:anim calcmode="lin" valueType="num">
+                                      <p:cBhvr additive="base">
+                                        <p:cTn id="8" dur="500" fill="hold"/>
+                                        <p:tgtEl>
+                                          <p:spTgt spid="3">
+                                            <p:txEl>
+                                              <p:pRg st="0" end="0"/>
+                                            </p:txEl>
+                                          </p:spTgt>
+                                        </p:tgtEl>
+                                        <p:attrNameLst>
+                                          <p:attrName>ppt_y</p:attrName>
+                                        </p:attrNameLst>
+                                      </p:cBhvr>
+                                      <p:tavLst>
+                                        <p:tav tm="0">
+                                          <p:val>
+                                            <p:strVal val="1+#ppt_h/2"/>
+                                          </p:val>
+                                        </p:tav>
+                                        <p:tav tm="100000">
+                                          <p:val>
+                                            <p:strVal val="#ppt_y"/>
+                                          </p:val>
+                                        </p:tav>
+                                      </p:tavLst>
+                                    </p:anim>
+                                  </p:childTnLst>
+                                </p:cTn>
+                              </p:par>
+                              <p:par>
+                                <p:cTn id="9" presetID="2" presetClass="entr" presetSubtype="4" fill="hold" grpId="0" nodeType="withEffect">
+                                  <p:stCondLst>
+                                    <p:cond delay="0"/>
+                                  </p:stCondLst>
+                                  <p:childTnLst>
+                                    <p:set>
+                                      <p:cBhvr>
+                                        <p:cTn id="10" dur="1" fill="hold">
+                                          <p:stCondLst>
+                                            <p:cond delay="0"/>
+                                          </p:stCondLst>
+                                        </p:cTn>
+                                        <p:tgtEl>
+                                          <p:spTgt spid="3">
+                                            <p:txEl>
+                                              <p:pRg st="1" end="1"/>
+                                            </p:txEl>
+                                          </p:spTgt>
+                                        </p:tgtEl>
+                                        <p:attrNameLst>
+                                          <p:attrName>style.visibility</p:attrName>
+                                        </p:attrNameLst>
+                                      </p:cBhvr>
+                                      <p:to>
+                                        <p:strVal val="visible"/>
+                                      </p:to>
+                                    </p:set>
+                                    <p:anim calcmode="lin" valueType="num">
+                                      <p:cBhvr additive="base">
+                                        <p:cTn id="11" dur="500" fill="hold"/>
+                                        <p:tgtEl>
+                                          <p:spTgt spid="3">
+                                            <p:txEl>
+                                              <p:pRg st="1" end="1"/>
+                                            </p:txEl>
+                                          </p:spTgt>
+                                        </p:tgtEl>
+                                        <p:attrNameLst>
+                                          <p:attrName>ppt_x</p:attrName>
+                                        </p:attrNameLst>
+                                      </p:cBhvr>
+                                      <p:tavLst>
+                                        <p:tav tm="0">
+                                          <p:val>
+                                            <p:strVal val="#ppt_x"/>
+                                          </p:val>
+                                        </p:tav>
+                                        <p:tav tm="100000">
+                                          <p:val>
+                                            <p:strVal val="#ppt_x"/>
+                                          </p:val>
+                                        </p:tav>
+                                      </p:tavLst>
+                                    </p:anim>
+                                    <p:anim calcmode="lin" valueType="num">
+                                      <p:cBhvr additive="base">
+                                        <p:cTn id="12" dur="500" fill="hold"/>
+                                        <p:tgtEl>
+                                          <p:spTgt spid="3">
+                                            <p:txEl>
+                                              <p:pRg st="1" end="1"/>
+                                            </p:txEl>
+                                          </p:spTgt>
+                                        </p:tgtEl>
+                                        <p:attrNameLst>
+                                          <p:attrName>ppt_y</p:attrName>
+                                        </p:attrNameLst>
+                                      </p:cBhvr>
+                                      <p:tavLst>
+                                        <p:tav tm="0">
+                                          <p:val>
+                                            <p:strVal val="1+#ppt_h/2"/>
+                                          </p:val>
+                                        </p:tav>
+                                        <p:tav tm="100000">
+                                          <p:val>
+                                            <p:strVal val="#ppt_y"/>
+                                          </p:val>
+                                        </p:tav>
+                                      </p:tavLst>
+                                    </p:anim>
+                                  </p:childTnLst>
+                                </p:cTn>
+                              </p:par>
+                              <p:par>
+                                <p:cTn id="13" presetID="2" presetClass="entr" presetSubtype="4" fill="hold" grpId="0" nodeType="withEffect">
+                                  <p:stCondLst>
+                                    <p:cond delay="0"/>
+                                  </p:stCondLst>
+                                  <p:childTnLst>
+                                    <p:set>
+                                      <p:cBhvr>
+                                        <p:cTn id="14" dur="1" fill="hold">
+                                          <p:stCondLst>
+                                            <p:cond delay="0"/>
+                                          </p:stCondLst>
+                                        </p:cTn>
+                                        <p:tgtEl>
+                                          <p:spTgt spid="3">
+                                            <p:txEl>
+                                              <p:pRg st="2" end="2"/>
+                                            </p:txEl>
+                                          </p:spTgt>
+                                        </p:tgtEl>
+                                        <p:attrNameLst>
+                                          <p:attrName>style.visibility</p:attrName>
+                                        </p:attrNameLst>
+                                      </p:cBhvr>
+                                      <p:to>
+                                        <p:strVal val="visible"/>
+                                      </p:to>
+                                    </p:set>
+                                    <p:anim calcmode="lin" valueType="num">
+                                      <p:cBhvr additive="base">
+                                        <p:cTn id="15" dur="500" fill="hold"/>
+                                        <p:tgtEl>
+                                          <p:spTgt spid="3">
+                                            <p:txEl>
+                                              <p:pRg st="2" end="2"/>
+                                            </p:txEl>
+                                          </p:spTgt>
+                                        </p:tgtEl>
+                                        <p:attrNameLst>
+                                          <p:attrName>ppt_x</p:attrName>
+                                        </p:attrNameLst>
+                                      </p:cBhvr>
+                                      <p:tavLst>
+                                        <p:tav tm="0">
+                                          <p:val>
+                                            <p:strVal val="#ppt_x"/>
+                                          </p:val>
+                                        </p:tav>
+                                        <p:tav tm="100000">
+                                          <p:val>
+                                            <p:strVal val="#ppt_x"/>
+                                          </p:val>
+                                        </p:tav>
+                                      </p:tavLst>
+                                    </p:anim>
+                                    <p:anim calcmode="lin" valueType="num">
+                                      <p:cBhvr additive="base">
+                                        <p:cTn id="16" dur="500" fill="hold"/>
+                                        <p:tgtEl>
+                                          <p:spTgt spid="3">
+                                            <p:txEl>
+                                              <p:pRg st="2" end="2"/>
+                                            </p:txEl>
+                                          </p:spTgt>
+                                        </p:tgtEl>
+                                        <p:attrNameLst>
+                                          <p:attrName>ppt_y</p:attrName>
+                                        </p:attrNameLst>
+                                      </p:cBhvr>
+                                      <p:tavLst>
+                                        <p:tav tm="0">
+                                          <p:val>
+                                            <p:strVal val="1+#ppt_h/2"/>
+                                          </p:val>
+                                        </p:tav>
+                                        <p:tav tm="100000">
+                                          <p:val>
+                                            <p:strVal val="#ppt_y"/>
+                                          </p:val>
+                                        </p:tav>
+                                      </p:tavLst>
+                                    </p:anim>
+                                  </p:childTnLst>
+                                </p:cTn>
+                              </p:par>
+                              <p:par>
+                                <p:cTn id="17" presetID="2" presetClass="entr" presetSubtype="4" fill="hold" grpId="0" nodeType="withEffect">
+                                  <p:stCondLst>
+                                    <p:cond delay="0"/>
+                                  </p:stCondLst>
+                                  <p:childTnLst>
+                                    <p:set>
+                                      <p:cBhvr>
+                                        <p:cTn id="18" dur="1" fill="hold">
+                                          <p:stCondLst>
+                                            <p:cond delay="0"/>
+                                          </p:stCondLst>
+                                        </p:cTn>
+                                        <p:tgtEl>
+                                          <p:spTgt spid="3">
+                                            <p:txEl>
+                                              <p:pRg st="3" end="3"/>
+                                            </p:txEl>
+                                          </p:spTgt>
+                                        </p:tgtEl>
+                                        <p:attrNameLst>
+                                          <p:attrName>style.visibility</p:attrName>
+                                        </p:attrNameLst>
+                                      </p:cBhvr>
+                                      <p:to>
+                                        <p:strVal val="visible"/>
+                                      </p:to>
+                                    </p:set>
+                                    <p:anim calcmode="lin" valueType="num">
+                                      <p:cBhvr additive="base">
+                                        <p:cTn id="19" dur="500" fill="hold"/>
+                                        <p:tgtEl>
+                                          <p:spTgt spid="3">
+                                            <p:txEl>
+                                              <p:pRg st="3" end="3"/>
+                                            </p:txEl>
+                                          </p:spTgt>
+                                        </p:tgtEl>
+                                        <p:attrNameLst>
+                                          <p:attrName>ppt_x</p:attrName>
+                                        </p:attrNameLst>
+                                      </p:cBhvr>
+                                      <p:tavLst>
+                                        <p:tav tm="0">
+                                          <p:val>
+                                            <p:strVal val="#ppt_x"/>
+                                          </p:val>
+                                        </p:tav>
+                                        <p:tav tm="100000">
+                                          <p:val>
+                                            <p:strVal val="#ppt_x"/>
+                                          </p:val>
+                                        </p:tav>
+                                      </p:tavLst>
+                                    </p:anim>
+                                    <p:anim calcmode="lin" valueType="num">
+                                      <p:cBhvr additive="base">
+                                        <p:cTn id="20" dur="500" fill="hold"/>
+                                        <p:tgtEl>
+                                          <p:spTgt spid="3">
+                                            <p:txEl>
+                                              <p:pRg st="3" end="3"/>
+                                            </p:txEl>
+                                          </p:spTgt>
+                                        </p:tgtEl>
+                                        <p:attrNameLst>
+                                          <p:attrName>ppt_y</p:attrName>
+                                        </p:attrNameLst>
+                                      </p:cBhvr>
+                                      <p:tavLst>
+                                        <p:tav tm="0">
+                                          <p:val>
+                                            <p:strVal val="1+#ppt_h/2"/>
+                                          </p:val>
+                                        </p:tav>
+                                        <p:tav tm="100000">
+                                          <p:val>
+                                            <p:strVal val="#ppt_y"/>
+                                          </p:val>
+                                        </p:tav>
+                                      </p:tavLst>
+                                    </p:anim>
+                                  </p:childTnLst>
+                                </p:cTn>
+                              </p:par>
+                            </p:childTnLst>
+                          </p:cTn>
+                        </p:par>
+                      </p:childTnLst>
+                    </p:cTn>
+                  </p:par>
+                  <p:par>
+                    <p:cTn id="21" fill="hold">
+                      <p:stCondLst>
+                        <p:cond delay="indefinite"/>
+                      </p:stCondLst>
+                      <p:childTnLst>
+                        <p:par>
+                          <p:cTn id="22" fill="hold">
+                            <p:stCondLst>
+                              <p:cond delay="0"/>
+                            </p:stCondLst>
+                            <p:childTnLst>
+                              <p:par>
+                                <p:cTn id="23" presetID="2" presetClass="entr" presetSubtype="4" fill="hold" grpId="0" nodeType="clickEffect">
+                                  <p:stCondLst>
+                                    <p:cond delay="0"/>
+                                  </p:stCondLst>
+                                  <p:childTnLst>
+                                    <p:set>
+                                      <p:cBhvr>
+                                        <p:cTn id="24" dur="1" fill="hold">
+                                          <p:stCondLst>
+                                            <p:cond delay="0"/>
+                                          </p:stCondLst>
+                                        </p:cTn>
+                                        <p:tgtEl>
+                                          <p:spTgt spid="3">
+                                            <p:txEl>
+                                              <p:pRg st="4" end="4"/>
+                                            </p:txEl>
+                                          </p:spTgt>
+                                        </p:tgtEl>
+                                        <p:attrNameLst>
+                                          <p:attrName>style.visibility</p:attrName>
+                                        </p:attrNameLst>
+                                      </p:cBhvr>
+                                      <p:to>
+                                        <p:strVal val="visible"/>
+                                      </p:to>
+                                    </p:set>
+                                    <p:anim calcmode="lin" valueType="num">
+                                      <p:cBhvr additive="base">
+                                        <p:cTn id="25" dur="500" fill="hold"/>
+                                        <p:tgtEl>
+                                          <p:spTgt spid="3">
+                                            <p:txEl>
+                                              <p:pRg st="4" end="4"/>
+                                            </p:txEl>
+                                          </p:spTgt>
+                                        </p:tgtEl>
+                                        <p:attrNameLst>
+                                          <p:attrName>ppt_x</p:attrName>
+                                        </p:attrNameLst>
+                                      </p:cBhvr>
+                                      <p:tavLst>
+                                        <p:tav tm="0">
+                                          <p:val>
+                                            <p:strVal val="#ppt_x"/>
+                                          </p:val>
+                                        </p:tav>
+                                        <p:tav tm="100000">
+                                          <p:val>
+                                            <p:strVal val="#ppt_x"/>
+                                          </p:val>
+                                        </p:tav>
+                                      </p:tavLst>
+                                    </p:anim>
+                                    <p:anim calcmode="lin" valueType="num">
+                                      <p:cBhvr additive="base">
+                                        <p:cTn id="26" dur="500" fill="hold"/>
+                                        <p:tgtEl>
+                                          <p:spTgt spid="3">
+                                            <p:txEl>
+                                              <p:pRg st="4" end="4"/>
+                                            </p:txEl>
+                                          </p:spTgt>
+                                        </p:tgtEl>
+                                        <p:attrNameLst>
+                                          <p:attrName>ppt_y</p:attrName>
+                                        </p:attrNameLst>
+                                      </p:cBhvr>
+                                      <p:tavLst>
+                                        <p:tav tm="0">
+                                          <p:val>
+                                            <p:strVal val="1+#ppt_h/2"/>
+                                          </p:val>
+                                        </p:tav>
+                                        <p:tav tm="100000">
+                                          <p:val>
+                                            <p:strVal val="#ppt_y"/>
+                                          </p:val>
+                                        </p:tav>
+                                      </p:tavLst>
+                                    </p:anim>
+                                  </p:childTnLst>
+                                </p:cTn>
+                              </p:par>
+                              <p:par>
+                                <p:cTn id="27" presetID="42" presetClass="entr" presetSubtype="0" fill="hold" nodeType="withEffect">
+                                  <p:stCondLst>
+                                    <p:cond delay="0"/>
+                                  </p:stCondLst>
+                                  <p:childTnLst>
+                                    <p:set>
+                                      <p:cBhvr>
+                                        <p:cTn id="28" dur="1" fill="hold">
+                                          <p:stCondLst>
+                                            <p:cond delay="0"/>
+                                          </p:stCondLst>
+                                        </p:cTn>
+                                        <p:tgtEl>
+                                          <p:spTgt spid="6"/>
+                                        </p:tgtEl>
+                                        <p:attrNameLst>
+                                          <p:attrName>style.visibility</p:attrName>
+                                        </p:attrNameLst>
+                                      </p:cBhvr>
+                                      <p:to>
+                                        <p:strVal val="visible"/>
+                                      </p:to>
+                                    </p:set>
+                                    <p:animEffect transition="in" filter="fade">
+                                      <p:cBhvr>
+                                        <p:cTn id="29" dur="1000"/>
+                                        <p:tgtEl>
+                                          <p:spTgt spid="6"/>
+                                        </p:tgtEl>
+                                      </p:cBhvr>
+                                    </p:animEffect>
+                                    <p:anim calcmode="lin" valueType="num">
+                                      <p:cBhvr>
+                                        <p:cTn id="30" dur="1000" fill="hold"/>
+                                        <p:tgtEl>
+                                          <p:spTgt spid="6"/>
+                                        </p:tgtEl>
+                                        <p:attrNameLst>
+                                          <p:attrName>ppt_x</p:attrName>
+                                        </p:attrNameLst>
+                                      </p:cBhvr>
+                                      <p:tavLst>
+                                        <p:tav tm="0">
+                                          <p:val>
+                                            <p:strVal val="#ppt_x"/>
+                                          </p:val>
+                                        </p:tav>
+                                        <p:tav tm="100000">
+                                          <p:val>
+                                            <p:strVal val="#ppt_x"/>
+                                          </p:val>
+                                        </p:tav>
+                                      </p:tavLst>
+                                    </p:anim>
+                                    <p:anim calcmode="lin" valueType="num">
+                                      <p:cBhvr>
+                                        <p:cTn id="31" dur="1000" fill="hold"/>
+                                        <p:tgtEl>
+                                          <p:spTgt spid="6"/>
+                                        </p:tgtEl>
+                                        <p:attrNameLst>
+                                          <p:attrName>ppt_y</p:attrName>
+                                        </p:attrNameLst>
+                                      </p:cBhvr>
+                                      <p:tavLst>
+                                        <p:tav tm="0">
+                                          <p:val>
+                                            <p:strVal val="#ppt_y+.1"/>
+                                          </p:val>
+                                        </p:tav>
+                                        <p:tav tm="100000">
+                                          <p:val>
+                                            <p:strVal val="#ppt_y"/>
+                                          </p:val>
+                                        </p:tav>
+                                      </p:tavLst>
+                                    </p:anim>
+                                  </p:childTnLst>
+                                </p:cTn>
+                              </p:par>
+                            </p:childTnLst>
+                          </p:cTn>
+                        </p:par>
+                      </p:childTnLst>
+                    </p:cTn>
+                  </p:par>
+                </p:childTnLst>
+              </p:cTn>
+              <p:prevCondLst>
+                <p:cond evt="onPrev" delay="0">
+                  <p:tgtEl>
+                    <p:sldTgt/>
+                  </p:tgtEl>
+                </p:cond>
+              </p:prevCondLst>
+              <p:nextCondLst>
+                <p:cond evt="onNext" delay="0">
+                  <p:tgtEl>
+                    <p:sldTgt/>
+                  </p:tgtEl>
+                </p:cond>
+              </p:nextCondLst>
+            </p:seq>
+          </p:childTnLst>
+        </p:cTn>
+      </p:par>
+    </p:tnLst>
+    <p:bldLst>
+      <p:bldP spid="3" grpId="0" uiExpand="1" build="p"/>
+    </p:bldLst>
+  </p:timing>
 </p:sld>
 </file>
 
-<file path=ppt/slides/slide27.xml><?xml version="1.0" encoding="utf-8"?>
+<file path=ppt/slides/slide26.xml><?xml version="1.0" encoding="utf-8"?>
 <p:sld xmlns:a="http://schemas.openxmlformats.org/drawingml/2006/main" xmlns:r="http://schemas.openxmlformats.org/officeDocument/2006/relationships" xmlns:p="http://schemas.openxmlformats.org/presentationml/2006/main">
   <p:cSld>
     <p:spTree>
@@ -29859,19 +37034,23 @@
           </a:p>
           <a:p>
             <a:r>
-              <a:rPr kumimoji="1" lang="zh-CN" altLang="en-US" dirty="0" smtClean="0"/>
+              <a:rPr kumimoji="1" lang="zh-CN" altLang="en-US" dirty="0" smtClean="0">
+                <a:solidFill>
+                  <a:srgbClr val="FF0000"/>
+                </a:solidFill>
+              </a:rPr>
               <a:t>实验</a:t>
             </a:r>
-            <a:endParaRPr kumimoji="1" lang="en-US" altLang="zh-CN" dirty="0" smtClean="0"/>
+            <a:endParaRPr kumimoji="1" lang="en-US" altLang="zh-CN" dirty="0" smtClean="0">
+              <a:solidFill>
+                <a:srgbClr val="FF0000"/>
+              </a:solidFill>
+            </a:endParaRPr>
           </a:p>
           <a:p>
             <a:r>
               <a:rPr kumimoji="1" lang="zh-CN" altLang="en-US" dirty="0" smtClean="0"/>
-              <a:t>总结与</a:t>
-            </a:r>
-            <a:r>
-              <a:rPr kumimoji="1" lang="zh-CN" altLang="en-US" dirty="0" smtClean="0"/>
-              <a:t>展望</a:t>
+              <a:t>总结与展望</a:t>
             </a:r>
             <a:endParaRPr kumimoji="1" lang="zh-CN" altLang="en-US" dirty="0"/>
           </a:p>
@@ -29916,7 +37095,7 @@
                 <a:cs typeface="Times New Roman"/>
                 <a:sym typeface="Times New Roman"/>
               </a:rPr>
-              <a:t>27</a:t>
+              <a:t>26</a:t>
             </a:fld>
             <a:endParaRPr lang="en-US" sz="1200" b="0">
               <a:solidFill>
@@ -29940,10 +37119,17 @@
   <p:clrMapOvr>
     <a:masterClrMapping/>
   </p:clrMapOvr>
+  <p:timing>
+    <p:tnLst>
+      <p:par>
+        <p:cTn id="1" dur="indefinite" restart="never" nodeType="tmRoot"/>
+      </p:par>
+    </p:tnLst>
+  </p:timing>
 </p:sld>
 </file>
 
-<file path=ppt/slides/slide28.xml><?xml version="1.0" encoding="utf-8"?>
+<file path=ppt/slides/slide27.xml><?xml version="1.0" encoding="utf-8"?>
 <p:sld xmlns:a="http://schemas.openxmlformats.org/drawingml/2006/main" xmlns:r="http://schemas.openxmlformats.org/officeDocument/2006/relationships" xmlns:p="http://schemas.openxmlformats.org/presentationml/2006/main">
   <p:cSld>
     <p:spTree>
@@ -30079,7 +37265,7 @@
                 <a:cs typeface="Times New Roman"/>
                 <a:sym typeface="Times New Roman"/>
               </a:rPr>
-              <a:t>28</a:t>
+              <a:t>27</a:t>
             </a:fld>
             <a:endParaRPr lang="en-US" sz="1200" b="0">
               <a:solidFill>
@@ -30103,10 +37289,17 @@
   <p:clrMapOvr>
     <a:masterClrMapping/>
   </p:clrMapOvr>
+  <p:timing>
+    <p:tnLst>
+      <p:par>
+        <p:cTn id="1" dur="indefinite" restart="never" nodeType="tmRoot"/>
+      </p:par>
+    </p:tnLst>
+  </p:timing>
 </p:sld>
 </file>
 
-<file path=ppt/slides/slide29.xml><?xml version="1.0" encoding="utf-8"?>
+<file path=ppt/slides/slide28.xml><?xml version="1.0" encoding="utf-8"?>
 <p:sld xmlns:a="http://schemas.openxmlformats.org/drawingml/2006/main" xmlns:r="http://schemas.openxmlformats.org/officeDocument/2006/relationships" xmlns:p="http://schemas.openxmlformats.org/presentationml/2006/main">
   <p:cSld>
     <p:spTree>
@@ -30224,7 +37417,7 @@
                 <a:cs typeface="Times New Roman"/>
                 <a:sym typeface="Times New Roman"/>
               </a:rPr>
-              <a:t>29</a:t>
+              <a:t>28</a:t>
             </a:fld>
             <a:endParaRPr lang="en-US" sz="1200" b="0">
               <a:solidFill>
@@ -30278,6 +37471,201 @@
   <p:clrMapOvr>
     <a:masterClrMapping/>
   </p:clrMapOvr>
+  <p:timing>
+    <p:tnLst>
+      <p:par>
+        <p:cTn id="1" dur="indefinite" restart="never" nodeType="tmRoot"/>
+      </p:par>
+    </p:tnLst>
+  </p:timing>
+</p:sld>
+</file>
+
+<file path=ppt/slides/slide29.xml><?xml version="1.0" encoding="utf-8"?>
+<p:sld xmlns:a="http://schemas.openxmlformats.org/drawingml/2006/main" xmlns:r="http://schemas.openxmlformats.org/officeDocument/2006/relationships" xmlns:p="http://schemas.openxmlformats.org/presentationml/2006/main">
+  <p:cSld>
+    <p:spTree>
+      <p:nvGrpSpPr>
+        <p:cNvPr id="1" name=""/>
+        <p:cNvGrpSpPr/>
+        <p:nvPr/>
+      </p:nvGrpSpPr>
+      <p:grpSpPr>
+        <a:xfrm>
+          <a:off x="0" y="0"/>
+          <a:ext cx="0" cy="0"/>
+          <a:chOff x="0" y="0"/>
+          <a:chExt cx="0" cy="0"/>
+        </a:xfrm>
+      </p:grpSpPr>
+      <p:sp>
+        <p:nvSpPr>
+          <p:cNvPr id="2" name="标题 1"/>
+          <p:cNvSpPr>
+            <a:spLocks noGrp="1"/>
+          </p:cNvSpPr>
+          <p:nvPr>
+            <p:ph type="title"/>
+          </p:nvPr>
+        </p:nvSpPr>
+        <p:spPr/>
+        <p:txBody>
+          <a:bodyPr/>
+          <a:lstStyle/>
+          <a:p>
+            <a:r>
+              <a:rPr kumimoji="1" lang="en-US" altLang="zh-CN" dirty="0"/>
+              <a:t>AET</a:t>
+            </a:r>
+            <a:r>
+              <a:rPr kumimoji="1" lang="zh-CN" altLang="en-US" dirty="0"/>
+              <a:t>算法和</a:t>
+            </a:r>
+            <a:r>
+              <a:rPr kumimoji="1" lang="en-US" altLang="zh-CN" dirty="0"/>
+              <a:t>LRU</a:t>
+            </a:r>
+            <a:r>
+              <a:rPr kumimoji="1" lang="zh-CN" altLang="en-US" dirty="0"/>
+              <a:t>算法精度比较</a:t>
+            </a:r>
+          </a:p>
+        </p:txBody>
+      </p:sp>
+      <p:sp>
+        <p:nvSpPr>
+          <p:cNvPr id="3" name="文本占位符 2"/>
+          <p:cNvSpPr>
+            <a:spLocks noGrp="1"/>
+          </p:cNvSpPr>
+          <p:nvPr>
+            <p:ph type="body" idx="1"/>
+          </p:nvPr>
+        </p:nvSpPr>
+        <p:spPr/>
+        <p:txBody>
+          <a:bodyPr/>
+          <a:lstStyle/>
+          <a:p>
+            <a:r>
+              <a:rPr kumimoji="1" lang="zh-CN" altLang="en-US" dirty="0" smtClean="0"/>
+              <a:t>工作集</a:t>
+            </a:r>
+          </a:p>
+          <a:p>
+            <a:pPr marL="177800" indent="0">
+              <a:buNone/>
+            </a:pPr>
+            <a:r>
+              <a:rPr kumimoji="1" lang="zh-CN" altLang="en-US" dirty="0" smtClean="0"/>
+              <a:t>变化曲线</a:t>
+            </a:r>
+          </a:p>
+          <a:p>
+            <a:endParaRPr kumimoji="1" lang="zh-CN" altLang="en-US" dirty="0"/>
+          </a:p>
+        </p:txBody>
+      </p:sp>
+      <p:sp>
+        <p:nvSpPr>
+          <p:cNvPr id="4" name="幻灯片编号占位符 3"/>
+          <p:cNvSpPr>
+            <a:spLocks noGrp="1"/>
+          </p:cNvSpPr>
+          <p:nvPr>
+            <p:ph type="sldNum" idx="12"/>
+          </p:nvPr>
+        </p:nvSpPr>
+        <p:spPr/>
+        <p:txBody>
+          <a:bodyPr/>
+          <a:lstStyle/>
+          <a:p>
+            <a:pPr marL="0" marR="0" lvl="0" indent="0" algn="r" rtl="0">
+              <a:spcBef>
+                <a:spcPts val="0"/>
+              </a:spcBef>
+              <a:spcAft>
+                <a:spcPts val="0"/>
+              </a:spcAft>
+              <a:buClr>
+                <a:schemeClr val="dk1"/>
+              </a:buClr>
+              <a:buSzPct val="25000"/>
+              <a:buFont typeface="Arial"/>
+              <a:buNone/>
+            </a:pPr>
+            <a:fld id="{00000000-1234-1234-1234-123412341234}" type="slidenum">
+              <a:rPr lang="en-US" sz="1200" b="0" smtClean="0">
+                <a:solidFill>
+                  <a:schemeClr val="dk1"/>
+                </a:solidFill>
+                <a:latin typeface="Times New Roman"/>
+                <a:ea typeface="Times New Roman"/>
+                <a:cs typeface="Times New Roman"/>
+                <a:sym typeface="Times New Roman"/>
+              </a:rPr>
+              <a:t>29</a:t>
+            </a:fld>
+            <a:endParaRPr lang="en-US" sz="1200" b="0">
+              <a:solidFill>
+                <a:schemeClr val="dk1"/>
+              </a:solidFill>
+              <a:latin typeface="Times New Roman"/>
+              <a:ea typeface="Times New Roman"/>
+              <a:cs typeface="Times New Roman"/>
+              <a:sym typeface="Times New Roman"/>
+            </a:endParaRPr>
+          </a:p>
+        </p:txBody>
+      </p:sp>
+      <p:pic>
+        <p:nvPicPr>
+          <p:cNvPr id="5" name="图片 4"/>
+          <p:cNvPicPr>
+            <a:picLocks noChangeAspect="1"/>
+          </p:cNvPicPr>
+          <p:nvPr/>
+        </p:nvPicPr>
+        <p:blipFill>
+          <a:blip r:embed="rId2">
+            <a:extLst>
+              <a:ext uri="{28A0092B-C50C-407E-A947-70E740481C1C}">
+                <a14:useLocalDpi xmlns:a14="http://schemas.microsoft.com/office/drawing/2010/main" val="0"/>
+              </a:ext>
+            </a:extLst>
+          </a:blip>
+          <a:stretch>
+            <a:fillRect/>
+          </a:stretch>
+        </p:blipFill>
+        <p:spPr>
+          <a:xfrm>
+            <a:off x="2564994" y="1269641"/>
+            <a:ext cx="6331678" cy="5490469"/>
+          </a:xfrm>
+          <a:prstGeom prst="rect">
+            <a:avLst/>
+          </a:prstGeom>
+        </p:spPr>
+      </p:pic>
+    </p:spTree>
+    <p:extLst>
+      <p:ext uri="{BB962C8B-B14F-4D97-AF65-F5344CB8AC3E}">
+        <p14:creationId xmlns:p14="http://schemas.microsoft.com/office/powerpoint/2010/main" val="1490199243"/>
+      </p:ext>
+    </p:extLst>
+  </p:cSld>
+  <p:clrMapOvr>
+    <a:masterClrMapping/>
+  </p:clrMapOvr>
+  <p:timing>
+    <p:tnLst>
+      <p:par>
+        <p:cTn id="1" dur="indefinite" restart="never" nodeType="tmRoot"/>
+      </p:par>
+    </p:tnLst>
+  </p:timing>
 </p:sld>
 </file>
 
@@ -30338,11 +37726,7 @@
           <a:p>
             <a:r>
               <a:rPr kumimoji="1" lang="zh-CN" altLang="en-US" dirty="0" smtClean="0"/>
-              <a:t>虚拟化</a:t>
-            </a:r>
-            <a:r>
-              <a:rPr kumimoji="1" lang="zh-CN" altLang="en-US" dirty="0" smtClean="0"/>
-              <a:t>技术</a:t>
+              <a:t>虚拟化技术</a:t>
             </a:r>
             <a:endParaRPr kumimoji="1" lang="en-US" altLang="zh-CN" dirty="0" smtClean="0"/>
           </a:p>
@@ -30361,11 +37745,7 @@
             </a:r>
             <a:r>
               <a:rPr kumimoji="1" lang="zh-CN" altLang="en-US" dirty="0" smtClean="0"/>
-              <a:t>化下动态内存</a:t>
-            </a:r>
-            <a:r>
-              <a:rPr kumimoji="1" lang="zh-CN" altLang="en-US" dirty="0" smtClean="0"/>
-              <a:t>调度</a:t>
+              <a:t>化下动态内存调度</a:t>
             </a:r>
           </a:p>
           <a:p>
@@ -30983,191 +38363,8 @@
             </a:r>
             <a:r>
               <a:rPr kumimoji="1" lang="zh-CN" altLang="en-US" dirty="0"/>
-              <a:t>算法和</a:t>
-            </a:r>
-            <a:r>
-              <a:rPr kumimoji="1" lang="en-US" altLang="zh-CN" dirty="0"/>
-              <a:t>LRU</a:t>
-            </a:r>
-            <a:r>
-              <a:rPr kumimoji="1" lang="zh-CN" altLang="en-US" dirty="0"/>
-              <a:t>算法精度比较</a:t>
-            </a:r>
-            <a:endParaRPr kumimoji="1" lang="zh-CN" altLang="en-US" dirty="0"/>
-          </a:p>
-        </p:txBody>
-      </p:sp>
-      <p:sp>
-        <p:nvSpPr>
-          <p:cNvPr id="3" name="文本占位符 2"/>
-          <p:cNvSpPr>
-            <a:spLocks noGrp="1"/>
-          </p:cNvSpPr>
-          <p:nvPr>
-            <p:ph type="body" idx="1"/>
-          </p:nvPr>
-        </p:nvSpPr>
-        <p:spPr/>
-        <p:txBody>
-          <a:bodyPr/>
-          <a:lstStyle/>
-          <a:p>
-            <a:r>
-              <a:rPr kumimoji="1" lang="zh-CN" altLang="en-US" dirty="0" smtClean="0"/>
-              <a:t>工作集</a:t>
-            </a:r>
-          </a:p>
-          <a:p>
-            <a:pPr marL="177800" indent="0">
-              <a:buNone/>
-            </a:pPr>
-            <a:r>
-              <a:rPr kumimoji="1" lang="zh-CN" altLang="en-US" dirty="0" smtClean="0"/>
-              <a:t>变化曲线</a:t>
-            </a:r>
-          </a:p>
-          <a:p>
-            <a:endParaRPr kumimoji="1" lang="zh-CN" altLang="en-US" dirty="0"/>
-          </a:p>
-        </p:txBody>
-      </p:sp>
-      <p:sp>
-        <p:nvSpPr>
-          <p:cNvPr id="4" name="幻灯片编号占位符 3"/>
-          <p:cNvSpPr>
-            <a:spLocks noGrp="1"/>
-          </p:cNvSpPr>
-          <p:nvPr>
-            <p:ph type="sldNum" idx="12"/>
-          </p:nvPr>
-        </p:nvSpPr>
-        <p:spPr/>
-        <p:txBody>
-          <a:bodyPr/>
-          <a:lstStyle/>
-          <a:p>
-            <a:pPr marL="0" marR="0" lvl="0" indent="0" algn="r" rtl="0">
-              <a:spcBef>
-                <a:spcPts val="0"/>
-              </a:spcBef>
-              <a:spcAft>
-                <a:spcPts val="0"/>
-              </a:spcAft>
-              <a:buClr>
-                <a:schemeClr val="dk1"/>
-              </a:buClr>
-              <a:buSzPct val="25000"/>
-              <a:buFont typeface="Arial"/>
-              <a:buNone/>
-            </a:pPr>
-            <a:fld id="{00000000-1234-1234-1234-123412341234}" type="slidenum">
-              <a:rPr lang="en-US" sz="1200" b="0" smtClean="0">
-                <a:solidFill>
-                  <a:schemeClr val="dk1"/>
-                </a:solidFill>
-                <a:latin typeface="Times New Roman"/>
-                <a:ea typeface="Times New Roman"/>
-                <a:cs typeface="Times New Roman"/>
-                <a:sym typeface="Times New Roman"/>
-              </a:rPr>
-              <a:t>30</a:t>
-            </a:fld>
-            <a:endParaRPr lang="en-US" sz="1200" b="0">
-              <a:solidFill>
-                <a:schemeClr val="dk1"/>
-              </a:solidFill>
-              <a:latin typeface="Times New Roman"/>
-              <a:ea typeface="Times New Roman"/>
-              <a:cs typeface="Times New Roman"/>
-              <a:sym typeface="Times New Roman"/>
-            </a:endParaRPr>
-          </a:p>
-        </p:txBody>
-      </p:sp>
-      <p:pic>
-        <p:nvPicPr>
-          <p:cNvPr id="5" name="图片 4"/>
-          <p:cNvPicPr>
-            <a:picLocks noChangeAspect="1"/>
-          </p:cNvPicPr>
-          <p:nvPr/>
-        </p:nvPicPr>
-        <p:blipFill>
-          <a:blip r:embed="rId2">
-            <a:extLst>
-              <a:ext uri="{28A0092B-C50C-407E-A947-70E740481C1C}">
-                <a14:useLocalDpi xmlns:a14="http://schemas.microsoft.com/office/drawing/2010/main" val="0"/>
-              </a:ext>
-            </a:extLst>
-          </a:blip>
-          <a:stretch>
-            <a:fillRect/>
-          </a:stretch>
-        </p:blipFill>
-        <p:spPr>
-          <a:xfrm>
-            <a:off x="2564994" y="1269641"/>
-            <a:ext cx="6331678" cy="5490469"/>
-          </a:xfrm>
-          <a:prstGeom prst="rect">
-            <a:avLst/>
-          </a:prstGeom>
-        </p:spPr>
-      </p:pic>
-    </p:spTree>
-    <p:extLst>
-      <p:ext uri="{BB962C8B-B14F-4D97-AF65-F5344CB8AC3E}">
-        <p14:creationId xmlns:p14="http://schemas.microsoft.com/office/powerpoint/2010/main" val="1490199243"/>
-      </p:ext>
-    </p:extLst>
-  </p:cSld>
-  <p:clrMapOvr>
-    <a:masterClrMapping/>
-  </p:clrMapOvr>
-</p:sld>
-</file>
-
-<file path=ppt/slides/slide31.xml><?xml version="1.0" encoding="utf-8"?>
-<p:sld xmlns:a="http://schemas.openxmlformats.org/drawingml/2006/main" xmlns:r="http://schemas.openxmlformats.org/officeDocument/2006/relationships" xmlns:p="http://schemas.openxmlformats.org/presentationml/2006/main">
-  <p:cSld>
-    <p:spTree>
-      <p:nvGrpSpPr>
-        <p:cNvPr id="1" name=""/>
-        <p:cNvGrpSpPr/>
-        <p:nvPr/>
-      </p:nvGrpSpPr>
-      <p:grpSpPr>
-        <a:xfrm>
-          <a:off x="0" y="0"/>
-          <a:ext cx="0" cy="0"/>
-          <a:chOff x="0" y="0"/>
-          <a:chExt cx="0" cy="0"/>
-        </a:xfrm>
-      </p:grpSpPr>
-      <p:sp>
-        <p:nvSpPr>
-          <p:cNvPr id="2" name="标题 1"/>
-          <p:cNvSpPr>
-            <a:spLocks noGrp="1"/>
-          </p:cNvSpPr>
-          <p:nvPr>
-            <p:ph type="title"/>
-          </p:nvPr>
-        </p:nvSpPr>
-        <p:spPr/>
-        <p:txBody>
-          <a:bodyPr/>
-          <a:lstStyle/>
-          <a:p>
-            <a:r>
-              <a:rPr kumimoji="1" lang="en-US" altLang="zh-CN" dirty="0"/>
-              <a:t>AET</a:t>
-            </a:r>
-            <a:r>
-              <a:rPr kumimoji="1" lang="zh-CN" altLang="en-US" dirty="0"/>
               <a:t>算法和真实工作集比较</a:t>
             </a:r>
-            <a:endParaRPr kumimoji="1" lang="zh-CN" altLang="en-US" dirty="0"/>
           </a:p>
         </p:txBody>
       </p:sp>
@@ -31264,7 +38461,7 @@
                 <a:cs typeface="Times New Roman"/>
                 <a:sym typeface="Times New Roman"/>
               </a:rPr>
-              <a:t>31</a:t>
+              <a:t>30</a:t>
             </a:fld>
             <a:endParaRPr lang="en-US" sz="1200" b="0">
               <a:solidFill>
@@ -31288,10 +38485,17 @@
   <p:clrMapOvr>
     <a:masterClrMapping/>
   </p:clrMapOvr>
+  <p:timing>
+    <p:tnLst>
+      <p:par>
+        <p:cTn id="1" dur="indefinite" restart="never" nodeType="tmRoot"/>
+      </p:par>
+    </p:tnLst>
+  </p:timing>
 </p:sld>
 </file>
 
-<file path=ppt/slides/slide32.xml><?xml version="1.0" encoding="utf-8"?>
+<file path=ppt/slides/slide31.xml><?xml version="1.0" encoding="utf-8"?>
 <p:sld xmlns:a="http://schemas.openxmlformats.org/drawingml/2006/main" xmlns:r="http://schemas.openxmlformats.org/officeDocument/2006/relationships" xmlns:p="http://schemas.openxmlformats.org/presentationml/2006/main">
   <p:cSld>
     <p:spTree>
@@ -31356,11 +38560,7 @@
           <a:p>
             <a:r>
               <a:rPr kumimoji="1" lang="en-US" altLang="zh-CN" dirty="0" smtClean="0"/>
-              <a:t>F</a:t>
-            </a:r>
-            <a:r>
-              <a:rPr kumimoji="1" lang="en-US" altLang="zh-CN" dirty="0" smtClean="0"/>
-              <a:t>ake</a:t>
+              <a:t>Fake</a:t>
             </a:r>
             <a:endParaRPr kumimoji="1" lang="zh-CN" altLang="en-US" dirty="0" smtClean="0"/>
           </a:p>
@@ -31405,7 +38605,7 @@
                 <a:cs typeface="Times New Roman"/>
                 <a:sym typeface="Times New Roman"/>
               </a:rPr>
-              <a:t>32</a:t>
+              <a:t>31</a:t>
             </a:fld>
             <a:endParaRPr lang="en-US" sz="1200" b="0">
               <a:solidFill>
@@ -31459,10 +38659,17 @@
   <p:clrMapOvr>
     <a:masterClrMapping/>
   </p:clrMapOvr>
+  <p:timing>
+    <p:tnLst>
+      <p:par>
+        <p:cTn id="1" dur="indefinite" restart="never" nodeType="tmRoot"/>
+      </p:par>
+    </p:tnLst>
+  </p:timing>
 </p:sld>
 </file>
 
-<file path=ppt/slides/slide33.xml><?xml version="1.0" encoding="utf-8"?>
+<file path=ppt/slides/slide32.xml><?xml version="1.0" encoding="utf-8"?>
 <p:sld xmlns:a="http://schemas.openxmlformats.org/drawingml/2006/main" xmlns:r="http://schemas.openxmlformats.org/officeDocument/2006/relationships" xmlns:p="http://schemas.openxmlformats.org/presentationml/2006/main">
   <p:cSld>
     <p:spTree>
@@ -31502,7 +38709,6 @@
               <a:rPr kumimoji="1" lang="zh-CN" altLang="en-US" dirty="0"/>
               <a:t>算法和真实工作集比较</a:t>
             </a:r>
-            <a:endParaRPr kumimoji="1" lang="zh-CN" altLang="en-US" dirty="0"/>
           </a:p>
         </p:txBody>
       </p:sp>
@@ -31568,7 +38774,7 @@
                 <a:cs typeface="Times New Roman"/>
                 <a:sym typeface="Times New Roman"/>
               </a:rPr>
-              <a:t>33</a:t>
+              <a:t>32</a:t>
             </a:fld>
             <a:endParaRPr lang="en-US" sz="1200" b="0">
               <a:solidFill>
@@ -31622,10 +38828,17 @@
   <p:clrMapOvr>
     <a:masterClrMapping/>
   </p:clrMapOvr>
+  <p:timing>
+    <p:tnLst>
+      <p:par>
+        <p:cTn id="1" dur="indefinite" restart="never" nodeType="tmRoot"/>
+      </p:par>
+    </p:tnLst>
+  </p:timing>
 </p:sld>
 </file>
 
-<file path=ppt/slides/slide34.xml><?xml version="1.0" encoding="utf-8"?>
+<file path=ppt/slides/slide33.xml><?xml version="1.0" encoding="utf-8"?>
 <p:sld xmlns:a="http://schemas.openxmlformats.org/drawingml/2006/main" xmlns:r="http://schemas.openxmlformats.org/officeDocument/2006/relationships" xmlns:p="http://schemas.openxmlformats.org/presentationml/2006/main">
   <p:cSld>
     <p:spTree>
@@ -31723,7 +38936,7 @@
                 <a:cs typeface="Times New Roman"/>
                 <a:sym typeface="Times New Roman"/>
               </a:rPr>
-              <a:t>34</a:t>
+              <a:t>33</a:t>
             </a:fld>
             <a:endParaRPr lang="en-US" sz="1200" b="0">
               <a:solidFill>
@@ -31780,7 +38993,7 @@
 </p:sld>
 </file>
 
-<file path=ppt/slides/slide35.xml><?xml version="1.0" encoding="utf-8"?>
+<file path=ppt/slides/slide34.xml><?xml version="1.0" encoding="utf-8"?>
 <p:sld xmlns:a="http://schemas.openxmlformats.org/drawingml/2006/main" xmlns:r="http://schemas.openxmlformats.org/officeDocument/2006/relationships" xmlns:p="http://schemas.openxmlformats.org/presentationml/2006/main">
   <p:cSld>
     <p:spTree>
@@ -31922,7 +39135,7 @@
                 <a:cs typeface="Times New Roman"/>
                 <a:sym typeface="Times New Roman"/>
               </a:rPr>
-              <a:t>35</a:t>
+              <a:t>34</a:t>
             </a:fld>
             <a:endParaRPr lang="en-US" sz="1200" b="0">
               <a:solidFill>
@@ -31949,7 +39162,7 @@
 </p:sld>
 </file>
 
-<file path=ppt/slides/slide36.xml><?xml version="1.0" encoding="utf-8"?>
+<file path=ppt/slides/slide35.xml><?xml version="1.0" encoding="utf-8"?>
 <p:sld xmlns:a="http://schemas.openxmlformats.org/drawingml/2006/main" xmlns:r="http://schemas.openxmlformats.org/officeDocument/2006/relationships" xmlns:p="http://schemas.openxmlformats.org/presentationml/2006/main">
   <p:cSld>
     <p:spTree>
@@ -32034,11 +39247,7 @@
           <a:p>
             <a:r>
               <a:rPr kumimoji="1" lang="zh-CN" altLang="en-US" dirty="0" smtClean="0"/>
-              <a:t>总结与</a:t>
-            </a:r>
-            <a:r>
-              <a:rPr kumimoji="1" lang="zh-CN" altLang="en-US" dirty="0" smtClean="0"/>
-              <a:t>展望</a:t>
+              <a:t>总结与展望</a:t>
             </a:r>
             <a:endParaRPr kumimoji="1" lang="zh-CN" altLang="en-US" dirty="0"/>
           </a:p>
@@ -32083,7 +39292,7 @@
                 <a:cs typeface="Times New Roman"/>
                 <a:sym typeface="Times New Roman"/>
               </a:rPr>
-              <a:t>36</a:t>
+              <a:t>35</a:t>
             </a:fld>
             <a:endParaRPr lang="en-US" sz="1200" b="0">
               <a:solidFill>
@@ -32110,7 +39319,7 @@
 </p:sld>
 </file>
 
-<file path=ppt/slides/slide37.xml><?xml version="1.0" encoding="utf-8"?>
+<file path=ppt/slides/slide36.xml><?xml version="1.0" encoding="utf-8"?>
 <p:sld xmlns:a="http://schemas.openxmlformats.org/drawingml/2006/main" xmlns:r="http://schemas.openxmlformats.org/officeDocument/2006/relationships" xmlns:p="http://schemas.openxmlformats.org/presentationml/2006/main">
   <p:cSld>
     <p:spTree>
@@ -32244,6 +39453,127 @@
                 <a:cs typeface="Times New Roman"/>
                 <a:sym typeface="Times New Roman"/>
               </a:rPr>
+              <a:t>36</a:t>
+            </a:fld>
+            <a:endParaRPr lang="en-US" sz="1200" b="0">
+              <a:solidFill>
+                <a:schemeClr val="dk1"/>
+              </a:solidFill>
+              <a:latin typeface="Times New Roman"/>
+              <a:ea typeface="Times New Roman"/>
+              <a:cs typeface="Times New Roman"/>
+              <a:sym typeface="Times New Roman"/>
+            </a:endParaRPr>
+          </a:p>
+        </p:txBody>
+      </p:sp>
+    </p:spTree>
+    <p:extLst>
+      <p:ext uri="{BB962C8B-B14F-4D97-AF65-F5344CB8AC3E}">
+        <p14:creationId xmlns:p14="http://schemas.microsoft.com/office/powerpoint/2010/main" val="4092899429"/>
+      </p:ext>
+    </p:extLst>
+  </p:cSld>
+  <p:clrMapOvr>
+    <a:masterClrMapping/>
+  </p:clrMapOvr>
+</p:sld>
+</file>
+
+<file path=ppt/slides/slide37.xml><?xml version="1.0" encoding="utf-8"?>
+<p:sld xmlns:a="http://schemas.openxmlformats.org/drawingml/2006/main" xmlns:r="http://schemas.openxmlformats.org/officeDocument/2006/relationships" xmlns:p="http://schemas.openxmlformats.org/presentationml/2006/main">
+  <p:cSld>
+    <p:spTree>
+      <p:nvGrpSpPr>
+        <p:cNvPr id="1" name=""/>
+        <p:cNvGrpSpPr/>
+        <p:nvPr/>
+      </p:nvGrpSpPr>
+      <p:grpSpPr>
+        <a:xfrm>
+          <a:off x="0" y="0"/>
+          <a:ext cx="0" cy="0"/>
+          <a:chOff x="0" y="0"/>
+          <a:chExt cx="0" cy="0"/>
+        </a:xfrm>
+      </p:grpSpPr>
+      <p:sp>
+        <p:nvSpPr>
+          <p:cNvPr id="2" name="标题 1"/>
+          <p:cNvSpPr>
+            <a:spLocks noGrp="1"/>
+          </p:cNvSpPr>
+          <p:nvPr>
+            <p:ph type="title"/>
+          </p:nvPr>
+        </p:nvSpPr>
+        <p:spPr/>
+        <p:txBody>
+          <a:bodyPr/>
+          <a:lstStyle/>
+          <a:p>
+            <a:endParaRPr kumimoji="1" lang="zh-CN" altLang="en-US" dirty="0"/>
+          </a:p>
+        </p:txBody>
+      </p:sp>
+      <p:sp>
+        <p:nvSpPr>
+          <p:cNvPr id="3" name="文本占位符 2"/>
+          <p:cNvSpPr>
+            <a:spLocks noGrp="1"/>
+          </p:cNvSpPr>
+          <p:nvPr>
+            <p:ph type="body" idx="1"/>
+          </p:nvPr>
+        </p:nvSpPr>
+        <p:spPr/>
+        <p:txBody>
+          <a:bodyPr/>
+          <a:lstStyle/>
+          <a:p>
+            <a:endParaRPr kumimoji="1" lang="zh-CN" altLang="en-US" dirty="0"/>
+          </a:p>
+        </p:txBody>
+      </p:sp>
+      <p:sp>
+        <p:nvSpPr>
+          <p:cNvPr id="4" name="幻灯片编号占位符 3"/>
+          <p:cNvSpPr>
+            <a:spLocks noGrp="1"/>
+          </p:cNvSpPr>
+          <p:nvPr>
+            <p:ph type="sldNum" idx="12"/>
+          </p:nvPr>
+        </p:nvSpPr>
+        <p:spPr/>
+        <p:txBody>
+          <a:bodyPr/>
+          <a:lstStyle/>
+          <a:p>
+            <a:pPr marL="0" marR="0" lvl="0" indent="0" algn="r" rtl="0">
+              <a:spcBef>
+                <a:spcPts val="0"/>
+              </a:spcBef>
+              <a:spcAft>
+                <a:spcPts val="0"/>
+              </a:spcAft>
+              <a:buClr>
+                <a:schemeClr val="dk1"/>
+              </a:buClr>
+              <a:buSzPct val="25000"/>
+              <a:buFont typeface="Arial"/>
+              <a:buNone/>
+            </a:pPr>
+            <a:fld id="{00000000-1234-1234-1234-123412341234}" type="slidenum">
+              <a:rPr lang="en-US" sz="1200" b="0" smtClean="0">
+                <a:solidFill>
+                  <a:schemeClr val="dk1"/>
+                </a:solidFill>
+                <a:latin typeface="Times New Roman"/>
+                <a:ea typeface="Times New Roman"/>
+                <a:cs typeface="Times New Roman"/>
+                <a:sym typeface="Times New Roman"/>
+              </a:rPr>
               <a:t>37</a:t>
             </a:fld>
             <a:endParaRPr lang="en-US" sz="1200" b="0">
@@ -32261,7 +39591,7 @@
     </p:spTree>
     <p:extLst>
       <p:ext uri="{BB962C8B-B14F-4D97-AF65-F5344CB8AC3E}">
-        <p14:creationId xmlns:p14="http://schemas.microsoft.com/office/powerpoint/2010/main" val="4092899429"/>
+        <p14:creationId xmlns:p14="http://schemas.microsoft.com/office/powerpoint/2010/main" val="1791544192"/>
       </p:ext>
     </p:extLst>
   </p:cSld>
@@ -32382,7 +39712,7 @@
     </p:spTree>
     <p:extLst>
       <p:ext uri="{BB962C8B-B14F-4D97-AF65-F5344CB8AC3E}">
-        <p14:creationId xmlns:p14="http://schemas.microsoft.com/office/powerpoint/2010/main" val="1791544192"/>
+        <p14:creationId xmlns:p14="http://schemas.microsoft.com/office/powerpoint/2010/main" val="855902639"/>
       </p:ext>
     </p:extLst>
   </p:cSld>
@@ -32503,7 +39833,7 @@
     </p:spTree>
     <p:extLst>
       <p:ext uri="{BB962C8B-B14F-4D97-AF65-F5344CB8AC3E}">
-        <p14:creationId xmlns:p14="http://schemas.microsoft.com/office/powerpoint/2010/main" val="855902639"/>
+        <p14:creationId xmlns:p14="http://schemas.microsoft.com/office/powerpoint/2010/main" val="936807395"/>
       </p:ext>
     </p:extLst>
   </p:cSld>
@@ -33675,13 +41005,20 @@
     </p:spTree>
     <p:extLst>
       <p:ext uri="{BB962C8B-B14F-4D97-AF65-F5344CB8AC3E}">
-        <p14:creationId xmlns:p14="http://schemas.microsoft.com/office/powerpoint/2010/main" val="936807395"/>
+        <p14:creationId xmlns:p14="http://schemas.microsoft.com/office/powerpoint/2010/main" val="292933099"/>
       </p:ext>
     </p:extLst>
   </p:cSld>
   <p:clrMapOvr>
     <a:masterClrMapping/>
   </p:clrMapOvr>
+  <p:timing>
+    <p:tnLst>
+      <p:par>
+        <p:cTn id="1" dur="indefinite" restart="never" nodeType="tmRoot"/>
+      </p:par>
+    </p:tnLst>
+  </p:timing>
 </p:sld>
 </file>
 
@@ -33796,20 +41133,13 @@
     </p:spTree>
     <p:extLst>
       <p:ext uri="{BB962C8B-B14F-4D97-AF65-F5344CB8AC3E}">
-        <p14:creationId xmlns:p14="http://schemas.microsoft.com/office/powerpoint/2010/main" val="292933099"/>
+        <p14:creationId xmlns:p14="http://schemas.microsoft.com/office/powerpoint/2010/main" val="3528067127"/>
       </p:ext>
     </p:extLst>
   </p:cSld>
   <p:clrMapOvr>
     <a:masterClrMapping/>
   </p:clrMapOvr>
-  <p:timing>
-    <p:tnLst>
-      <p:par>
-        <p:cTn id="1" dur="indefinite" restart="never" nodeType="tmRoot"/>
-      </p:par>
-    </p:tnLst>
-  </p:timing>
 </p:sld>
 </file>
 
@@ -33924,127 +41254,6 @@
     </p:spTree>
     <p:extLst>
       <p:ext uri="{BB962C8B-B14F-4D97-AF65-F5344CB8AC3E}">
-        <p14:creationId xmlns:p14="http://schemas.microsoft.com/office/powerpoint/2010/main" val="3528067127"/>
-      </p:ext>
-    </p:extLst>
-  </p:cSld>
-  <p:clrMapOvr>
-    <a:masterClrMapping/>
-  </p:clrMapOvr>
-</p:sld>
-</file>
-
-<file path=ppt/slides/slide43.xml><?xml version="1.0" encoding="utf-8"?>
-<p:sld xmlns:a="http://schemas.openxmlformats.org/drawingml/2006/main" xmlns:r="http://schemas.openxmlformats.org/officeDocument/2006/relationships" xmlns:p="http://schemas.openxmlformats.org/presentationml/2006/main">
-  <p:cSld>
-    <p:spTree>
-      <p:nvGrpSpPr>
-        <p:cNvPr id="1" name=""/>
-        <p:cNvGrpSpPr/>
-        <p:nvPr/>
-      </p:nvGrpSpPr>
-      <p:grpSpPr>
-        <a:xfrm>
-          <a:off x="0" y="0"/>
-          <a:ext cx="0" cy="0"/>
-          <a:chOff x="0" y="0"/>
-          <a:chExt cx="0" cy="0"/>
-        </a:xfrm>
-      </p:grpSpPr>
-      <p:sp>
-        <p:nvSpPr>
-          <p:cNvPr id="2" name="标题 1"/>
-          <p:cNvSpPr>
-            <a:spLocks noGrp="1"/>
-          </p:cNvSpPr>
-          <p:nvPr>
-            <p:ph type="title"/>
-          </p:nvPr>
-        </p:nvSpPr>
-        <p:spPr/>
-        <p:txBody>
-          <a:bodyPr/>
-          <a:lstStyle/>
-          <a:p>
-            <a:endParaRPr kumimoji="1" lang="zh-CN" altLang="en-US" dirty="0"/>
-          </a:p>
-        </p:txBody>
-      </p:sp>
-      <p:sp>
-        <p:nvSpPr>
-          <p:cNvPr id="3" name="文本占位符 2"/>
-          <p:cNvSpPr>
-            <a:spLocks noGrp="1"/>
-          </p:cNvSpPr>
-          <p:nvPr>
-            <p:ph type="body" idx="1"/>
-          </p:nvPr>
-        </p:nvSpPr>
-        <p:spPr/>
-        <p:txBody>
-          <a:bodyPr/>
-          <a:lstStyle/>
-          <a:p>
-            <a:endParaRPr kumimoji="1" lang="zh-CN" altLang="en-US" dirty="0"/>
-          </a:p>
-        </p:txBody>
-      </p:sp>
-      <p:sp>
-        <p:nvSpPr>
-          <p:cNvPr id="4" name="幻灯片编号占位符 3"/>
-          <p:cNvSpPr>
-            <a:spLocks noGrp="1"/>
-          </p:cNvSpPr>
-          <p:nvPr>
-            <p:ph type="sldNum" idx="12"/>
-          </p:nvPr>
-        </p:nvSpPr>
-        <p:spPr/>
-        <p:txBody>
-          <a:bodyPr/>
-          <a:lstStyle/>
-          <a:p>
-            <a:pPr marL="0" marR="0" lvl="0" indent="0" algn="r" rtl="0">
-              <a:spcBef>
-                <a:spcPts val="0"/>
-              </a:spcBef>
-              <a:spcAft>
-                <a:spcPts val="0"/>
-              </a:spcAft>
-              <a:buClr>
-                <a:schemeClr val="dk1"/>
-              </a:buClr>
-              <a:buSzPct val="25000"/>
-              <a:buFont typeface="Arial"/>
-              <a:buNone/>
-            </a:pPr>
-            <a:fld id="{00000000-1234-1234-1234-123412341234}" type="slidenum">
-              <a:rPr lang="en-US" sz="1200" b="0" smtClean="0">
-                <a:solidFill>
-                  <a:schemeClr val="dk1"/>
-                </a:solidFill>
-                <a:latin typeface="Times New Roman"/>
-                <a:ea typeface="Times New Roman"/>
-                <a:cs typeface="Times New Roman"/>
-                <a:sym typeface="Times New Roman"/>
-              </a:rPr>
-              <a:t>43</a:t>
-            </a:fld>
-            <a:endParaRPr lang="en-US" sz="1200" b="0">
-              <a:solidFill>
-                <a:schemeClr val="dk1"/>
-              </a:solidFill>
-              <a:latin typeface="Times New Roman"/>
-              <a:ea typeface="Times New Roman"/>
-              <a:cs typeface="Times New Roman"/>
-              <a:sym typeface="Times New Roman"/>
-            </a:endParaRPr>
-          </a:p>
-        </p:txBody>
-      </p:sp>
-    </p:spTree>
-    <p:extLst>
-      <p:ext uri="{BB962C8B-B14F-4D97-AF65-F5344CB8AC3E}">
         <p14:creationId xmlns:p14="http://schemas.microsoft.com/office/powerpoint/2010/main" val="2100692020"/>
       </p:ext>
     </p:extLst>
@@ -34062,7 +41271,7 @@
 </p:sld>
 </file>
 
-<file path=ppt/slides/slide44.xml><?xml version="1.0" encoding="utf-8"?>
+<file path=ppt/slides/slide43.xml><?xml version="1.0" encoding="utf-8"?>
 <p:sld xmlns:a="http://schemas.openxmlformats.org/drawingml/2006/main" xmlns:r="http://schemas.openxmlformats.org/officeDocument/2006/relationships" xmlns:p="http://schemas.openxmlformats.org/presentationml/2006/main">
   <p:cSld>
     <p:spTree>
@@ -34271,7 +41480,7 @@
                 <a:cs typeface="Times New Roman"/>
                 <a:sym typeface="Times New Roman"/>
               </a:rPr>
-              <a:t>44</a:t>
+              <a:t>43</a:t>
             </a:fld>
             <a:endParaRPr lang="en-US" sz="1200" b="0">
               <a:solidFill>
@@ -34335,7 +41544,7 @@
 </p:sld>
 </file>
 
-<file path=ppt/slides/slide45.xml><?xml version="1.0" encoding="utf-8"?>
+<file path=ppt/slides/slide44.xml><?xml version="1.0" encoding="utf-8"?>
 <p:sld xmlns:a="http://schemas.openxmlformats.org/drawingml/2006/main" xmlns:r="http://schemas.openxmlformats.org/officeDocument/2006/relationships" xmlns:p="http://schemas.openxmlformats.org/presentationml/2006/main">
   <p:cSld>
     <p:spTree>
@@ -34463,7 +41672,7 @@
                 <a:cs typeface="Times New Roman"/>
                 <a:sym typeface="Times New Roman"/>
               </a:rPr>
-              <a:t>45</a:t>
+              <a:t>44</a:t>
             </a:fld>
             <a:endParaRPr lang="en-US" sz="1200" b="0">
               <a:solidFill>
@@ -36002,19 +43211,7 @@
           <a:p>
             <a:r>
               <a:rPr kumimoji="1" lang="zh-CN" altLang="en-US" dirty="0" smtClean="0"/>
-              <a:t>虚拟</a:t>
-            </a:r>
-            <a:r>
-              <a:rPr kumimoji="1" lang="zh-CN" altLang="en-US" dirty="0" smtClean="0"/>
-              <a:t>化</a:t>
-            </a:r>
-            <a:r>
-              <a:rPr kumimoji="1" lang="zh-CN" altLang="en-US" dirty="0" smtClean="0"/>
-              <a:t>下</a:t>
-            </a:r>
-            <a:r>
-              <a:rPr kumimoji="1" lang="zh-CN" altLang="en-US" dirty="0" smtClean="0"/>
-              <a:t>动态内存调度方法</a:t>
+              <a:t>虚拟化下动态内存调度方法</a:t>
             </a:r>
             <a:endParaRPr kumimoji="1" lang="en-US" altLang="zh-CN" dirty="0" smtClean="0"/>
           </a:p>
@@ -36668,19 +43865,7 @@
             <a:pPr lvl="3"/>
             <a:r>
               <a:rPr kumimoji="1" lang="zh-CN" altLang="en-US" dirty="0" smtClean="0"/>
-              <a:t>缺点：无法刻画内存大小</a:t>
-            </a:r>
-            <a:r>
-              <a:rPr kumimoji="1" lang="zh-CN" altLang="en-US" dirty="0" smtClean="0"/>
-              <a:t>和</a:t>
-            </a:r>
-            <a:r>
-              <a:rPr kumimoji="1" lang="zh-CN" altLang="en-US" dirty="0" smtClean="0"/>
-              <a:t>失效率</a:t>
-            </a:r>
-            <a:r>
-              <a:rPr kumimoji="1" lang="zh-CN" altLang="en-US" dirty="0" smtClean="0"/>
-              <a:t>的关系</a:t>
+              <a:t>缺点：无法刻画内存大小和失效率的关系</a:t>
             </a:r>
             <a:endParaRPr kumimoji="1" lang="en-US" altLang="zh-CN" dirty="0" smtClean="0"/>
           </a:p>
@@ -36692,15 +43877,7 @@
             </a:r>
             <a:r>
               <a:rPr kumimoji="1" lang="zh-CN" altLang="en-US" dirty="0" smtClean="0"/>
-              <a:t>计算（</a:t>
-            </a:r>
-            <a:r>
-              <a:rPr kumimoji="1" lang="zh-CN" altLang="en-US" dirty="0" smtClean="0"/>
-              <a:t>失效率曲线</a:t>
-            </a:r>
-            <a:r>
-              <a:rPr kumimoji="1" lang="zh-CN" altLang="en-US" dirty="0" smtClean="0"/>
-              <a:t>）</a:t>
+              <a:t>计算（失效率曲线）</a:t>
             </a:r>
             <a:endParaRPr kumimoji="1" lang="en-US" altLang="zh-CN" dirty="0" smtClean="0"/>
           </a:p>
@@ -37698,15 +44875,7 @@
                   <a:srgbClr val="FF0000"/>
                 </a:solidFill>
               </a:rPr>
-              <a:t>相关</a:t>
-            </a:r>
-            <a:r>
-              <a:rPr kumimoji="1" lang="zh-CN" altLang="en-US" dirty="0" smtClean="0">
-                <a:solidFill>
-                  <a:srgbClr val="FF0000"/>
-                </a:solidFill>
-              </a:rPr>
-              <a:t>工作</a:t>
+              <a:t>相关工作</a:t>
             </a:r>
           </a:p>
           <a:p>
@@ -37754,11 +44923,7 @@
           <a:p>
             <a:r>
               <a:rPr kumimoji="1" lang="zh-CN" altLang="en-US" dirty="0" smtClean="0"/>
-              <a:t>总结与</a:t>
-            </a:r>
-            <a:r>
-              <a:rPr kumimoji="1" lang="zh-CN" altLang="en-US" dirty="0" smtClean="0"/>
-              <a:t>展望</a:t>
+              <a:t>总结与展望</a:t>
             </a:r>
             <a:endParaRPr kumimoji="1" lang="zh-CN" altLang="en-US" dirty="0"/>
           </a:p>
